--- a/Offline/BusinessManagement/MarketingArtworks/pptx/A3-Posters.pptx
+++ b/Offline/BusinessManagement/MarketingArtworks/pptx/A3-Posters.pptx
@@ -244,7 +244,7 @@
           <a:p>
             <a:fld id="{50DAE02F-A7B1-4E85-A917-24263C02D340}" type="datetimeFigureOut">
               <a:rPr lang="en-US" smtClean="0"/>
-              <a:t>7/26/2023</a:t>
+              <a:t>7/28/2023</a:t>
             </a:fld>
             <a:endParaRPr lang="en-US"/>
           </a:p>
@@ -414,7 +414,7 @@
           <a:p>
             <a:fld id="{50DAE02F-A7B1-4E85-A917-24263C02D340}" type="datetimeFigureOut">
               <a:rPr lang="en-US" smtClean="0"/>
-              <a:t>7/26/2023</a:t>
+              <a:t>7/28/2023</a:t>
             </a:fld>
             <a:endParaRPr lang="en-US"/>
           </a:p>
@@ -594,7 +594,7 @@
           <a:p>
             <a:fld id="{50DAE02F-A7B1-4E85-A917-24263C02D340}" type="datetimeFigureOut">
               <a:rPr lang="en-US" smtClean="0"/>
-              <a:t>7/26/2023</a:t>
+              <a:t>7/28/2023</a:t>
             </a:fld>
             <a:endParaRPr lang="en-US"/>
           </a:p>
@@ -764,7 +764,7 @@
           <a:p>
             <a:fld id="{50DAE02F-A7B1-4E85-A917-24263C02D340}" type="datetimeFigureOut">
               <a:rPr lang="en-US" smtClean="0"/>
-              <a:t>7/26/2023</a:t>
+              <a:t>7/28/2023</a:t>
             </a:fld>
             <a:endParaRPr lang="en-US"/>
           </a:p>
@@ -1008,7 +1008,7 @@
           <a:p>
             <a:fld id="{50DAE02F-A7B1-4E85-A917-24263C02D340}" type="datetimeFigureOut">
               <a:rPr lang="en-US" smtClean="0"/>
-              <a:t>7/26/2023</a:t>
+              <a:t>7/28/2023</a:t>
             </a:fld>
             <a:endParaRPr lang="en-US"/>
           </a:p>
@@ -1240,7 +1240,7 @@
           <a:p>
             <a:fld id="{50DAE02F-A7B1-4E85-A917-24263C02D340}" type="datetimeFigureOut">
               <a:rPr lang="en-US" smtClean="0"/>
-              <a:t>7/26/2023</a:t>
+              <a:t>7/28/2023</a:t>
             </a:fld>
             <a:endParaRPr lang="en-US"/>
           </a:p>
@@ -1607,7 +1607,7 @@
           <a:p>
             <a:fld id="{50DAE02F-A7B1-4E85-A917-24263C02D340}" type="datetimeFigureOut">
               <a:rPr lang="en-US" smtClean="0"/>
-              <a:t>7/26/2023</a:t>
+              <a:t>7/28/2023</a:t>
             </a:fld>
             <a:endParaRPr lang="en-US"/>
           </a:p>
@@ -1725,7 +1725,7 @@
           <a:p>
             <a:fld id="{50DAE02F-A7B1-4E85-A917-24263C02D340}" type="datetimeFigureOut">
               <a:rPr lang="en-US" smtClean="0"/>
-              <a:t>7/26/2023</a:t>
+              <a:t>7/28/2023</a:t>
             </a:fld>
             <a:endParaRPr lang="en-US"/>
           </a:p>
@@ -1820,7 +1820,7 @@
           <a:p>
             <a:fld id="{50DAE02F-A7B1-4E85-A917-24263C02D340}" type="datetimeFigureOut">
               <a:rPr lang="en-US" smtClean="0"/>
-              <a:t>7/26/2023</a:t>
+              <a:t>7/28/2023</a:t>
             </a:fld>
             <a:endParaRPr lang="en-US"/>
           </a:p>
@@ -2097,7 +2097,7 @@
           <a:p>
             <a:fld id="{50DAE02F-A7B1-4E85-A917-24263C02D340}" type="datetimeFigureOut">
               <a:rPr lang="en-US" smtClean="0"/>
-              <a:t>7/26/2023</a:t>
+              <a:t>7/28/2023</a:t>
             </a:fld>
             <a:endParaRPr lang="en-US"/>
           </a:p>
@@ -2354,7 +2354,7 @@
           <a:p>
             <a:fld id="{50DAE02F-A7B1-4E85-A917-24263C02D340}" type="datetimeFigureOut">
               <a:rPr lang="en-US" smtClean="0"/>
-              <a:t>7/26/2023</a:t>
+              <a:t>7/28/2023</a:t>
             </a:fld>
             <a:endParaRPr lang="en-US"/>
           </a:p>
@@ -2567,7 +2567,7 @@
           <a:p>
             <a:fld id="{50DAE02F-A7B1-4E85-A917-24263C02D340}" type="datetimeFigureOut">
               <a:rPr lang="en-US" smtClean="0"/>
-              <a:t>7/26/2023</a:t>
+              <a:t>7/28/2023</a:t>
             </a:fld>
             <a:endParaRPr lang="en-US"/>
           </a:p>
@@ -6219,7 +6219,19 @@
               <a:rPr lang="en-US" sz="4400" b="1" cap="small" dirty="0">
                 <a:latin typeface="Oxygen" panose="02000503000000000000" pitchFamily="2" charset="0"/>
               </a:rPr>
-              <a:t>Training/Project for Engineers</a:t>
+              <a:t>Training &amp; Project </a:t>
+            </a:r>
+            <a:r>
+              <a:rPr lang="en-US" sz="3600" b="1" cap="small" dirty="0">
+                <a:latin typeface="Oxygen" panose="02000503000000000000" pitchFamily="2" charset="0"/>
+              </a:rPr>
+              <a:t>for</a:t>
+            </a:r>
+            <a:r>
+              <a:rPr lang="en-US" sz="4400" b="1" cap="small" dirty="0">
+                <a:latin typeface="Oxygen" panose="02000503000000000000" pitchFamily="2" charset="0"/>
+              </a:rPr>
+              <a:t> Engineers</a:t>
             </a:r>
           </a:p>
           <a:p>

--- a/Offline/BusinessManagement/MarketingArtworks/pptx/A3-Posters.pptx
+++ b/Offline/BusinessManagement/MarketingArtworks/pptx/A3-Posters.pptx
@@ -5866,10 +5866,117 @@
       </p:sp>
       <p:sp>
         <p:nvSpPr>
-          <p:cNvPr id="13" name="32-Point Star 20">
+          <p:cNvPr id="18" name="TextBox 17">
             <a:extLst>
               <a:ext uri="{FF2B5EF4-FFF2-40B4-BE49-F238E27FC236}">
-                <a16:creationId xmlns:a16="http://schemas.microsoft.com/office/drawing/2014/main" id="{D29A3F32-D553-6695-8B0B-D9664E0CBECB}"/>
+                <a16:creationId xmlns:a16="http://schemas.microsoft.com/office/drawing/2014/main" id="{E4FDAF19-7F7B-3938-7A51-47B91C4CD1D0}"/>
+              </a:ext>
+            </a:extLst>
+          </p:cNvPr>
+          <p:cNvSpPr txBox="1"/>
+          <p:nvPr/>
+        </p:nvSpPr>
+        <p:spPr>
+          <a:xfrm>
+            <a:off x="7593" y="9828167"/>
+            <a:ext cx="9144000" cy="1455207"/>
+          </a:xfrm>
+          <a:prstGeom prst="rect">
+            <a:avLst/>
+          </a:prstGeom>
+          <a:noFill/>
+        </p:spPr>
+        <p:txBody>
+          <a:bodyPr wrap="square">
+            <a:spAutoFit/>
+          </a:bodyPr>
+          <a:lstStyle/>
+          <a:p>
+            <a:pPr algn="ctr"/>
+            <a:r>
+              <a:rPr lang="en-US" sz="2952" b="1" cap="small" dirty="0">
+                <a:latin typeface="Oxygen" panose="02000503000000000000" pitchFamily="2" charset="0"/>
+              </a:rPr>
+              <a:t>Best Teachers, Study Materials, </a:t>
+            </a:r>
+          </a:p>
+          <a:p>
+            <a:pPr algn="ctr"/>
+            <a:r>
+              <a:rPr lang="en-US" sz="2952" b="1" cap="small" dirty="0">
+                <a:latin typeface="Oxygen" panose="02000503000000000000" pitchFamily="2" charset="0"/>
+              </a:rPr>
+              <a:t>Mock Tests, PTM, Doubt Clearing, Counselling</a:t>
+            </a:r>
+          </a:p>
+          <a:p>
+            <a:pPr algn="ctr"/>
+            <a:r>
+              <a:rPr lang="en-US" sz="2952" b="1" cap="small" dirty="0">
+                <a:latin typeface="Oxygen" panose="02000503000000000000" pitchFamily="2" charset="0"/>
+              </a:rPr>
+              <a:t>Smart Classrooms, AC, CCTV </a:t>
+            </a:r>
+            <a:r>
+              <a:rPr lang="en-US" sz="1905" b="1" cap="small" dirty="0">
+                <a:latin typeface="Oxygen" panose="02000503000000000000" pitchFamily="2" charset="0"/>
+              </a:rPr>
+              <a:t>* As required</a:t>
+            </a:r>
+            <a:endParaRPr lang="en-US" sz="2952" b="1" cap="small" dirty="0">
+              <a:latin typeface="Oxygen" panose="02000503000000000000" pitchFamily="2" charset="0"/>
+            </a:endParaRPr>
+          </a:p>
+        </p:txBody>
+      </p:sp>
+      <p:sp>
+        <p:nvSpPr>
+          <p:cNvPr id="9" name="TextBox 8">
+            <a:extLst>
+              <a:ext uri="{FF2B5EF4-FFF2-40B4-BE49-F238E27FC236}">
+                <a16:creationId xmlns:a16="http://schemas.microsoft.com/office/drawing/2014/main" id="{94FF986B-CD0A-F05F-D826-AAD52EF6607D}"/>
+              </a:ext>
+            </a:extLst>
+          </p:cNvPr>
+          <p:cNvSpPr txBox="1"/>
+          <p:nvPr/>
+        </p:nvSpPr>
+        <p:spPr>
+          <a:xfrm>
+            <a:off x="2724884" y="13142777"/>
+            <a:ext cx="3781119" cy="476925"/>
+          </a:xfrm>
+          <a:prstGeom prst="rect">
+            <a:avLst/>
+          </a:prstGeom>
+          <a:noFill/>
+        </p:spPr>
+        <p:txBody>
+          <a:bodyPr wrap="square">
+            <a:spAutoFit/>
+          </a:bodyPr>
+          <a:lstStyle/>
+          <a:p>
+            <a:pPr algn="ctr">
+              <a:lnSpc>
+                <a:spcPct val="150000"/>
+              </a:lnSpc>
+            </a:pPr>
+            <a:r>
+              <a:rPr lang="en-US" sz="1905" b="1" cap="small" dirty="0">
+                <a:latin typeface="Oxygen" panose="02000503000000000000" pitchFamily="2" charset="0"/>
+              </a:rPr>
+              <a:t>* Conditions Apply</a:t>
+            </a:r>
+          </a:p>
+        </p:txBody>
+      </p:sp>
+      <p:sp>
+        <p:nvSpPr>
+          <p:cNvPr id="11" name="32-Point Star 20">
+            <a:extLst>
+              <a:ext uri="{FF2B5EF4-FFF2-40B4-BE49-F238E27FC236}">
+                <a16:creationId xmlns:a16="http://schemas.microsoft.com/office/drawing/2014/main" id="{BDD19603-54E0-0893-8BE9-1B6B28BF8E02}"/>
               </a:ext>
             </a:extLst>
           </p:cNvPr>
@@ -5878,13 +5985,15 @@
         </p:nvSpPr>
         <p:spPr>
           <a:xfrm>
-            <a:off x="739842" y="11992041"/>
-            <a:ext cx="2996660" cy="1485681"/>
+            <a:off x="5880295" y="12035917"/>
+            <a:ext cx="3232443" cy="1632356"/>
           </a:xfrm>
           <a:prstGeom prst="star32">
             <a:avLst/>
           </a:prstGeom>
-          <a:noFill/>
+          <a:solidFill>
+            <a:schemeClr val="tx1"/>
+          </a:solidFill>
           <a:ln w="123825">
             <a:solidFill>
               <a:schemeClr val="tx1"/>
@@ -5913,9 +6022,9 @@
           <a:p>
             <a:pPr algn="ctr"/>
             <a:r>
-              <a:rPr lang="en-US" sz="4400" b="1" cap="small" dirty="0">
+              <a:rPr lang="en-US" sz="5400" b="1" cap="small" dirty="0">
                 <a:solidFill>
-                  <a:schemeClr val="tx1"/>
+                  <a:schemeClr val="bg1"/>
                 </a:solidFill>
                 <a:latin typeface="Oxygen" panose="02000503000000000000" pitchFamily="2" charset="0"/>
               </a:rPr>
@@ -5925,17 +6034,17 @@
           <a:p>
             <a:pPr algn="ctr"/>
             <a:r>
-              <a:rPr lang="en-US" sz="2000" b="1" cap="small" dirty="0">
+              <a:rPr lang="en-US" sz="2800" b="1" cap="small" dirty="0">
                 <a:solidFill>
-                  <a:schemeClr val="tx1"/>
+                  <a:schemeClr val="bg1"/>
                 </a:solidFill>
                 <a:latin typeface="Oxygen" panose="02000503000000000000" pitchFamily="2" charset="0"/>
               </a:rPr>
               <a:t>Off</a:t>
             </a:r>
-            <a:endParaRPr lang="en-US" b="1" cap="small" dirty="0">
+            <a:endParaRPr lang="en-US" sz="2400" b="1" cap="small" dirty="0">
               <a:solidFill>
-                <a:schemeClr val="tx1"/>
+                <a:schemeClr val="bg1"/>
               </a:solidFill>
               <a:latin typeface="Oxygen" panose="02000503000000000000" pitchFamily="2" charset="0"/>
             </a:endParaRPr>
@@ -5944,10 +6053,10 @@
       </p:sp>
       <p:sp>
         <p:nvSpPr>
-          <p:cNvPr id="14" name="TextBox 13">
+          <p:cNvPr id="12" name="TextBox 11">
             <a:extLst>
               <a:ext uri="{FF2B5EF4-FFF2-40B4-BE49-F238E27FC236}">
-                <a16:creationId xmlns:a16="http://schemas.microsoft.com/office/drawing/2014/main" id="{DDF9B6BD-F115-BFD4-6D1A-003538C7AEE6}"/>
+                <a16:creationId xmlns:a16="http://schemas.microsoft.com/office/drawing/2014/main" id="{331C6C6C-54EC-A90F-86D1-4A144D85EE01}"/>
               </a:ext>
             </a:extLst>
           </p:cNvPr>
@@ -5956,8 +6065,8 @@
         </p:nvSpPr>
         <p:spPr>
           <a:xfrm>
-            <a:off x="2724884" y="13142777"/>
-            <a:ext cx="3781119" cy="476925"/>
+            <a:off x="2521873" y="11206135"/>
+            <a:ext cx="4100253" cy="646331"/>
           </a:xfrm>
           <a:prstGeom prst="rect">
             <a:avLst/>
@@ -5970,103 +6079,99 @@
           </a:bodyPr>
           <a:lstStyle/>
           <a:p>
-            <a:pPr algn="ctr">
-              <a:lnSpc>
-                <a:spcPct val="150000"/>
-              </a:lnSpc>
-            </a:pPr>
-            <a:r>
-              <a:rPr lang="en-US" sz="1905" b="1" cap="small" dirty="0">
+            <a:pPr algn="ctr"/>
+            <a:r>
+              <a:rPr lang="en-US" sz="3600" b="1" cap="small" dirty="0">
                 <a:latin typeface="Oxygen" panose="02000503000000000000" pitchFamily="2" charset="0"/>
               </a:rPr>
-              <a:t>* Conditions Apply</a:t>
+              <a:t>Own Edtech App</a:t>
             </a:r>
           </a:p>
         </p:txBody>
       </p:sp>
-      <p:sp>
-        <p:nvSpPr>
-          <p:cNvPr id="18" name="TextBox 17">
+      <p:pic>
+        <p:nvPicPr>
+          <p:cNvPr id="15" name="Picture 14">
             <a:extLst>
               <a:ext uri="{FF2B5EF4-FFF2-40B4-BE49-F238E27FC236}">
-                <a16:creationId xmlns:a16="http://schemas.microsoft.com/office/drawing/2014/main" id="{E4FDAF19-7F7B-3938-7A51-47B91C4CD1D0}"/>
+                <a16:creationId xmlns:a16="http://schemas.microsoft.com/office/drawing/2014/main" id="{06581B7C-327B-58A9-82DB-62A073F9A6F7}"/>
               </a:ext>
             </a:extLst>
           </p:cNvPr>
-          <p:cNvSpPr txBox="1"/>
+          <p:cNvPicPr>
+            <a:picLocks noChangeAspect="1"/>
+          </p:cNvPicPr>
           <p:nvPr/>
-        </p:nvSpPr>
+        </p:nvPicPr>
+        <p:blipFill>
+          <a:blip r:embed="rId2"/>
+          <a:stretch>
+            <a:fillRect/>
+          </a:stretch>
+        </p:blipFill>
         <p:spPr>
           <a:xfrm>
-            <a:off x="7593" y="9828167"/>
-            <a:ext cx="9144000" cy="2051203"/>
+            <a:off x="6489058" y="11206135"/>
+            <a:ext cx="738532" cy="752146"/>
+          </a:xfrm>
+          <a:prstGeom prst="rect">
+            <a:avLst/>
+          </a:prstGeom>
+        </p:spPr>
+      </p:pic>
+      <p:pic>
+        <p:nvPicPr>
+          <p:cNvPr id="16" name="Picture 2" descr="Google, play icon - Free download on Iconfinder">
+            <a:extLst>
+              <a:ext uri="{FF2B5EF4-FFF2-40B4-BE49-F238E27FC236}">
+                <a16:creationId xmlns:a16="http://schemas.microsoft.com/office/drawing/2014/main" id="{92BF1035-6FAB-34CB-F43A-AA3D2F47FBF8}"/>
+              </a:ext>
+            </a:extLst>
+          </p:cNvPr>
+          <p:cNvPicPr>
+            <a:picLocks noChangeAspect="1" noChangeArrowheads="1"/>
+          </p:cNvPicPr>
+          <p:nvPr/>
+        </p:nvPicPr>
+        <p:blipFill>
+          <a:blip r:embed="rId3">
+            <a:extLst>
+              <a:ext uri="{28A0092B-C50C-407E-A947-70E740481C1C}">
+                <a14:useLocalDpi xmlns:a14="http://schemas.microsoft.com/office/drawing/2010/main" val="0"/>
+              </a:ext>
+            </a:extLst>
+          </a:blip>
+          <a:srcRect/>
+          <a:stretch>
+            <a:fillRect/>
+          </a:stretch>
+        </p:blipFill>
+        <p:spPr bwMode="auto">
+          <a:xfrm>
+            <a:off x="1944521" y="11053122"/>
+            <a:ext cx="909396" cy="952356"/>
           </a:xfrm>
           <a:prstGeom prst="rect">
             <a:avLst/>
           </a:prstGeom>
           <a:noFill/>
+          <a:extLst>
+            <a:ext uri="{909E8E84-426E-40DD-AFC4-6F175D3DCCD1}">
+              <a14:hiddenFill xmlns:a14="http://schemas.microsoft.com/office/drawing/2010/main">
+                <a:solidFill>
+                  <a:srgbClr val="FFFFFF"/>
+                </a:solidFill>
+              </a14:hiddenFill>
+            </a:ext>
+          </a:extLst>
         </p:spPr>
-        <p:txBody>
-          <a:bodyPr wrap="square">
-            <a:spAutoFit/>
-          </a:bodyPr>
-          <a:lstStyle/>
-          <a:p>
-            <a:pPr algn="ctr">
-              <a:lnSpc>
-                <a:spcPct val="150000"/>
-              </a:lnSpc>
-            </a:pPr>
-            <a:r>
-              <a:rPr lang="en-US" sz="2952" b="1" cap="small" dirty="0">
-                <a:latin typeface="Oxygen" panose="02000503000000000000" pitchFamily="2" charset="0"/>
-              </a:rPr>
-              <a:t>Edtech App, Best Teachers, Study Materials, </a:t>
-            </a:r>
-          </a:p>
-          <a:p>
-            <a:pPr algn="ctr">
-              <a:lnSpc>
-                <a:spcPct val="150000"/>
-              </a:lnSpc>
-            </a:pPr>
-            <a:r>
-              <a:rPr lang="en-US" sz="2952" b="1" cap="small" dirty="0">
-                <a:latin typeface="Oxygen" panose="02000503000000000000" pitchFamily="2" charset="0"/>
-              </a:rPr>
-              <a:t>Mock Tests, PTM, Doubt Clearing, Counselling</a:t>
-            </a:r>
-          </a:p>
-          <a:p>
-            <a:pPr algn="ctr">
-              <a:lnSpc>
-                <a:spcPct val="150000"/>
-              </a:lnSpc>
-            </a:pPr>
-            <a:r>
-              <a:rPr lang="en-US" sz="2952" b="1" cap="small" dirty="0">
-                <a:latin typeface="Oxygen" panose="02000503000000000000" pitchFamily="2" charset="0"/>
-              </a:rPr>
-              <a:t>Smart Classrooms, AC, CCTV </a:t>
-            </a:r>
-            <a:r>
-              <a:rPr lang="en-US" sz="1905" b="1" cap="small" dirty="0">
-                <a:latin typeface="Oxygen" panose="02000503000000000000" pitchFamily="2" charset="0"/>
-              </a:rPr>
-              <a:t>* As required</a:t>
-            </a:r>
-            <a:endParaRPr lang="en-US" sz="2952" b="1" cap="small" dirty="0">
-              <a:latin typeface="Oxygen" panose="02000503000000000000" pitchFamily="2" charset="0"/>
-            </a:endParaRPr>
-          </a:p>
-        </p:txBody>
-      </p:sp>
+      </p:pic>
       <p:sp>
         <p:nvSpPr>
-          <p:cNvPr id="2" name="32-Point Star 20">
+          <p:cNvPr id="17" name="32-Point Star 20">
             <a:extLst>
               <a:ext uri="{FF2B5EF4-FFF2-40B4-BE49-F238E27FC236}">
-                <a16:creationId xmlns:a16="http://schemas.microsoft.com/office/drawing/2014/main" id="{40F99FB2-4289-41FB-5EBA-B72DA3B43B3F}"/>
+                <a16:creationId xmlns:a16="http://schemas.microsoft.com/office/drawing/2014/main" id="{E5E17AA0-5D73-5622-F17B-B2A36489C924}"/>
               </a:ext>
             </a:extLst>
           </p:cNvPr>
@@ -6075,13 +6180,15 @@
         </p:nvSpPr>
         <p:spPr>
           <a:xfrm>
-            <a:off x="5393397" y="11964788"/>
-            <a:ext cx="2996660" cy="1485681"/>
+            <a:off x="41117" y="11987346"/>
+            <a:ext cx="3232443" cy="1632356"/>
           </a:xfrm>
           <a:prstGeom prst="star32">
             <a:avLst/>
           </a:prstGeom>
-          <a:noFill/>
+          <a:solidFill>
+            <a:schemeClr val="tx1"/>
+          </a:solidFill>
           <a:ln w="123825">
             <a:solidFill>
               <a:schemeClr val="tx1"/>
@@ -6110,9 +6217,9 @@
           <a:p>
             <a:pPr algn="ctr"/>
             <a:r>
-              <a:rPr lang="en-US" sz="4400" b="1" cap="small" dirty="0">
+              <a:rPr lang="en-US" sz="5400" b="1" cap="small" dirty="0">
                 <a:solidFill>
-                  <a:schemeClr val="tx1"/>
+                  <a:schemeClr val="bg1"/>
                 </a:solidFill>
                 <a:latin typeface="Oxygen" panose="02000503000000000000" pitchFamily="2" charset="0"/>
               </a:rPr>
@@ -6122,17 +6229,17 @@
           <a:p>
             <a:pPr algn="ctr"/>
             <a:r>
-              <a:rPr lang="en-US" sz="2000" b="1" cap="small" dirty="0">
+              <a:rPr lang="en-US" sz="2800" b="1" cap="small" dirty="0">
                 <a:solidFill>
-                  <a:schemeClr val="tx1"/>
+                  <a:schemeClr val="bg1"/>
                 </a:solidFill>
                 <a:latin typeface="Oxygen" panose="02000503000000000000" pitchFamily="2" charset="0"/>
               </a:rPr>
               <a:t>Off</a:t>
             </a:r>
-            <a:endParaRPr lang="en-US" sz="1905" b="1" cap="small" dirty="0">
+            <a:endParaRPr lang="en-US" sz="2400" b="1" cap="small" dirty="0">
               <a:solidFill>
-                <a:schemeClr val="tx1"/>
+                <a:schemeClr val="bg1"/>
               </a:solidFill>
               <a:latin typeface="Oxygen" panose="02000503000000000000" pitchFamily="2" charset="0"/>
             </a:endParaRPr>
@@ -7247,7 +7354,7 @@
         <p:spPr>
           <a:xfrm>
             <a:off x="7593" y="9800020"/>
-            <a:ext cx="9144000" cy="2051203"/>
+            <a:ext cx="9144000" cy="1455207"/>
           </a:xfrm>
           <a:prstGeom prst="rect">
             <a:avLst/>
@@ -7260,11 +7367,7 @@
           </a:bodyPr>
           <a:lstStyle/>
           <a:p>
-            <a:pPr algn="ctr">
-              <a:lnSpc>
-                <a:spcPct val="150000"/>
-              </a:lnSpc>
-            </a:pPr>
+            <a:pPr algn="ctr"/>
             <a:r>
               <a:rPr lang="en-US" sz="2952" b="1" cap="small" dirty="0">
                 <a:latin typeface="Oxygen" panose="02000503000000000000" pitchFamily="2" charset="0"/>
@@ -7273,24 +7376,16 @@
             </a:r>
           </a:p>
           <a:p>
-            <a:pPr algn="ctr">
-              <a:lnSpc>
-                <a:spcPct val="150000"/>
-              </a:lnSpc>
-            </a:pPr>
+            <a:pPr algn="ctr"/>
             <a:r>
               <a:rPr lang="en-US" sz="2952" b="1" cap="small" dirty="0">
                 <a:latin typeface="Oxygen" panose="02000503000000000000" pitchFamily="2" charset="0"/>
               </a:rPr>
-              <a:t>Edtech App, Career Focused, Study Materials</a:t>
-            </a:r>
-          </a:p>
-          <a:p>
-            <a:pPr algn="ctr">
-              <a:lnSpc>
-                <a:spcPct val="150000"/>
-              </a:lnSpc>
-            </a:pPr>
+              <a:t>Career Focused, Study Materials</a:t>
+            </a:r>
+          </a:p>
+          <a:p>
+            <a:pPr algn="ctr"/>
             <a:r>
               <a:rPr lang="en-US" sz="2952" b="1" cap="small" dirty="0">
                 <a:latin typeface="Oxygen" panose="02000503000000000000" pitchFamily="2" charset="0"/>
@@ -9119,10 +9214,52 @@
       </p:sp>
       <p:sp>
         <p:nvSpPr>
-          <p:cNvPr id="9" name="32-Point Star 20">
+          <p:cNvPr id="2" name="TextBox 1">
             <a:extLst>
               <a:ext uri="{FF2B5EF4-FFF2-40B4-BE49-F238E27FC236}">
-                <a16:creationId xmlns:a16="http://schemas.microsoft.com/office/drawing/2014/main" id="{BF92F7CA-25CE-67D3-4C66-EB908A220F1F}"/>
+                <a16:creationId xmlns:a16="http://schemas.microsoft.com/office/drawing/2014/main" id="{D9E6BD13-2FAD-79A3-50B2-3EAAB3702918}"/>
+              </a:ext>
+            </a:extLst>
+          </p:cNvPr>
+          <p:cNvSpPr txBox="1"/>
+          <p:nvPr/>
+        </p:nvSpPr>
+        <p:spPr>
+          <a:xfrm>
+            <a:off x="2724884" y="13142777"/>
+            <a:ext cx="3781119" cy="476925"/>
+          </a:xfrm>
+          <a:prstGeom prst="rect">
+            <a:avLst/>
+          </a:prstGeom>
+          <a:noFill/>
+        </p:spPr>
+        <p:txBody>
+          <a:bodyPr wrap="square">
+            <a:spAutoFit/>
+          </a:bodyPr>
+          <a:lstStyle/>
+          <a:p>
+            <a:pPr algn="ctr">
+              <a:lnSpc>
+                <a:spcPct val="150000"/>
+              </a:lnSpc>
+            </a:pPr>
+            <a:r>
+              <a:rPr lang="en-US" sz="1905" b="1" cap="small" dirty="0">
+                <a:latin typeface="Oxygen" panose="02000503000000000000" pitchFamily="2" charset="0"/>
+              </a:rPr>
+              <a:t>* Conditions Apply</a:t>
+            </a:r>
+          </a:p>
+        </p:txBody>
+      </p:sp>
+      <p:sp>
+        <p:nvSpPr>
+          <p:cNvPr id="7" name="32-Point Star 20">
+            <a:extLst>
+              <a:ext uri="{FF2B5EF4-FFF2-40B4-BE49-F238E27FC236}">
+                <a16:creationId xmlns:a16="http://schemas.microsoft.com/office/drawing/2014/main" id="{87732F66-1CDC-9F00-A71F-2077157AFB0E}"/>
               </a:ext>
             </a:extLst>
           </p:cNvPr>
@@ -9131,13 +9268,15 @@
         </p:nvSpPr>
         <p:spPr>
           <a:xfrm>
-            <a:off x="739842" y="11992041"/>
-            <a:ext cx="2996660" cy="1485681"/>
+            <a:off x="5880295" y="12035917"/>
+            <a:ext cx="3232443" cy="1632356"/>
           </a:xfrm>
           <a:prstGeom prst="star32">
             <a:avLst/>
           </a:prstGeom>
-          <a:noFill/>
+          <a:solidFill>
+            <a:schemeClr val="tx1"/>
+          </a:solidFill>
           <a:ln w="123825">
             <a:solidFill>
               <a:schemeClr val="tx1"/>
@@ -9166,9 +9305,9 @@
           <a:p>
             <a:pPr algn="ctr"/>
             <a:r>
-              <a:rPr lang="en-US" sz="4400" b="1" cap="small" dirty="0">
+              <a:rPr lang="en-US" sz="5400" b="1" cap="small" dirty="0">
                 <a:solidFill>
-                  <a:schemeClr val="tx1"/>
+                  <a:schemeClr val="bg1"/>
                 </a:solidFill>
                 <a:latin typeface="Oxygen" panose="02000503000000000000" pitchFamily="2" charset="0"/>
               </a:rPr>
@@ -9178,17 +9317,17 @@
           <a:p>
             <a:pPr algn="ctr"/>
             <a:r>
-              <a:rPr lang="en-US" sz="2000" b="1" cap="small" dirty="0">
+              <a:rPr lang="en-US" sz="2800" b="1" cap="small" dirty="0">
                 <a:solidFill>
-                  <a:schemeClr val="tx1"/>
+                  <a:schemeClr val="bg1"/>
                 </a:solidFill>
                 <a:latin typeface="Oxygen" panose="02000503000000000000" pitchFamily="2" charset="0"/>
               </a:rPr>
               <a:t>Off</a:t>
             </a:r>
-            <a:endParaRPr lang="en-US" b="1" cap="small" dirty="0">
+            <a:endParaRPr lang="en-US" sz="2400" b="1" cap="small" dirty="0">
               <a:solidFill>
-                <a:schemeClr val="tx1"/>
+                <a:schemeClr val="bg1"/>
               </a:solidFill>
               <a:latin typeface="Oxygen" panose="02000503000000000000" pitchFamily="2" charset="0"/>
             </a:endParaRPr>
@@ -9197,10 +9336,10 @@
       </p:sp>
       <p:sp>
         <p:nvSpPr>
-          <p:cNvPr id="11" name="TextBox 10">
+          <p:cNvPr id="14" name="TextBox 13">
             <a:extLst>
               <a:ext uri="{FF2B5EF4-FFF2-40B4-BE49-F238E27FC236}">
-                <a16:creationId xmlns:a16="http://schemas.microsoft.com/office/drawing/2014/main" id="{A8B3893E-D5EF-E065-7D78-6C89C36964EF}"/>
+                <a16:creationId xmlns:a16="http://schemas.microsoft.com/office/drawing/2014/main" id="{2CEE544F-3996-5115-5212-74DBE1E98E14}"/>
               </a:ext>
             </a:extLst>
           </p:cNvPr>
@@ -9209,8 +9348,8 @@
         </p:nvSpPr>
         <p:spPr>
           <a:xfrm>
-            <a:off x="2724884" y="13142777"/>
-            <a:ext cx="3781119" cy="476925"/>
+            <a:off x="2521873" y="11206135"/>
+            <a:ext cx="4100253" cy="646331"/>
           </a:xfrm>
           <a:prstGeom prst="rect">
             <a:avLst/>
@@ -9223,26 +9362,99 @@
           </a:bodyPr>
           <a:lstStyle/>
           <a:p>
-            <a:pPr algn="ctr">
-              <a:lnSpc>
-                <a:spcPct val="150000"/>
-              </a:lnSpc>
-            </a:pPr>
-            <a:r>
-              <a:rPr lang="en-US" sz="1905" b="1" cap="small" dirty="0">
+            <a:pPr algn="ctr"/>
+            <a:r>
+              <a:rPr lang="en-US" sz="3600" b="1" cap="small" dirty="0">
                 <a:latin typeface="Oxygen" panose="02000503000000000000" pitchFamily="2" charset="0"/>
               </a:rPr>
-              <a:t>* Conditions Apply</a:t>
+              <a:t>Own Edtech App</a:t>
             </a:r>
           </a:p>
         </p:txBody>
       </p:sp>
+      <p:pic>
+        <p:nvPicPr>
+          <p:cNvPr id="15" name="Picture 14">
+            <a:extLst>
+              <a:ext uri="{FF2B5EF4-FFF2-40B4-BE49-F238E27FC236}">
+                <a16:creationId xmlns:a16="http://schemas.microsoft.com/office/drawing/2014/main" id="{E8732028-9851-2729-600D-354247F1DFEE}"/>
+              </a:ext>
+            </a:extLst>
+          </p:cNvPr>
+          <p:cNvPicPr>
+            <a:picLocks noChangeAspect="1"/>
+          </p:cNvPicPr>
+          <p:nvPr/>
+        </p:nvPicPr>
+        <p:blipFill>
+          <a:blip r:embed="rId2"/>
+          <a:stretch>
+            <a:fillRect/>
+          </a:stretch>
+        </p:blipFill>
+        <p:spPr>
+          <a:xfrm>
+            <a:off x="6489058" y="11206135"/>
+            <a:ext cx="738532" cy="752146"/>
+          </a:xfrm>
+          <a:prstGeom prst="rect">
+            <a:avLst/>
+          </a:prstGeom>
+        </p:spPr>
+      </p:pic>
+      <p:pic>
+        <p:nvPicPr>
+          <p:cNvPr id="16" name="Picture 2" descr="Google, play icon - Free download on Iconfinder">
+            <a:extLst>
+              <a:ext uri="{FF2B5EF4-FFF2-40B4-BE49-F238E27FC236}">
+                <a16:creationId xmlns:a16="http://schemas.microsoft.com/office/drawing/2014/main" id="{4FF6EC7F-AA9B-544F-FE42-E4251E8B7328}"/>
+              </a:ext>
+            </a:extLst>
+          </p:cNvPr>
+          <p:cNvPicPr>
+            <a:picLocks noChangeAspect="1" noChangeArrowheads="1"/>
+          </p:cNvPicPr>
+          <p:nvPr/>
+        </p:nvPicPr>
+        <p:blipFill>
+          <a:blip r:embed="rId3">
+            <a:extLst>
+              <a:ext uri="{28A0092B-C50C-407E-A947-70E740481C1C}">
+                <a14:useLocalDpi xmlns:a14="http://schemas.microsoft.com/office/drawing/2010/main" val="0"/>
+              </a:ext>
+            </a:extLst>
+          </a:blip>
+          <a:srcRect/>
+          <a:stretch>
+            <a:fillRect/>
+          </a:stretch>
+        </p:blipFill>
+        <p:spPr bwMode="auto">
+          <a:xfrm>
+            <a:off x="1944521" y="11053122"/>
+            <a:ext cx="909396" cy="952356"/>
+          </a:xfrm>
+          <a:prstGeom prst="rect">
+            <a:avLst/>
+          </a:prstGeom>
+          <a:noFill/>
+          <a:extLst>
+            <a:ext uri="{909E8E84-426E-40DD-AFC4-6F175D3DCCD1}">
+              <a14:hiddenFill xmlns:a14="http://schemas.microsoft.com/office/drawing/2010/main">
+                <a:solidFill>
+                  <a:srgbClr val="FFFFFF"/>
+                </a:solidFill>
+              </a14:hiddenFill>
+            </a:ext>
+          </a:extLst>
+        </p:spPr>
+      </p:pic>
       <p:sp>
         <p:nvSpPr>
-          <p:cNvPr id="12" name="32-Point Star 20">
+          <p:cNvPr id="17" name="32-Point Star 20">
             <a:extLst>
               <a:ext uri="{FF2B5EF4-FFF2-40B4-BE49-F238E27FC236}">
-                <a16:creationId xmlns:a16="http://schemas.microsoft.com/office/drawing/2014/main" id="{28D2A9AF-DC94-2BC8-A85B-F3DA96B5D6C7}"/>
+                <a16:creationId xmlns:a16="http://schemas.microsoft.com/office/drawing/2014/main" id="{0FC2F677-E0CE-5DF9-9625-6F3F83470624}"/>
               </a:ext>
             </a:extLst>
           </p:cNvPr>
@@ -9251,13 +9463,15 @@
         </p:nvSpPr>
         <p:spPr>
           <a:xfrm>
-            <a:off x="5393397" y="11964788"/>
-            <a:ext cx="2996660" cy="1485681"/>
+            <a:off x="41117" y="11987346"/>
+            <a:ext cx="3232443" cy="1632356"/>
           </a:xfrm>
           <a:prstGeom prst="star32">
             <a:avLst/>
           </a:prstGeom>
-          <a:noFill/>
+          <a:solidFill>
+            <a:schemeClr val="tx1"/>
+          </a:solidFill>
           <a:ln w="123825">
             <a:solidFill>
               <a:schemeClr val="tx1"/>
@@ -9286,9 +9500,9 @@
           <a:p>
             <a:pPr algn="ctr"/>
             <a:r>
-              <a:rPr lang="en-US" sz="4400" b="1" cap="small" dirty="0">
+              <a:rPr lang="en-US" sz="5400" b="1" cap="small" dirty="0">
                 <a:solidFill>
-                  <a:schemeClr val="tx1"/>
+                  <a:schemeClr val="bg1"/>
                 </a:solidFill>
                 <a:latin typeface="Oxygen" panose="02000503000000000000" pitchFamily="2" charset="0"/>
               </a:rPr>
@@ -9298,17 +9512,17 @@
           <a:p>
             <a:pPr algn="ctr"/>
             <a:r>
-              <a:rPr lang="en-US" sz="2000" b="1" cap="small" dirty="0">
+              <a:rPr lang="en-US" sz="2800" b="1" cap="small" dirty="0">
                 <a:solidFill>
-                  <a:schemeClr val="tx1"/>
+                  <a:schemeClr val="bg1"/>
                 </a:solidFill>
                 <a:latin typeface="Oxygen" panose="02000503000000000000" pitchFamily="2" charset="0"/>
               </a:rPr>
               <a:t>Off</a:t>
             </a:r>
-            <a:endParaRPr lang="en-US" sz="1905" b="1" cap="small" dirty="0">
+            <a:endParaRPr lang="en-US" sz="2400" b="1" cap="small" dirty="0">
               <a:solidFill>
-                <a:schemeClr val="tx1"/>
+                <a:schemeClr val="bg1"/>
               </a:solidFill>
               <a:latin typeface="Oxygen" panose="02000503000000000000" pitchFamily="2" charset="0"/>
             </a:endParaRPr>

--- a/Offline/BusinessManagement/MarketingArtworks/pptx/A3-Posters.pptx
+++ b/Offline/BusinessManagement/MarketingArtworks/pptx/A3-Posters.pptx
@@ -4817,7 +4817,7 @@
         </p:nvSpPr>
         <p:spPr>
           <a:xfrm>
-            <a:off x="0" y="5105710"/>
+            <a:off x="0" y="4965030"/>
             <a:ext cx="9144000" cy="4593117"/>
           </a:xfrm>
           <a:prstGeom prst="rect">
@@ -4911,8 +4911,1483 @@
         </p:nvSpPr>
         <p:spPr>
           <a:xfrm>
-            <a:off x="329162" y="5085567"/>
+            <a:off x="329162" y="4944887"/>
             <a:ext cx="8516290" cy="4742600"/>
+          </a:xfrm>
+          <a:prstGeom prst="rect">
+            <a:avLst/>
+          </a:prstGeom>
+          <a:noFill/>
+          <a:ln w="57150" cmpd="thickThin">
+            <a:solidFill>
+              <a:schemeClr val="tx1"/>
+            </a:solidFill>
+          </a:ln>
+        </p:spPr>
+        <p:style>
+          <a:lnRef idx="2">
+            <a:schemeClr val="accent1">
+              <a:shade val="15000"/>
+            </a:schemeClr>
+          </a:lnRef>
+          <a:fillRef idx="1">
+            <a:schemeClr val="accent1"/>
+          </a:fillRef>
+          <a:effectRef idx="0">
+            <a:schemeClr val="accent1"/>
+          </a:effectRef>
+          <a:fontRef idx="minor">
+            <a:schemeClr val="lt1"/>
+          </a:fontRef>
+        </p:style>
+        <p:txBody>
+          <a:bodyPr rtlCol="0" anchor="ctr"/>
+          <a:lstStyle/>
+          <a:p>
+            <a:pPr algn="ctr"/>
+            <a:endParaRPr lang="en-US" sz="1714">
+              <a:ln>
+                <a:solidFill>
+                  <a:srgbClr val="800000"/>
+                </a:solidFill>
+              </a:ln>
+              <a:solidFill>
+                <a:schemeClr val="tx1"/>
+              </a:solidFill>
+            </a:endParaRPr>
+          </a:p>
+        </p:txBody>
+      </p:sp>
+      <p:sp>
+        <p:nvSpPr>
+          <p:cNvPr id="3" name="Freeform: Shape 2">
+            <a:extLst>
+              <a:ext uri="{FF2B5EF4-FFF2-40B4-BE49-F238E27FC236}">
+                <a16:creationId xmlns:a16="http://schemas.microsoft.com/office/drawing/2014/main" id="{39672D24-39BC-837D-A5AB-B038FE04F76B}"/>
+              </a:ext>
+            </a:extLst>
+          </p:cNvPr>
+          <p:cNvSpPr/>
+          <p:nvPr/>
+        </p:nvSpPr>
+        <p:spPr>
+          <a:xfrm>
+            <a:off x="2052440" y="4154576"/>
+            <a:ext cx="693559" cy="647243"/>
+          </a:xfrm>
+          <a:custGeom>
+            <a:avLst/>
+            <a:gdLst>
+              <a:gd name="connsiteX0" fmla="*/ 1300320 w 2077746"/>
+              <a:gd name="connsiteY0" fmla="*/ 882924 h 1938992"/>
+              <a:gd name="connsiteX1" fmla="*/ 1220451 w 2077746"/>
+              <a:gd name="connsiteY1" fmla="*/ 886223 h 1938992"/>
+              <a:gd name="connsiteX2" fmla="*/ 1228188 w 2077746"/>
+              <a:gd name="connsiteY2" fmla="*/ 1012536 h 1938992"/>
+              <a:gd name="connsiteX3" fmla="*/ 1367734 w 2077746"/>
+              <a:gd name="connsiteY3" fmla="*/ 1080905 h 1938992"/>
+              <a:gd name="connsiteX4" fmla="*/ 1343597 w 2077746"/>
+              <a:gd name="connsiteY4" fmla="*/ 1224539 h 1938992"/>
+              <a:gd name="connsiteX5" fmla="*/ 1450014 w 2077746"/>
+              <a:gd name="connsiteY5" fmla="*/ 1289678 h 1938992"/>
+              <a:gd name="connsiteX6" fmla="*/ 1475929 w 2077746"/>
+              <a:gd name="connsiteY6" fmla="*/ 1015852 h 1938992"/>
+              <a:gd name="connsiteX7" fmla="*/ 1300320 w 2077746"/>
+              <a:gd name="connsiteY7" fmla="*/ 882924 h 1938992"/>
+              <a:gd name="connsiteX8" fmla="*/ 1273151 w 2077746"/>
+              <a:gd name="connsiteY8" fmla="*/ 677060 h 1938992"/>
+              <a:gd name="connsiteX9" fmla="*/ 1209539 w 2077746"/>
+              <a:gd name="connsiteY9" fmla="*/ 679401 h 1938992"/>
+              <a:gd name="connsiteX10" fmla="*/ 1208523 w 2077746"/>
+              <a:gd name="connsiteY10" fmla="*/ 799946 h 1938992"/>
+              <a:gd name="connsiteX11" fmla="*/ 1513161 w 2077746"/>
+              <a:gd name="connsiteY11" fmla="*/ 972362 h 1938992"/>
+              <a:gd name="connsiteX12" fmla="*/ 1502994 w 2077746"/>
+              <a:gd name="connsiteY12" fmla="*/ 1299811 h 1938992"/>
+              <a:gd name="connsiteX13" fmla="*/ 1613431 w 2077746"/>
+              <a:gd name="connsiteY13" fmla="*/ 1345932 h 1938992"/>
+              <a:gd name="connsiteX14" fmla="*/ 1613958 w 2077746"/>
+              <a:gd name="connsiteY14" fmla="*/ 905834 h 1938992"/>
+              <a:gd name="connsiteX15" fmla="*/ 1273151 w 2077746"/>
+              <a:gd name="connsiteY15" fmla="*/ 677060 h 1938992"/>
+              <a:gd name="connsiteX16" fmla="*/ 612597 w 2077746"/>
+              <a:gd name="connsiteY16" fmla="*/ 475934 h 1938992"/>
+              <a:gd name="connsiteX17" fmla="*/ 560599 w 2077746"/>
+              <a:gd name="connsiteY17" fmla="*/ 1336620 h 1938992"/>
+              <a:gd name="connsiteX18" fmla="*/ 1405917 w 2077746"/>
+              <a:gd name="connsiteY18" fmla="*/ 1506679 h 1938992"/>
+              <a:gd name="connsiteX19" fmla="*/ 1357778 w 2077746"/>
+              <a:gd name="connsiteY19" fmla="*/ 1444134 h 1938992"/>
+              <a:gd name="connsiteX20" fmla="*/ 1360534 w 2077746"/>
+              <a:gd name="connsiteY20" fmla="*/ 1442410 h 1938992"/>
+              <a:gd name="connsiteX21" fmla="*/ 1213967 w 2077746"/>
+              <a:gd name="connsiteY21" fmla="*/ 1251979 h 1938992"/>
+              <a:gd name="connsiteX22" fmla="*/ 802573 w 2077746"/>
+              <a:gd name="connsiteY22" fmla="*/ 1181586 h 1938992"/>
+              <a:gd name="connsiteX23" fmla="*/ 839838 w 2077746"/>
+              <a:gd name="connsiteY23" fmla="*/ 765880 h 1938992"/>
+              <a:gd name="connsiteX24" fmla="*/ 693270 w 2077746"/>
+              <a:gd name="connsiteY24" fmla="*/ 575447 h 1938992"/>
+              <a:gd name="connsiteX25" fmla="*/ 690898 w 2077746"/>
+              <a:gd name="connsiteY25" fmla="*/ 577670 h 1938992"/>
+              <a:gd name="connsiteX26" fmla="*/ 1221976 w 2077746"/>
+              <a:gd name="connsiteY26" fmla="*/ 464182 h 1938992"/>
+              <a:gd name="connsiteX27" fmla="*/ 1216368 w 2077746"/>
+              <a:gd name="connsiteY27" fmla="*/ 587261 h 1938992"/>
+              <a:gd name="connsiteX28" fmla="*/ 1690794 w 2077746"/>
+              <a:gd name="connsiteY28" fmla="*/ 882403 h 1938992"/>
+              <a:gd name="connsiteX29" fmla="*/ 1668591 w 2077746"/>
+              <a:gd name="connsiteY29" fmla="*/ 1405644 h 1938992"/>
+              <a:gd name="connsiteX30" fmla="*/ 1780575 w 2077746"/>
+              <a:gd name="connsiteY30" fmla="*/ 1455270 h 1938992"/>
+              <a:gd name="connsiteX31" fmla="*/ 1795860 w 2077746"/>
+              <a:gd name="connsiteY31" fmla="*/ 817398 h 1938992"/>
+              <a:gd name="connsiteX32" fmla="*/ 1221976 w 2077746"/>
+              <a:gd name="connsiteY32" fmla="*/ 464182 h 1938992"/>
+              <a:gd name="connsiteX33" fmla="*/ 1038873 w 2077746"/>
+              <a:gd name="connsiteY33" fmla="*/ 0 h 1938992"/>
+              <a:gd name="connsiteX34" fmla="*/ 2077746 w 2077746"/>
+              <a:gd name="connsiteY34" fmla="*/ 969496 h 1938992"/>
+              <a:gd name="connsiteX35" fmla="*/ 1038873 w 2077746"/>
+              <a:gd name="connsiteY35" fmla="*/ 1938992 h 1938992"/>
+              <a:gd name="connsiteX36" fmla="*/ 0 w 2077746"/>
+              <a:gd name="connsiteY36" fmla="*/ 969496 h 1938992"/>
+              <a:gd name="connsiteX37" fmla="*/ 1038873 w 2077746"/>
+              <a:gd name="connsiteY37" fmla="*/ 0 h 1938992"/>
+            </a:gdLst>
+            <a:ahLst/>
+            <a:cxnLst>
+              <a:cxn ang="0">
+                <a:pos x="connsiteX0" y="connsiteY0"/>
+              </a:cxn>
+              <a:cxn ang="0">
+                <a:pos x="connsiteX1" y="connsiteY1"/>
+              </a:cxn>
+              <a:cxn ang="0">
+                <a:pos x="connsiteX2" y="connsiteY2"/>
+              </a:cxn>
+              <a:cxn ang="0">
+                <a:pos x="connsiteX3" y="connsiteY3"/>
+              </a:cxn>
+              <a:cxn ang="0">
+                <a:pos x="connsiteX4" y="connsiteY4"/>
+              </a:cxn>
+              <a:cxn ang="0">
+                <a:pos x="connsiteX5" y="connsiteY5"/>
+              </a:cxn>
+              <a:cxn ang="0">
+                <a:pos x="connsiteX6" y="connsiteY6"/>
+              </a:cxn>
+              <a:cxn ang="0">
+                <a:pos x="connsiteX7" y="connsiteY7"/>
+              </a:cxn>
+              <a:cxn ang="0">
+                <a:pos x="connsiteX8" y="connsiteY8"/>
+              </a:cxn>
+              <a:cxn ang="0">
+                <a:pos x="connsiteX9" y="connsiteY9"/>
+              </a:cxn>
+              <a:cxn ang="0">
+                <a:pos x="connsiteX10" y="connsiteY10"/>
+              </a:cxn>
+              <a:cxn ang="0">
+                <a:pos x="connsiteX11" y="connsiteY11"/>
+              </a:cxn>
+              <a:cxn ang="0">
+                <a:pos x="connsiteX12" y="connsiteY12"/>
+              </a:cxn>
+              <a:cxn ang="0">
+                <a:pos x="connsiteX13" y="connsiteY13"/>
+              </a:cxn>
+              <a:cxn ang="0">
+                <a:pos x="connsiteX14" y="connsiteY14"/>
+              </a:cxn>
+              <a:cxn ang="0">
+                <a:pos x="connsiteX15" y="connsiteY15"/>
+              </a:cxn>
+              <a:cxn ang="0">
+                <a:pos x="connsiteX16" y="connsiteY16"/>
+              </a:cxn>
+              <a:cxn ang="0">
+                <a:pos x="connsiteX17" y="connsiteY17"/>
+              </a:cxn>
+              <a:cxn ang="0">
+                <a:pos x="connsiteX18" y="connsiteY18"/>
+              </a:cxn>
+              <a:cxn ang="0">
+                <a:pos x="connsiteX19" y="connsiteY19"/>
+              </a:cxn>
+              <a:cxn ang="0">
+                <a:pos x="connsiteX20" y="connsiteY20"/>
+              </a:cxn>
+              <a:cxn ang="0">
+                <a:pos x="connsiteX21" y="connsiteY21"/>
+              </a:cxn>
+              <a:cxn ang="0">
+                <a:pos x="connsiteX22" y="connsiteY22"/>
+              </a:cxn>
+              <a:cxn ang="0">
+                <a:pos x="connsiteX23" y="connsiteY23"/>
+              </a:cxn>
+              <a:cxn ang="0">
+                <a:pos x="connsiteX24" y="connsiteY24"/>
+              </a:cxn>
+              <a:cxn ang="0">
+                <a:pos x="connsiteX25" y="connsiteY25"/>
+              </a:cxn>
+              <a:cxn ang="0">
+                <a:pos x="connsiteX26" y="connsiteY26"/>
+              </a:cxn>
+              <a:cxn ang="0">
+                <a:pos x="connsiteX27" y="connsiteY27"/>
+              </a:cxn>
+              <a:cxn ang="0">
+                <a:pos x="connsiteX28" y="connsiteY28"/>
+              </a:cxn>
+              <a:cxn ang="0">
+                <a:pos x="connsiteX29" y="connsiteY29"/>
+              </a:cxn>
+              <a:cxn ang="0">
+                <a:pos x="connsiteX30" y="connsiteY30"/>
+              </a:cxn>
+              <a:cxn ang="0">
+                <a:pos x="connsiteX31" y="connsiteY31"/>
+              </a:cxn>
+              <a:cxn ang="0">
+                <a:pos x="connsiteX32" y="connsiteY32"/>
+              </a:cxn>
+              <a:cxn ang="0">
+                <a:pos x="connsiteX33" y="connsiteY33"/>
+              </a:cxn>
+              <a:cxn ang="0">
+                <a:pos x="connsiteX34" y="connsiteY34"/>
+              </a:cxn>
+              <a:cxn ang="0">
+                <a:pos x="connsiteX35" y="connsiteY35"/>
+              </a:cxn>
+              <a:cxn ang="0">
+                <a:pos x="connsiteX36" y="connsiteY36"/>
+              </a:cxn>
+              <a:cxn ang="0">
+                <a:pos x="connsiteX37" y="connsiteY37"/>
+              </a:cxn>
+            </a:cxnLst>
+            <a:rect l="l" t="t" r="r" b="b"/>
+            <a:pathLst>
+              <a:path w="2077746" h="1938992">
+                <a:moveTo>
+                  <a:pt x="1300320" y="882924"/>
+                </a:moveTo>
+                <a:cubicBezTo>
+                  <a:pt x="1274681" y="879653"/>
+                  <a:pt x="1247794" y="880619"/>
+                  <a:pt x="1220451" y="886223"/>
+                </a:cubicBezTo>
+                <a:lnTo>
+                  <a:pt x="1228188" y="1012536"/>
+                </a:lnTo>
+                <a:cubicBezTo>
+                  <a:pt x="1291465" y="991005"/>
+                  <a:pt x="1349282" y="1019331"/>
+                  <a:pt x="1367734" y="1080905"/>
+                </a:cubicBezTo>
+                <a:cubicBezTo>
+                  <a:pt x="1380851" y="1124678"/>
+                  <a:pt x="1371817" y="1178435"/>
+                  <a:pt x="1343597" y="1224539"/>
+                </a:cubicBezTo>
+                <a:lnTo>
+                  <a:pt x="1450014" y="1289678"/>
+                </a:lnTo>
+                <a:cubicBezTo>
+                  <a:pt x="1502823" y="1203404"/>
+                  <a:pt x="1512657" y="1099495"/>
+                  <a:pt x="1475929" y="1015852"/>
+                </a:cubicBezTo>
+                <a:cubicBezTo>
+                  <a:pt x="1442915" y="940668"/>
+                  <a:pt x="1377236" y="892735"/>
+                  <a:pt x="1300320" y="882924"/>
+                </a:cubicBezTo>
+                <a:close/>
+                <a:moveTo>
+                  <a:pt x="1273151" y="677060"/>
+                </a:moveTo>
+                <a:cubicBezTo>
+                  <a:pt x="1252274" y="676216"/>
+                  <a:pt x="1231027" y="676972"/>
+                  <a:pt x="1209539" y="679401"/>
+                </a:cubicBezTo>
+                <a:lnTo>
+                  <a:pt x="1208523" y="799946"/>
+                </a:lnTo>
+                <a:cubicBezTo>
+                  <a:pt x="1340705" y="778982"/>
+                  <a:pt x="1459901" y="846443"/>
+                  <a:pt x="1513161" y="972362"/>
+                </a:cubicBezTo>
+                <a:cubicBezTo>
+                  <a:pt x="1554464" y="1070009"/>
+                  <a:pt x="1550720" y="1190567"/>
+                  <a:pt x="1502994" y="1299811"/>
+                </a:cubicBezTo>
+                <a:lnTo>
+                  <a:pt x="1613431" y="1345932"/>
+                </a:lnTo>
+                <a:cubicBezTo>
+                  <a:pt x="1676745" y="1199598"/>
+                  <a:pt x="1676941" y="1036816"/>
+                  <a:pt x="1613958" y="905834"/>
+                </a:cubicBezTo>
+                <a:cubicBezTo>
+                  <a:pt x="1547356" y="767323"/>
+                  <a:pt x="1419293" y="682969"/>
+                  <a:pt x="1273151" y="677060"/>
+                </a:cubicBezTo>
+                <a:close/>
+                <a:moveTo>
+                  <a:pt x="612597" y="475934"/>
+                </a:moveTo>
+                <a:cubicBezTo>
+                  <a:pt x="364810" y="666646"/>
+                  <a:pt x="341530" y="1051988"/>
+                  <a:pt x="560599" y="1336620"/>
+                </a:cubicBezTo>
+                <a:cubicBezTo>
+                  <a:pt x="779668" y="1621252"/>
+                  <a:pt x="1158131" y="1697390"/>
+                  <a:pt x="1405917" y="1506679"/>
+                </a:cubicBezTo>
+                <a:lnTo>
+                  <a:pt x="1357778" y="1444134"/>
+                </a:lnTo>
+                <a:lnTo>
+                  <a:pt x="1360534" y="1442410"/>
+                </a:lnTo>
+                <a:lnTo>
+                  <a:pt x="1213967" y="1251979"/>
+                </a:lnTo>
+                <a:cubicBezTo>
+                  <a:pt x="1090073" y="1347334"/>
+                  <a:pt x="905886" y="1315818"/>
+                  <a:pt x="802573" y="1181586"/>
+                </a:cubicBezTo>
+                <a:cubicBezTo>
+                  <a:pt x="699260" y="1047353"/>
+                  <a:pt x="715944" y="861236"/>
+                  <a:pt x="839838" y="765880"/>
+                </a:cubicBezTo>
+                <a:lnTo>
+                  <a:pt x="693270" y="575447"/>
+                </a:lnTo>
+                <a:lnTo>
+                  <a:pt x="690898" y="577670"/>
+                </a:lnTo>
+                <a:close/>
+                <a:moveTo>
+                  <a:pt x="1221976" y="464182"/>
+                </a:moveTo>
+                <a:lnTo>
+                  <a:pt x="1216368" y="587261"/>
+                </a:lnTo>
+                <a:cubicBezTo>
+                  <a:pt x="1425149" y="567237"/>
+                  <a:pt x="1609470" y="681905"/>
+                  <a:pt x="1690794" y="882403"/>
+                </a:cubicBezTo>
+                <a:cubicBezTo>
+                  <a:pt x="1755005" y="1040709"/>
+                  <a:pt x="1746840" y="1233122"/>
+                  <a:pt x="1668591" y="1405644"/>
+                </a:cubicBezTo>
+                <a:lnTo>
+                  <a:pt x="1780575" y="1455270"/>
+                </a:lnTo>
+                <a:cubicBezTo>
+                  <a:pt x="1875400" y="1245470"/>
+                  <a:pt x="1881039" y="1010180"/>
+                  <a:pt x="1795860" y="817398"/>
+                </a:cubicBezTo>
+                <a:cubicBezTo>
+                  <a:pt x="1692426" y="583300"/>
+                  <a:pt x="1471061" y="447053"/>
+                  <a:pt x="1221976" y="464182"/>
+                </a:cubicBezTo>
+                <a:close/>
+                <a:moveTo>
+                  <a:pt x="1038873" y="0"/>
+                </a:moveTo>
+                <a:cubicBezTo>
+                  <a:pt x="1612627" y="0"/>
+                  <a:pt x="2077746" y="434058"/>
+                  <a:pt x="2077746" y="969496"/>
+                </a:cubicBezTo>
+                <a:cubicBezTo>
+                  <a:pt x="2077746" y="1504934"/>
+                  <a:pt x="1612627" y="1938992"/>
+                  <a:pt x="1038873" y="1938992"/>
+                </a:cubicBezTo>
+                <a:cubicBezTo>
+                  <a:pt x="465119" y="1938992"/>
+                  <a:pt x="0" y="1504934"/>
+                  <a:pt x="0" y="969496"/>
+                </a:cubicBezTo>
+                <a:cubicBezTo>
+                  <a:pt x="0" y="434058"/>
+                  <a:pt x="465119" y="0"/>
+                  <a:pt x="1038873" y="0"/>
+                </a:cubicBezTo>
+                <a:close/>
+              </a:path>
+            </a:pathLst>
+          </a:custGeom>
+          <a:solidFill>
+            <a:schemeClr val="tx1"/>
+          </a:solidFill>
+          <a:ln>
+            <a:noFill/>
+          </a:ln>
+        </p:spPr>
+        <p:style>
+          <a:lnRef idx="2">
+            <a:schemeClr val="accent1">
+              <a:shade val="15000"/>
+            </a:schemeClr>
+          </a:lnRef>
+          <a:fillRef idx="1">
+            <a:schemeClr val="accent1"/>
+          </a:fillRef>
+          <a:effectRef idx="0">
+            <a:schemeClr val="accent1"/>
+          </a:effectRef>
+          <a:fontRef idx="minor">
+            <a:schemeClr val="lt1"/>
+          </a:fontRef>
+        </p:style>
+        <p:txBody>
+          <a:bodyPr wrap="square" rtlCol="0" anchor="ctr">
+            <a:noAutofit/>
+          </a:bodyPr>
+          <a:lstStyle/>
+          <a:p>
+            <a:pPr algn="ctr"/>
+            <a:endParaRPr lang="en-US" sz="1714">
+              <a:solidFill>
+                <a:schemeClr val="tx1"/>
+              </a:solidFill>
+            </a:endParaRPr>
+          </a:p>
+        </p:txBody>
+      </p:sp>
+      <p:sp>
+        <p:nvSpPr>
+          <p:cNvPr id="6" name="TextBox 5">
+            <a:extLst>
+              <a:ext uri="{FF2B5EF4-FFF2-40B4-BE49-F238E27FC236}">
+                <a16:creationId xmlns:a16="http://schemas.microsoft.com/office/drawing/2014/main" id="{ABF84F31-585A-7288-07ED-D2F7C06E7336}"/>
+              </a:ext>
+            </a:extLst>
+          </p:cNvPr>
+          <p:cNvSpPr txBox="1"/>
+          <p:nvPr/>
+        </p:nvSpPr>
+        <p:spPr>
+          <a:xfrm>
+            <a:off x="5719" y="2963733"/>
+            <a:ext cx="9144001" cy="1886157"/>
+          </a:xfrm>
+          <a:prstGeom prst="rect">
+            <a:avLst/>
+          </a:prstGeom>
+          <a:noFill/>
+        </p:spPr>
+        <p:txBody>
+          <a:bodyPr wrap="square" rtlCol="0">
+            <a:spAutoFit/>
+          </a:bodyPr>
+          <a:lstStyle>
+            <a:defPPr>
+              <a:defRPr lang="en-US"/>
+            </a:defPPr>
+            <a:lvl1pPr>
+              <a:defRPr sz="2800" b="1" cap="small">
+                <a:solidFill>
+                  <a:srgbClr val="880015"/>
+                </a:solidFill>
+                <a:latin typeface="Oxygen" panose="02000503000000000000" pitchFamily="2" charset="0"/>
+              </a:defRPr>
+            </a:lvl1pPr>
+          </a:lstStyle>
+          <a:p>
+            <a:pPr algn="ctr"/>
+            <a:r>
+              <a:rPr lang="en-US" sz="2400" dirty="0">
+                <a:solidFill>
+                  <a:schemeClr val="tx1"/>
+                </a:solidFill>
+              </a:rPr>
+              <a:t>N-1/25</a:t>
+            </a:r>
+            <a:r>
+              <a:rPr lang="en-US" sz="2667" dirty="0">
+                <a:solidFill>
+                  <a:schemeClr val="tx1"/>
+                </a:solidFill>
+              </a:rPr>
+              <a:t> </a:t>
+            </a:r>
+            <a:r>
+              <a:rPr lang="en-US" sz="4400" dirty="0">
+                <a:solidFill>
+                  <a:schemeClr val="tx1"/>
+                </a:solidFill>
+              </a:rPr>
+              <a:t>Patuli</a:t>
+            </a:r>
+            <a:r>
+              <a:rPr lang="en-US" sz="2400" dirty="0">
+                <a:solidFill>
+                  <a:schemeClr val="tx1"/>
+                </a:solidFill>
+              </a:rPr>
+              <a:t>, Kol 94</a:t>
+            </a:r>
+          </a:p>
+          <a:p>
+            <a:pPr algn="ctr"/>
+            <a:r>
+              <a:rPr lang="en-US" sz="2400" dirty="0">
+                <a:solidFill>
+                  <a:schemeClr val="tx1"/>
+                </a:solidFill>
+              </a:rPr>
+              <a:t>Near Fire Brigade &amp; Krishi Vikas</a:t>
+            </a:r>
+          </a:p>
+          <a:p>
+            <a:pPr algn="ctr"/>
+            <a:endParaRPr lang="en-US" sz="571" dirty="0">
+              <a:solidFill>
+                <a:schemeClr val="tx1"/>
+              </a:solidFill>
+            </a:endParaRPr>
+          </a:p>
+          <a:p>
+            <a:pPr algn="ctr"/>
+            <a:r>
+              <a:rPr lang="en-US" sz="4400" dirty="0">
+                <a:solidFill>
+                  <a:schemeClr val="tx1"/>
+                </a:solidFill>
+              </a:rPr>
+              <a:t>9073 700094</a:t>
+            </a:r>
+          </a:p>
+        </p:txBody>
+      </p:sp>
+      <p:sp>
+        <p:nvSpPr>
+          <p:cNvPr id="10" name="Freeform: Shape 9">
+            <a:extLst>
+              <a:ext uri="{FF2B5EF4-FFF2-40B4-BE49-F238E27FC236}">
+                <a16:creationId xmlns:a16="http://schemas.microsoft.com/office/drawing/2014/main" id="{04C7246C-1E51-DEF7-9CBC-6503338149DF}"/>
+              </a:ext>
+            </a:extLst>
+          </p:cNvPr>
+          <p:cNvSpPr/>
+          <p:nvPr/>
+        </p:nvSpPr>
+        <p:spPr>
+          <a:xfrm>
+            <a:off x="6415284" y="4168643"/>
+            <a:ext cx="709424" cy="647243"/>
+          </a:xfrm>
+          <a:custGeom>
+            <a:avLst/>
+            <a:gdLst>
+              <a:gd name="connsiteX0" fmla="*/ 641008 w 2125271"/>
+              <a:gd name="connsiteY0" fmla="*/ 440126 h 1938992"/>
+              <a:gd name="connsiteX1" fmla="*/ 719309 w 2125271"/>
+              <a:gd name="connsiteY1" fmla="*/ 541862 h 1938992"/>
+              <a:gd name="connsiteX2" fmla="*/ 721681 w 2125271"/>
+              <a:gd name="connsiteY2" fmla="*/ 539639 h 1938992"/>
+              <a:gd name="connsiteX3" fmla="*/ 868249 w 2125271"/>
+              <a:gd name="connsiteY3" fmla="*/ 730072 h 1938992"/>
+              <a:gd name="connsiteX4" fmla="*/ 830984 w 2125271"/>
+              <a:gd name="connsiteY4" fmla="*/ 1145778 h 1938992"/>
+              <a:gd name="connsiteX5" fmla="*/ 1242378 w 2125271"/>
+              <a:gd name="connsiteY5" fmla="*/ 1216171 h 1938992"/>
+              <a:gd name="connsiteX6" fmla="*/ 1388945 w 2125271"/>
+              <a:gd name="connsiteY6" fmla="*/ 1406602 h 1938992"/>
+              <a:gd name="connsiteX7" fmla="*/ 1386189 w 2125271"/>
+              <a:gd name="connsiteY7" fmla="*/ 1408326 h 1938992"/>
+              <a:gd name="connsiteX8" fmla="*/ 1434328 w 2125271"/>
+              <a:gd name="connsiteY8" fmla="*/ 1470871 h 1938992"/>
+              <a:gd name="connsiteX9" fmla="*/ 589010 w 2125271"/>
+              <a:gd name="connsiteY9" fmla="*/ 1300812 h 1938992"/>
+              <a:gd name="connsiteX10" fmla="*/ 641008 w 2125271"/>
+              <a:gd name="connsiteY10" fmla="*/ 440126 h 1938992"/>
+              <a:gd name="connsiteX11" fmla="*/ 1074365 w 2125271"/>
+              <a:gd name="connsiteY11" fmla="*/ 157786 h 1938992"/>
+              <a:gd name="connsiteX12" fmla="*/ 205849 w 2125271"/>
+              <a:gd name="connsiteY12" fmla="*/ 959023 h 1938992"/>
+              <a:gd name="connsiteX13" fmla="*/ 244896 w 2125271"/>
+              <a:gd name="connsiteY13" fmla="*/ 1197287 h 1938992"/>
+              <a:gd name="connsiteX14" fmla="*/ 263804 w 2125271"/>
+              <a:gd name="connsiteY14" fmla="*/ 1244946 h 1938992"/>
+              <a:gd name="connsiteX15" fmla="*/ 178658 w 2125271"/>
+              <a:gd name="connsiteY15" fmla="*/ 1677716 h 1938992"/>
+              <a:gd name="connsiteX16" fmla="*/ 179967 w 2125271"/>
+              <a:gd name="connsiteY16" fmla="*/ 1677564 h 1938992"/>
+              <a:gd name="connsiteX17" fmla="*/ 178606 w 2125271"/>
+              <a:gd name="connsiteY17" fmla="*/ 1684328 h 1938992"/>
+              <a:gd name="connsiteX18" fmla="*/ 341286 w 2125271"/>
+              <a:gd name="connsiteY18" fmla="*/ 1662662 h 1938992"/>
+              <a:gd name="connsiteX19" fmla="*/ 336907 w 2125271"/>
+              <a:gd name="connsiteY19" fmla="*/ 1659329 h 1938992"/>
+              <a:gd name="connsiteX20" fmla="*/ 599538 w 2125271"/>
+              <a:gd name="connsiteY20" fmla="*/ 1628813 h 1938992"/>
+              <a:gd name="connsiteX21" fmla="*/ 736300 w 2125271"/>
+              <a:gd name="connsiteY21" fmla="*/ 1697295 h 1938992"/>
+              <a:gd name="connsiteX22" fmla="*/ 1074365 w 2125271"/>
+              <a:gd name="connsiteY22" fmla="*/ 1760260 h 1938992"/>
+              <a:gd name="connsiteX23" fmla="*/ 1942881 w 2125271"/>
+              <a:gd name="connsiteY23" fmla="*/ 959023 h 1938992"/>
+              <a:gd name="connsiteX24" fmla="*/ 1074365 w 2125271"/>
+              <a:gd name="connsiteY24" fmla="*/ 157786 h 1938992"/>
+              <a:gd name="connsiteX25" fmla="*/ 1074366 w 2125271"/>
+              <a:gd name="connsiteY25" fmla="*/ 0 h 1938992"/>
+              <a:gd name="connsiteX26" fmla="*/ 2125271 w 2125271"/>
+              <a:gd name="connsiteY26" fmla="*/ 969496 h 1938992"/>
+              <a:gd name="connsiteX27" fmla="*/ 1074366 w 2125271"/>
+              <a:gd name="connsiteY27" fmla="*/ 1938992 h 1938992"/>
+              <a:gd name="connsiteX28" fmla="*/ 573442 w 2125271"/>
+              <a:gd name="connsiteY28" fmla="*/ 1821979 h 1938992"/>
+              <a:gd name="connsiteX29" fmla="*/ 505884 w 2125271"/>
+              <a:gd name="connsiteY29" fmla="*/ 1784116 h 1938992"/>
+              <a:gd name="connsiteX30" fmla="*/ 0 w 2125271"/>
+              <a:gd name="connsiteY30" fmla="*/ 1851492 h 1938992"/>
+              <a:gd name="connsiteX31" fmla="*/ 103055 w 2125271"/>
+              <a:gd name="connsiteY31" fmla="*/ 1339327 h 1938992"/>
+              <a:gd name="connsiteX32" fmla="*/ 70708 w 2125271"/>
+              <a:gd name="connsiteY32" fmla="*/ 1257795 h 1938992"/>
+              <a:gd name="connsiteX33" fmla="*/ 23461 w 2125271"/>
+              <a:gd name="connsiteY33" fmla="*/ 969496 h 1938992"/>
+              <a:gd name="connsiteX34" fmla="*/ 1074366 w 2125271"/>
+              <a:gd name="connsiteY34" fmla="*/ 0 h 1938992"/>
+            </a:gdLst>
+            <a:ahLst/>
+            <a:cxnLst>
+              <a:cxn ang="0">
+                <a:pos x="connsiteX0" y="connsiteY0"/>
+              </a:cxn>
+              <a:cxn ang="0">
+                <a:pos x="connsiteX1" y="connsiteY1"/>
+              </a:cxn>
+              <a:cxn ang="0">
+                <a:pos x="connsiteX2" y="connsiteY2"/>
+              </a:cxn>
+              <a:cxn ang="0">
+                <a:pos x="connsiteX3" y="connsiteY3"/>
+              </a:cxn>
+              <a:cxn ang="0">
+                <a:pos x="connsiteX4" y="connsiteY4"/>
+              </a:cxn>
+              <a:cxn ang="0">
+                <a:pos x="connsiteX5" y="connsiteY5"/>
+              </a:cxn>
+              <a:cxn ang="0">
+                <a:pos x="connsiteX6" y="connsiteY6"/>
+              </a:cxn>
+              <a:cxn ang="0">
+                <a:pos x="connsiteX7" y="connsiteY7"/>
+              </a:cxn>
+              <a:cxn ang="0">
+                <a:pos x="connsiteX8" y="connsiteY8"/>
+              </a:cxn>
+              <a:cxn ang="0">
+                <a:pos x="connsiteX9" y="connsiteY9"/>
+              </a:cxn>
+              <a:cxn ang="0">
+                <a:pos x="connsiteX10" y="connsiteY10"/>
+              </a:cxn>
+              <a:cxn ang="0">
+                <a:pos x="connsiteX11" y="connsiteY11"/>
+              </a:cxn>
+              <a:cxn ang="0">
+                <a:pos x="connsiteX12" y="connsiteY12"/>
+              </a:cxn>
+              <a:cxn ang="0">
+                <a:pos x="connsiteX13" y="connsiteY13"/>
+              </a:cxn>
+              <a:cxn ang="0">
+                <a:pos x="connsiteX14" y="connsiteY14"/>
+              </a:cxn>
+              <a:cxn ang="0">
+                <a:pos x="connsiteX15" y="connsiteY15"/>
+              </a:cxn>
+              <a:cxn ang="0">
+                <a:pos x="connsiteX16" y="connsiteY16"/>
+              </a:cxn>
+              <a:cxn ang="0">
+                <a:pos x="connsiteX17" y="connsiteY17"/>
+              </a:cxn>
+              <a:cxn ang="0">
+                <a:pos x="connsiteX18" y="connsiteY18"/>
+              </a:cxn>
+              <a:cxn ang="0">
+                <a:pos x="connsiteX19" y="connsiteY19"/>
+              </a:cxn>
+              <a:cxn ang="0">
+                <a:pos x="connsiteX20" y="connsiteY20"/>
+              </a:cxn>
+              <a:cxn ang="0">
+                <a:pos x="connsiteX21" y="connsiteY21"/>
+              </a:cxn>
+              <a:cxn ang="0">
+                <a:pos x="connsiteX22" y="connsiteY22"/>
+              </a:cxn>
+              <a:cxn ang="0">
+                <a:pos x="connsiteX23" y="connsiteY23"/>
+              </a:cxn>
+              <a:cxn ang="0">
+                <a:pos x="connsiteX24" y="connsiteY24"/>
+              </a:cxn>
+              <a:cxn ang="0">
+                <a:pos x="connsiteX25" y="connsiteY25"/>
+              </a:cxn>
+              <a:cxn ang="0">
+                <a:pos x="connsiteX26" y="connsiteY26"/>
+              </a:cxn>
+              <a:cxn ang="0">
+                <a:pos x="connsiteX27" y="connsiteY27"/>
+              </a:cxn>
+              <a:cxn ang="0">
+                <a:pos x="connsiteX28" y="connsiteY28"/>
+              </a:cxn>
+              <a:cxn ang="0">
+                <a:pos x="connsiteX29" y="connsiteY29"/>
+              </a:cxn>
+              <a:cxn ang="0">
+                <a:pos x="connsiteX30" y="connsiteY30"/>
+              </a:cxn>
+              <a:cxn ang="0">
+                <a:pos x="connsiteX31" y="connsiteY31"/>
+              </a:cxn>
+              <a:cxn ang="0">
+                <a:pos x="connsiteX32" y="connsiteY32"/>
+              </a:cxn>
+              <a:cxn ang="0">
+                <a:pos x="connsiteX33" y="connsiteY33"/>
+              </a:cxn>
+              <a:cxn ang="0">
+                <a:pos x="connsiteX34" y="connsiteY34"/>
+              </a:cxn>
+            </a:cxnLst>
+            <a:rect l="l" t="t" r="r" b="b"/>
+            <a:pathLst>
+              <a:path w="2125271" h="1938992">
+                <a:moveTo>
+                  <a:pt x="641008" y="440126"/>
+                </a:moveTo>
+                <a:lnTo>
+                  <a:pt x="719309" y="541862"/>
+                </a:lnTo>
+                <a:lnTo>
+                  <a:pt x="721681" y="539639"/>
+                </a:lnTo>
+                <a:lnTo>
+                  <a:pt x="868249" y="730072"/>
+                </a:lnTo>
+                <a:cubicBezTo>
+                  <a:pt x="744355" y="825428"/>
+                  <a:pt x="727671" y="1011545"/>
+                  <a:pt x="830984" y="1145778"/>
+                </a:cubicBezTo>
+                <a:cubicBezTo>
+                  <a:pt x="934297" y="1280010"/>
+                  <a:pt x="1118484" y="1311526"/>
+                  <a:pt x="1242378" y="1216171"/>
+                </a:cubicBezTo>
+                <a:lnTo>
+                  <a:pt x="1388945" y="1406602"/>
+                </a:lnTo>
+                <a:lnTo>
+                  <a:pt x="1386189" y="1408326"/>
+                </a:lnTo>
+                <a:lnTo>
+                  <a:pt x="1434328" y="1470871"/>
+                </a:lnTo>
+                <a:cubicBezTo>
+                  <a:pt x="1186542" y="1661582"/>
+                  <a:pt x="808079" y="1585444"/>
+                  <a:pt x="589010" y="1300812"/>
+                </a:cubicBezTo>
+                <a:cubicBezTo>
+                  <a:pt x="369941" y="1016180"/>
+                  <a:pt x="393221" y="630838"/>
+                  <a:pt x="641008" y="440126"/>
+                </a:cubicBezTo>
+                <a:close/>
+                <a:moveTo>
+                  <a:pt x="1074365" y="157786"/>
+                </a:moveTo>
+                <a:cubicBezTo>
+                  <a:pt x="594697" y="157786"/>
+                  <a:pt x="205849" y="516512"/>
+                  <a:pt x="205849" y="959023"/>
+                </a:cubicBezTo>
+                <a:cubicBezTo>
+                  <a:pt x="205849" y="1041994"/>
+                  <a:pt x="219520" y="1122019"/>
+                  <a:pt x="244896" y="1197287"/>
+                </a:cubicBezTo>
+                <a:lnTo>
+                  <a:pt x="263804" y="1244946"/>
+                </a:lnTo>
+                <a:lnTo>
+                  <a:pt x="178658" y="1677716"/>
+                </a:lnTo>
+                <a:lnTo>
+                  <a:pt x="179967" y="1677564"/>
+                </a:lnTo>
+                <a:lnTo>
+                  <a:pt x="178606" y="1684328"/>
+                </a:lnTo>
+                <a:lnTo>
+                  <a:pt x="341286" y="1662662"/>
+                </a:lnTo>
+                <a:lnTo>
+                  <a:pt x="336907" y="1659329"/>
+                </a:lnTo>
+                <a:lnTo>
+                  <a:pt x="599538" y="1628813"/>
+                </a:lnTo>
+                <a:lnTo>
+                  <a:pt x="736300" y="1697295"/>
+                </a:lnTo>
+                <a:cubicBezTo>
+                  <a:pt x="840208" y="1737840"/>
+                  <a:pt x="954448" y="1760260"/>
+                  <a:pt x="1074365" y="1760260"/>
+                </a:cubicBezTo>
+                <a:cubicBezTo>
+                  <a:pt x="1554033" y="1760260"/>
+                  <a:pt x="1942881" y="1401534"/>
+                  <a:pt x="1942881" y="959023"/>
+                </a:cubicBezTo>
+                <a:cubicBezTo>
+                  <a:pt x="1942881" y="516512"/>
+                  <a:pt x="1554033" y="157786"/>
+                  <a:pt x="1074365" y="157786"/>
+                </a:cubicBezTo>
+                <a:close/>
+                <a:moveTo>
+                  <a:pt x="1074366" y="0"/>
+                </a:moveTo>
+                <a:cubicBezTo>
+                  <a:pt x="1654765" y="0"/>
+                  <a:pt x="2125271" y="434058"/>
+                  <a:pt x="2125271" y="969496"/>
+                </a:cubicBezTo>
+                <a:cubicBezTo>
+                  <a:pt x="2125271" y="1504934"/>
+                  <a:pt x="1654765" y="1938992"/>
+                  <a:pt x="1074366" y="1938992"/>
+                </a:cubicBezTo>
+                <a:cubicBezTo>
+                  <a:pt x="892992" y="1938992"/>
+                  <a:pt x="722349" y="1896604"/>
+                  <a:pt x="573442" y="1821979"/>
+                </a:cubicBezTo>
+                <a:lnTo>
+                  <a:pt x="505884" y="1784116"/>
+                </a:lnTo>
+                <a:lnTo>
+                  <a:pt x="0" y="1851492"/>
+                </a:lnTo>
+                <a:lnTo>
+                  <a:pt x="103055" y="1339327"/>
+                </a:lnTo>
+                <a:lnTo>
+                  <a:pt x="70708" y="1257795"/>
+                </a:lnTo>
+                <a:cubicBezTo>
+                  <a:pt x="40003" y="1166721"/>
+                  <a:pt x="23461" y="1069891"/>
+                  <a:pt x="23461" y="969496"/>
+                </a:cubicBezTo>
+                <a:cubicBezTo>
+                  <a:pt x="23461" y="434058"/>
+                  <a:pt x="493967" y="0"/>
+                  <a:pt x="1074366" y="0"/>
+                </a:cubicBezTo>
+                <a:close/>
+              </a:path>
+            </a:pathLst>
+          </a:custGeom>
+          <a:solidFill>
+            <a:schemeClr val="tx1"/>
+          </a:solidFill>
+          <a:ln>
+            <a:noFill/>
+          </a:ln>
+        </p:spPr>
+        <p:style>
+          <a:lnRef idx="2">
+            <a:schemeClr val="accent1">
+              <a:shade val="15000"/>
+            </a:schemeClr>
+          </a:lnRef>
+          <a:fillRef idx="1">
+            <a:schemeClr val="accent1"/>
+          </a:fillRef>
+          <a:effectRef idx="0">
+            <a:schemeClr val="accent1"/>
+          </a:effectRef>
+          <a:fontRef idx="minor">
+            <a:schemeClr val="lt1"/>
+          </a:fontRef>
+        </p:style>
+        <p:txBody>
+          <a:bodyPr wrap="square" rtlCol="0" anchor="ctr">
+            <a:noAutofit/>
+          </a:bodyPr>
+          <a:lstStyle/>
+          <a:p>
+            <a:pPr algn="ctr"/>
+            <a:endParaRPr lang="en-US" sz="1714">
+              <a:solidFill>
+                <a:schemeClr val="tx1"/>
+              </a:solidFill>
+            </a:endParaRPr>
+          </a:p>
+        </p:txBody>
+      </p:sp>
+      <p:sp>
+        <p:nvSpPr>
+          <p:cNvPr id="18" name="TextBox 17">
+            <a:extLst>
+              <a:ext uri="{FF2B5EF4-FFF2-40B4-BE49-F238E27FC236}">
+                <a16:creationId xmlns:a16="http://schemas.microsoft.com/office/drawing/2014/main" id="{E4FDAF19-7F7B-3938-7A51-47B91C4CD1D0}"/>
+              </a:ext>
+            </a:extLst>
+          </p:cNvPr>
+          <p:cNvSpPr txBox="1"/>
+          <p:nvPr/>
+        </p:nvSpPr>
+        <p:spPr>
+          <a:xfrm>
+            <a:off x="7593" y="9715623"/>
+            <a:ext cx="9144000" cy="1455207"/>
+          </a:xfrm>
+          <a:prstGeom prst="rect">
+            <a:avLst/>
+          </a:prstGeom>
+          <a:noFill/>
+        </p:spPr>
+        <p:txBody>
+          <a:bodyPr wrap="square">
+            <a:spAutoFit/>
+          </a:bodyPr>
+          <a:lstStyle/>
+          <a:p>
+            <a:pPr algn="ctr"/>
+            <a:r>
+              <a:rPr lang="en-US" sz="2952" b="1" cap="small" dirty="0">
+                <a:latin typeface="Oxygen" panose="02000503000000000000" pitchFamily="2" charset="0"/>
+              </a:rPr>
+              <a:t>Best Teachers, Study Materials, </a:t>
+            </a:r>
+          </a:p>
+          <a:p>
+            <a:pPr algn="ctr"/>
+            <a:r>
+              <a:rPr lang="en-US" sz="2952" b="1" cap="small" dirty="0">
+                <a:latin typeface="Oxygen" panose="02000503000000000000" pitchFamily="2" charset="0"/>
+              </a:rPr>
+              <a:t>Mock Tests, PTM, Doubt Clearing, Counselling</a:t>
+            </a:r>
+          </a:p>
+          <a:p>
+            <a:pPr algn="ctr"/>
+            <a:r>
+              <a:rPr lang="en-US" sz="2952" b="1" cap="small" dirty="0">
+                <a:latin typeface="Oxygen" panose="02000503000000000000" pitchFamily="2" charset="0"/>
+              </a:rPr>
+              <a:t>Smart Classrooms, AC, CCTV </a:t>
+            </a:r>
+            <a:r>
+              <a:rPr lang="en-US" sz="1905" b="1" cap="small" dirty="0">
+                <a:latin typeface="Oxygen" panose="02000503000000000000" pitchFamily="2" charset="0"/>
+              </a:rPr>
+              <a:t>* As required</a:t>
+            </a:r>
+            <a:endParaRPr lang="en-US" sz="2952" b="1" cap="small" dirty="0">
+              <a:latin typeface="Oxygen" panose="02000503000000000000" pitchFamily="2" charset="0"/>
+            </a:endParaRPr>
+          </a:p>
+        </p:txBody>
+      </p:sp>
+      <p:sp>
+        <p:nvSpPr>
+          <p:cNvPr id="9" name="TextBox 8">
+            <a:extLst>
+              <a:ext uri="{FF2B5EF4-FFF2-40B4-BE49-F238E27FC236}">
+                <a16:creationId xmlns:a16="http://schemas.microsoft.com/office/drawing/2014/main" id="{94FF986B-CD0A-F05F-D826-AAD52EF6607D}"/>
+              </a:ext>
+            </a:extLst>
+          </p:cNvPr>
+          <p:cNvSpPr txBox="1"/>
+          <p:nvPr/>
+        </p:nvSpPr>
+        <p:spPr>
+          <a:xfrm>
+            <a:off x="2724884" y="13044301"/>
+            <a:ext cx="3781119" cy="476925"/>
+          </a:xfrm>
+          <a:prstGeom prst="rect">
+            <a:avLst/>
+          </a:prstGeom>
+          <a:noFill/>
+        </p:spPr>
+        <p:txBody>
+          <a:bodyPr wrap="square">
+            <a:spAutoFit/>
+          </a:bodyPr>
+          <a:lstStyle/>
+          <a:p>
+            <a:pPr algn="ctr">
+              <a:lnSpc>
+                <a:spcPct val="150000"/>
+              </a:lnSpc>
+            </a:pPr>
+            <a:r>
+              <a:rPr lang="en-US" sz="1905" b="1" cap="small" dirty="0">
+                <a:latin typeface="Oxygen" panose="02000503000000000000" pitchFamily="2" charset="0"/>
+              </a:rPr>
+              <a:t>* Conditions Apply</a:t>
+            </a:r>
+          </a:p>
+        </p:txBody>
+      </p:sp>
+      <p:sp>
+        <p:nvSpPr>
+          <p:cNvPr id="11" name="32-Point Star 20">
+            <a:extLst>
+              <a:ext uri="{FF2B5EF4-FFF2-40B4-BE49-F238E27FC236}">
+                <a16:creationId xmlns:a16="http://schemas.microsoft.com/office/drawing/2014/main" id="{BDD19603-54E0-0893-8BE9-1B6B28BF8E02}"/>
+              </a:ext>
+            </a:extLst>
+          </p:cNvPr>
+          <p:cNvSpPr/>
+          <p:nvPr/>
+        </p:nvSpPr>
+        <p:spPr>
+          <a:xfrm>
+            <a:off x="5711479" y="11937441"/>
+            <a:ext cx="3232443" cy="1632356"/>
+          </a:xfrm>
+          <a:prstGeom prst="star32">
+            <a:avLst/>
+          </a:prstGeom>
+          <a:solidFill>
+            <a:schemeClr val="tx1"/>
+          </a:solidFill>
+          <a:ln w="123825">
+            <a:solidFill>
+              <a:schemeClr val="tx1"/>
+            </a:solidFill>
+          </a:ln>
+        </p:spPr>
+        <p:style>
+          <a:lnRef idx="2">
+            <a:schemeClr val="accent1">
+              <a:shade val="50000"/>
+            </a:schemeClr>
+          </a:lnRef>
+          <a:fillRef idx="1">
+            <a:schemeClr val="accent1"/>
+          </a:fillRef>
+          <a:effectRef idx="0">
+            <a:schemeClr val="accent1"/>
+          </a:effectRef>
+          <a:fontRef idx="minor">
+            <a:schemeClr val="lt1"/>
+          </a:fontRef>
+        </p:style>
+        <p:txBody>
+          <a:bodyPr rtlCol="0" anchor="ctr"/>
+          <a:lstStyle/>
+          <a:p>
+            <a:pPr algn="ctr"/>
+            <a:r>
+              <a:rPr lang="en-US" sz="5400" b="1" cap="small" dirty="0">
+                <a:solidFill>
+                  <a:schemeClr val="bg1"/>
+                </a:solidFill>
+                <a:latin typeface="Oxygen" panose="02000503000000000000" pitchFamily="2" charset="0"/>
+              </a:rPr>
+              <a:t>50%</a:t>
+            </a:r>
+          </a:p>
+          <a:p>
+            <a:pPr algn="ctr"/>
+            <a:r>
+              <a:rPr lang="en-US" sz="2800" b="1" cap="small" dirty="0">
+                <a:solidFill>
+                  <a:schemeClr val="bg1"/>
+                </a:solidFill>
+                <a:latin typeface="Oxygen" panose="02000503000000000000" pitchFamily="2" charset="0"/>
+              </a:rPr>
+              <a:t>Off</a:t>
+            </a:r>
+            <a:endParaRPr lang="en-US" sz="2400" b="1" cap="small" dirty="0">
+              <a:solidFill>
+                <a:schemeClr val="bg1"/>
+              </a:solidFill>
+              <a:latin typeface="Oxygen" panose="02000503000000000000" pitchFamily="2" charset="0"/>
+            </a:endParaRPr>
+          </a:p>
+        </p:txBody>
+      </p:sp>
+      <p:sp>
+        <p:nvSpPr>
+          <p:cNvPr id="12" name="TextBox 11">
+            <a:extLst>
+              <a:ext uri="{FF2B5EF4-FFF2-40B4-BE49-F238E27FC236}">
+                <a16:creationId xmlns:a16="http://schemas.microsoft.com/office/drawing/2014/main" id="{331C6C6C-54EC-A90F-86D1-4A144D85EE01}"/>
+              </a:ext>
+            </a:extLst>
+          </p:cNvPr>
+          <p:cNvSpPr txBox="1"/>
+          <p:nvPr/>
+        </p:nvSpPr>
+        <p:spPr>
+          <a:xfrm>
+            <a:off x="2521873" y="11121727"/>
+            <a:ext cx="4100253" cy="646331"/>
+          </a:xfrm>
+          <a:prstGeom prst="rect">
+            <a:avLst/>
+          </a:prstGeom>
+          <a:noFill/>
+        </p:spPr>
+        <p:txBody>
+          <a:bodyPr wrap="square">
+            <a:spAutoFit/>
+          </a:bodyPr>
+          <a:lstStyle/>
+          <a:p>
+            <a:pPr algn="ctr"/>
+            <a:r>
+              <a:rPr lang="en-US" sz="3600" b="1" cap="small" dirty="0">
+                <a:latin typeface="Oxygen" panose="02000503000000000000" pitchFamily="2" charset="0"/>
+              </a:rPr>
+              <a:t>Own Edtech App</a:t>
+            </a:r>
+          </a:p>
+        </p:txBody>
+      </p:sp>
+      <p:pic>
+        <p:nvPicPr>
+          <p:cNvPr id="15" name="Picture 14">
+            <a:extLst>
+              <a:ext uri="{FF2B5EF4-FFF2-40B4-BE49-F238E27FC236}">
+                <a16:creationId xmlns:a16="http://schemas.microsoft.com/office/drawing/2014/main" id="{06581B7C-327B-58A9-82DB-62A073F9A6F7}"/>
+              </a:ext>
+            </a:extLst>
+          </p:cNvPr>
+          <p:cNvPicPr>
+            <a:picLocks noChangeAspect="1"/>
+          </p:cNvPicPr>
+          <p:nvPr/>
+        </p:nvPicPr>
+        <p:blipFill>
+          <a:blip r:embed="rId2"/>
+          <a:stretch>
+            <a:fillRect/>
+          </a:stretch>
+        </p:blipFill>
+        <p:spPr>
+          <a:xfrm>
+            <a:off x="6489058" y="11121727"/>
+            <a:ext cx="738532" cy="752146"/>
+          </a:xfrm>
+          <a:prstGeom prst="rect">
+            <a:avLst/>
+          </a:prstGeom>
+        </p:spPr>
+      </p:pic>
+      <p:pic>
+        <p:nvPicPr>
+          <p:cNvPr id="16" name="Picture 2" descr="Google, play icon - Free download on Iconfinder">
+            <a:extLst>
+              <a:ext uri="{FF2B5EF4-FFF2-40B4-BE49-F238E27FC236}">
+                <a16:creationId xmlns:a16="http://schemas.microsoft.com/office/drawing/2014/main" id="{92BF1035-6FAB-34CB-F43A-AA3D2F47FBF8}"/>
+              </a:ext>
+            </a:extLst>
+          </p:cNvPr>
+          <p:cNvPicPr>
+            <a:picLocks noChangeAspect="1" noChangeArrowheads="1"/>
+          </p:cNvPicPr>
+          <p:nvPr/>
+        </p:nvPicPr>
+        <p:blipFill>
+          <a:blip r:embed="rId3">
+            <a:extLst>
+              <a:ext uri="{28A0092B-C50C-407E-A947-70E740481C1C}">
+                <a14:useLocalDpi xmlns:a14="http://schemas.microsoft.com/office/drawing/2010/main" val="0"/>
+              </a:ext>
+            </a:extLst>
+          </a:blip>
+          <a:srcRect/>
+          <a:stretch>
+            <a:fillRect/>
+          </a:stretch>
+        </p:blipFill>
+        <p:spPr bwMode="auto">
+          <a:xfrm>
+            <a:off x="1944521" y="10968714"/>
+            <a:ext cx="909396" cy="952356"/>
+          </a:xfrm>
+          <a:prstGeom prst="rect">
+            <a:avLst/>
+          </a:prstGeom>
+          <a:noFill/>
+          <a:extLst>
+            <a:ext uri="{909E8E84-426E-40DD-AFC4-6F175D3DCCD1}">
+              <a14:hiddenFill xmlns:a14="http://schemas.microsoft.com/office/drawing/2010/main">
+                <a:solidFill>
+                  <a:srgbClr val="FFFFFF"/>
+                </a:solidFill>
+              </a14:hiddenFill>
+            </a:ext>
+          </a:extLst>
+        </p:spPr>
+      </p:pic>
+      <p:sp>
+        <p:nvSpPr>
+          <p:cNvPr id="17" name="32-Point Star 20">
+            <a:extLst>
+              <a:ext uri="{FF2B5EF4-FFF2-40B4-BE49-F238E27FC236}">
+                <a16:creationId xmlns:a16="http://schemas.microsoft.com/office/drawing/2014/main" id="{E5E17AA0-5D73-5622-F17B-B2A36489C924}"/>
+              </a:ext>
+            </a:extLst>
+          </p:cNvPr>
+          <p:cNvSpPr/>
+          <p:nvPr/>
+        </p:nvSpPr>
+        <p:spPr>
+          <a:xfrm>
+            <a:off x="294341" y="11888870"/>
+            <a:ext cx="3232443" cy="1632356"/>
+          </a:xfrm>
+          <a:prstGeom prst="star32">
+            <a:avLst/>
+          </a:prstGeom>
+          <a:solidFill>
+            <a:schemeClr val="tx1"/>
+          </a:solidFill>
+          <a:ln w="123825">
+            <a:solidFill>
+              <a:schemeClr val="tx1"/>
+            </a:solidFill>
+          </a:ln>
+        </p:spPr>
+        <p:style>
+          <a:lnRef idx="2">
+            <a:schemeClr val="accent1">
+              <a:shade val="50000"/>
+            </a:schemeClr>
+          </a:lnRef>
+          <a:fillRef idx="1">
+            <a:schemeClr val="accent1"/>
+          </a:fillRef>
+          <a:effectRef idx="0">
+            <a:schemeClr val="accent1"/>
+          </a:effectRef>
+          <a:fontRef idx="minor">
+            <a:schemeClr val="lt1"/>
+          </a:fontRef>
+        </p:style>
+        <p:txBody>
+          <a:bodyPr rtlCol="0" anchor="ctr"/>
+          <a:lstStyle/>
+          <a:p>
+            <a:pPr algn="ctr"/>
+            <a:r>
+              <a:rPr lang="en-US" sz="5400" b="1" cap="small" dirty="0">
+                <a:solidFill>
+                  <a:schemeClr val="bg1"/>
+                </a:solidFill>
+                <a:latin typeface="Oxygen" panose="02000503000000000000" pitchFamily="2" charset="0"/>
+              </a:rPr>
+              <a:t>50%</a:t>
+            </a:r>
+          </a:p>
+          <a:p>
+            <a:pPr algn="ctr"/>
+            <a:r>
+              <a:rPr lang="en-US" sz="2800" b="1" cap="small" dirty="0">
+                <a:solidFill>
+                  <a:schemeClr val="bg1"/>
+                </a:solidFill>
+                <a:latin typeface="Oxygen" panose="02000503000000000000" pitchFamily="2" charset="0"/>
+              </a:rPr>
+              <a:t>Off</a:t>
+            </a:r>
+            <a:endParaRPr lang="en-US" sz="2400" b="1" cap="small" dirty="0">
+              <a:solidFill>
+                <a:schemeClr val="bg1"/>
+              </a:solidFill>
+              <a:latin typeface="Oxygen" panose="02000503000000000000" pitchFamily="2" charset="0"/>
+            </a:endParaRPr>
+          </a:p>
+        </p:txBody>
+      </p:sp>
+    </p:spTree>
+    <p:extLst>
+      <p:ext uri="{BB962C8B-B14F-4D97-AF65-F5344CB8AC3E}">
+        <p14:creationId xmlns:p14="http://schemas.microsoft.com/office/powerpoint/2010/main" val="917876897"/>
+      </p:ext>
+    </p:extLst>
+  </p:cSld>
+  <p:clrMapOvr>
+    <a:masterClrMapping/>
+  </p:clrMapOvr>
+</p:sld>
+</file>
+
+<file path=ppt/slides/slide2.xml><?xml version="1.0" encoding="utf-8"?>
+<p:sld xmlns:a="http://schemas.openxmlformats.org/drawingml/2006/main" xmlns:r="http://schemas.openxmlformats.org/officeDocument/2006/relationships" xmlns:p="http://schemas.openxmlformats.org/presentationml/2006/main">
+  <p:cSld>
+    <p:spTree>
+      <p:nvGrpSpPr>
+        <p:cNvPr id="1" name=""/>
+        <p:cNvGrpSpPr/>
+        <p:nvPr/>
+      </p:nvGrpSpPr>
+      <p:grpSpPr>
+        <a:xfrm>
+          <a:off x="0" y="0"/>
+          <a:ext cx="0" cy="0"/>
+          <a:chOff x="0" y="0"/>
+          <a:chExt cx="0" cy="0"/>
+        </a:xfrm>
+      </p:grpSpPr>
+      <p:sp>
+        <p:nvSpPr>
+          <p:cNvPr id="4" name="TextBox 3">
+            <a:extLst>
+              <a:ext uri="{FF2B5EF4-FFF2-40B4-BE49-F238E27FC236}">
+                <a16:creationId xmlns:a16="http://schemas.microsoft.com/office/drawing/2014/main" id="{5831EE6E-86AF-A85D-14D6-CC8A70DA39A8}"/>
+              </a:ext>
+            </a:extLst>
+          </p:cNvPr>
+          <p:cNvSpPr txBox="1"/>
+          <p:nvPr/>
+        </p:nvSpPr>
+        <p:spPr>
+          <a:xfrm>
+            <a:off x="0" y="5161975"/>
+            <a:ext cx="9144000" cy="3941015"/>
+          </a:xfrm>
+          <a:prstGeom prst="rect">
+            <a:avLst/>
+          </a:prstGeom>
+          <a:noFill/>
+        </p:spPr>
+        <p:txBody>
+          <a:bodyPr wrap="square">
+            <a:spAutoFit/>
+          </a:bodyPr>
+          <a:lstStyle/>
+          <a:p>
+            <a:pPr algn="ctr">
+              <a:lnSpc>
+                <a:spcPct val="150000"/>
+              </a:lnSpc>
+            </a:pPr>
+            <a:r>
+              <a:rPr lang="en-US" sz="4200" b="1" cap="small" dirty="0">
+                <a:latin typeface="Oxygen" panose="02000503000000000000" pitchFamily="2" charset="0"/>
+              </a:rPr>
+              <a:t>ARTIFICIAL INTELLIGENCE, IoT, IT</a:t>
+            </a:r>
+          </a:p>
+          <a:p>
+            <a:pPr algn="ctr">
+              <a:lnSpc>
+                <a:spcPct val="150000"/>
+              </a:lnSpc>
+            </a:pPr>
+            <a:r>
+              <a:rPr lang="en-US" sz="4400" b="1" cap="small" dirty="0">
+                <a:latin typeface="Oxygen" panose="02000503000000000000" pitchFamily="2" charset="0"/>
+              </a:rPr>
+              <a:t>Training &amp; Project </a:t>
+            </a:r>
+            <a:r>
+              <a:rPr lang="en-US" sz="3600" b="1" cap="small" dirty="0">
+                <a:latin typeface="Oxygen" panose="02000503000000000000" pitchFamily="2" charset="0"/>
+              </a:rPr>
+              <a:t>for</a:t>
+            </a:r>
+            <a:r>
+              <a:rPr lang="en-US" sz="4400" b="1" cap="small" dirty="0">
+                <a:latin typeface="Oxygen" panose="02000503000000000000" pitchFamily="2" charset="0"/>
+              </a:rPr>
+              <a:t> Engineers</a:t>
+            </a:r>
+          </a:p>
+          <a:p>
+            <a:pPr algn="ctr">
+              <a:lnSpc>
+                <a:spcPct val="150000"/>
+              </a:lnSpc>
+            </a:pPr>
+            <a:r>
+              <a:rPr lang="en-US" sz="4400" b="1" cap="small" dirty="0">
+                <a:latin typeface="Oxygen" panose="02000503000000000000" pitchFamily="2" charset="0"/>
+              </a:rPr>
+              <a:t>IX – XII All Boards</a:t>
+            </a:r>
+          </a:p>
+          <a:p>
+            <a:pPr algn="ctr">
+              <a:lnSpc>
+                <a:spcPct val="150000"/>
+              </a:lnSpc>
+            </a:pPr>
+            <a:r>
+              <a:rPr lang="en-US" sz="4200" b="1" cap="small" dirty="0">
+                <a:latin typeface="Oxygen" panose="02000503000000000000" pitchFamily="2" charset="0"/>
+              </a:rPr>
+              <a:t>AI/Robotics/Coding: III – VIII Kids</a:t>
+            </a:r>
+            <a:endParaRPr lang="en-US" sz="3800" b="1" cap="small" dirty="0">
+              <a:latin typeface="Oxygen" panose="02000503000000000000" pitchFamily="2" charset="0"/>
+            </a:endParaRPr>
+          </a:p>
+        </p:txBody>
+      </p:sp>
+      <p:sp>
+        <p:nvSpPr>
+          <p:cNvPr id="5" name="Rectangle 4">
+            <a:extLst>
+              <a:ext uri="{FF2B5EF4-FFF2-40B4-BE49-F238E27FC236}">
+                <a16:creationId xmlns:a16="http://schemas.microsoft.com/office/drawing/2014/main" id="{DFAA5ADE-4557-12CF-A057-98467B4E08FE}"/>
+              </a:ext>
+            </a:extLst>
+          </p:cNvPr>
+          <p:cNvSpPr/>
+          <p:nvPr/>
+        </p:nvSpPr>
+        <p:spPr>
+          <a:xfrm>
+            <a:off x="329162" y="5085559"/>
+            <a:ext cx="8516290" cy="4269449"/>
           </a:xfrm>
           <a:prstGeom prst="rect">
             <a:avLst/>
@@ -5878,7 +7353,7 @@
         </p:nvSpPr>
         <p:spPr>
           <a:xfrm>
-            <a:off x="7593" y="9828167"/>
+            <a:off x="7593" y="9462388"/>
             <a:ext cx="9144000" cy="1455207"/>
           </a:xfrm>
           <a:prstGeom prst="rect">
@@ -5897,7 +7372,7 @@
               <a:rPr lang="en-US" sz="2952" b="1" cap="small" dirty="0">
                 <a:latin typeface="Oxygen" panose="02000503000000000000" pitchFamily="2" charset="0"/>
               </a:rPr>
-              <a:t>Best Teachers, Study Materials, </a:t>
+              <a:t>Industry Expert Trainers, Proj-Based, Cert Help</a:t>
             </a:r>
           </a:p>
           <a:p>
@@ -5906,7 +7381,7 @@
               <a:rPr lang="en-US" sz="2952" b="1" cap="small" dirty="0">
                 <a:latin typeface="Oxygen" panose="02000503000000000000" pitchFamily="2" charset="0"/>
               </a:rPr>
-              <a:t>Mock Tests, PTM, Doubt Clearing, Counselling</a:t>
+              <a:t>Career Focused, Study Materials</a:t>
             </a:r>
           </a:p>
           <a:p>
@@ -5923,18 +7398,1826 @@
               </a:rPr>
               <a:t>* As required</a:t>
             </a:r>
-            <a:endParaRPr lang="en-US" sz="2952" b="1" cap="small" dirty="0">
-              <a:latin typeface="Oxygen" panose="02000503000000000000" pitchFamily="2" charset="0"/>
-            </a:endParaRPr>
+            <a:r>
+              <a:rPr lang="en-US" sz="2952" b="1" cap="small" dirty="0">
+                <a:latin typeface="Oxygen" panose="02000503000000000000" pitchFamily="2" charset="0"/>
+              </a:rPr>
+              <a:t> </a:t>
+            </a:r>
           </a:p>
         </p:txBody>
       </p:sp>
       <p:sp>
         <p:nvSpPr>
-          <p:cNvPr id="9" name="TextBox 8">
+          <p:cNvPr id="8" name="Freeform: Shape 7">
             <a:extLst>
               <a:ext uri="{FF2B5EF4-FFF2-40B4-BE49-F238E27FC236}">
-                <a16:creationId xmlns:a16="http://schemas.microsoft.com/office/drawing/2014/main" id="{94FF986B-CD0A-F05F-D826-AAD52EF6607D}"/>
+                <a16:creationId xmlns:a16="http://schemas.microsoft.com/office/drawing/2014/main" id="{4E40E0A8-9EAA-EF4E-D3D2-B9AACF8ABED0}"/>
+              </a:ext>
+            </a:extLst>
+          </p:cNvPr>
+          <p:cNvSpPr/>
+          <p:nvPr/>
+        </p:nvSpPr>
+        <p:spPr>
+          <a:xfrm>
+            <a:off x="325792" y="173281"/>
+            <a:ext cx="8507605" cy="2964437"/>
+          </a:xfrm>
+          <a:custGeom>
+            <a:avLst/>
+            <a:gdLst/>
+            <a:ahLst/>
+            <a:cxnLst/>
+            <a:rect l="l" t="t" r="r" b="b"/>
+            <a:pathLst>
+              <a:path w="8120895" h="2829690">
+                <a:moveTo>
+                  <a:pt x="6867298" y="2644493"/>
+                </a:moveTo>
+                <a:lnTo>
+                  <a:pt x="6881736" y="2646026"/>
+                </a:lnTo>
+                <a:lnTo>
+                  <a:pt x="6895773" y="2644493"/>
+                </a:lnTo>
+                <a:close/>
+                <a:moveTo>
+                  <a:pt x="6174571" y="2644493"/>
+                </a:moveTo>
+                <a:lnTo>
+                  <a:pt x="6189009" y="2646026"/>
+                </a:lnTo>
+                <a:lnTo>
+                  <a:pt x="6203046" y="2644493"/>
+                </a:lnTo>
+                <a:close/>
+                <a:moveTo>
+                  <a:pt x="5819548" y="2644493"/>
+                </a:moveTo>
+                <a:lnTo>
+                  <a:pt x="5833986" y="2646026"/>
+                </a:lnTo>
+                <a:lnTo>
+                  <a:pt x="5848023" y="2644493"/>
+                </a:lnTo>
+                <a:close/>
+                <a:moveTo>
+                  <a:pt x="4714543" y="2644493"/>
+                </a:moveTo>
+                <a:lnTo>
+                  <a:pt x="4758509" y="2647683"/>
+                </a:lnTo>
+                <a:lnTo>
+                  <a:pt x="4792319" y="2644493"/>
+                </a:lnTo>
+                <a:close/>
+                <a:moveTo>
+                  <a:pt x="4040754" y="2644493"/>
+                </a:moveTo>
+                <a:lnTo>
+                  <a:pt x="4052860" y="2646285"/>
+                </a:lnTo>
+                <a:lnTo>
+                  <a:pt x="4072858" y="2644493"/>
+                </a:lnTo>
+                <a:close/>
+                <a:moveTo>
+                  <a:pt x="2564700" y="2644493"/>
+                </a:moveTo>
+                <a:lnTo>
+                  <a:pt x="2576376" y="2646285"/>
+                </a:lnTo>
+                <a:lnTo>
+                  <a:pt x="2595370" y="2644493"/>
+                </a:lnTo>
+                <a:close/>
+                <a:moveTo>
+                  <a:pt x="1685779" y="2644493"/>
+                </a:moveTo>
+                <a:lnTo>
+                  <a:pt x="1697884" y="2646285"/>
+                </a:lnTo>
+                <a:lnTo>
+                  <a:pt x="1709933" y="2644493"/>
+                </a:lnTo>
+                <a:close/>
+                <a:moveTo>
+                  <a:pt x="1224930" y="2644493"/>
+                </a:moveTo>
+                <a:lnTo>
+                  <a:pt x="1268896" y="2647683"/>
+                </a:lnTo>
+                <a:lnTo>
+                  <a:pt x="1302705" y="2644493"/>
+                </a:lnTo>
+                <a:close/>
+                <a:moveTo>
+                  <a:pt x="2932613" y="2244264"/>
+                </a:moveTo>
+                <a:cubicBezTo>
+                  <a:pt x="2933342" y="2247033"/>
+                  <a:pt x="2946822" y="2290460"/>
+                  <a:pt x="2973053" y="2374545"/>
+                </a:cubicBezTo>
+                <a:lnTo>
+                  <a:pt x="2890863" y="2374545"/>
+                </a:lnTo>
+                <a:close/>
+                <a:moveTo>
+                  <a:pt x="1398093" y="2232023"/>
+                </a:moveTo>
+                <a:lnTo>
+                  <a:pt x="1466075" y="2232023"/>
+                </a:lnTo>
+                <a:cubicBezTo>
+                  <a:pt x="1486768" y="2232023"/>
+                  <a:pt x="1502143" y="2235739"/>
+                  <a:pt x="1512198" y="2243172"/>
+                </a:cubicBezTo>
+                <a:cubicBezTo>
+                  <a:pt x="1522253" y="2250604"/>
+                  <a:pt x="1527280" y="2262189"/>
+                  <a:pt x="1527280" y="2277928"/>
+                </a:cubicBezTo>
+                <a:cubicBezTo>
+                  <a:pt x="1527280" y="2295852"/>
+                  <a:pt x="1522326" y="2308858"/>
+                  <a:pt x="1512416" y="2316946"/>
+                </a:cubicBezTo>
+                <a:cubicBezTo>
+                  <a:pt x="1502507" y="2325034"/>
+                  <a:pt x="1486186" y="2329078"/>
+                  <a:pt x="1463452" y="2329078"/>
+                </a:cubicBezTo>
+                <a:cubicBezTo>
+                  <a:pt x="1461120" y="2329078"/>
+                  <a:pt x="1450191" y="2329041"/>
+                  <a:pt x="1430663" y="2328969"/>
+                </a:cubicBezTo>
+                <a:cubicBezTo>
+                  <a:pt x="1411136" y="2328896"/>
+                  <a:pt x="1400279" y="2328859"/>
+                  <a:pt x="1398093" y="2328859"/>
+                </a:cubicBezTo>
+                <a:close/>
+                <a:moveTo>
+                  <a:pt x="6303566" y="2188961"/>
+                </a:moveTo>
+                <a:lnTo>
+                  <a:pt x="6303566" y="2509197"/>
+                </a:lnTo>
+                <a:lnTo>
+                  <a:pt x="6498112" y="2509197"/>
+                </a:lnTo>
+                <a:lnTo>
+                  <a:pt x="6500079" y="2461981"/>
+                </a:lnTo>
+                <a:lnTo>
+                  <a:pt x="6362804" y="2461981"/>
+                </a:lnTo>
+                <a:lnTo>
+                  <a:pt x="6362804" y="2365583"/>
+                </a:lnTo>
+                <a:lnTo>
+                  <a:pt x="6488713" y="2365583"/>
+                </a:lnTo>
+                <a:lnTo>
+                  <a:pt x="6488713" y="2318586"/>
+                </a:lnTo>
+                <a:lnTo>
+                  <a:pt x="6362804" y="2318586"/>
+                </a:lnTo>
+                <a:lnTo>
+                  <a:pt x="6362804" y="2235958"/>
+                </a:lnTo>
+                <a:lnTo>
+                  <a:pt x="6495270" y="2235958"/>
+                </a:lnTo>
+                <a:lnTo>
+                  <a:pt x="6497675" y="2188961"/>
+                </a:lnTo>
+                <a:close/>
+                <a:moveTo>
+                  <a:pt x="5674916" y="2188961"/>
+                </a:moveTo>
+                <a:lnTo>
+                  <a:pt x="5674916" y="2509197"/>
+                </a:lnTo>
+                <a:lnTo>
+                  <a:pt x="5728689" y="2509197"/>
+                </a:lnTo>
+                <a:lnTo>
+                  <a:pt x="5728689" y="2347877"/>
+                </a:lnTo>
+                <a:cubicBezTo>
+                  <a:pt x="5728689" y="2332284"/>
+                  <a:pt x="5728106" y="2305251"/>
+                  <a:pt x="5726941" y="2266779"/>
+                </a:cubicBezTo>
+                <a:lnTo>
+                  <a:pt x="5737433" y="2284048"/>
+                </a:lnTo>
+                <a:lnTo>
+                  <a:pt x="5881922" y="2509197"/>
+                </a:lnTo>
+                <a:lnTo>
+                  <a:pt x="5945751" y="2509197"/>
+                </a:lnTo>
+                <a:lnTo>
+                  <a:pt x="5945751" y="2188961"/>
+                </a:lnTo>
+                <a:lnTo>
+                  <a:pt x="5891758" y="2188961"/>
+                </a:lnTo>
+                <a:lnTo>
+                  <a:pt x="5891758" y="2350937"/>
+                </a:lnTo>
+                <a:cubicBezTo>
+                  <a:pt x="5891758" y="2352831"/>
+                  <a:pt x="5892268" y="2378771"/>
+                  <a:pt x="5893289" y="2428756"/>
+                </a:cubicBezTo>
+                <a:cubicBezTo>
+                  <a:pt x="5891103" y="2425404"/>
+                  <a:pt x="5887350" y="2419757"/>
+                  <a:pt x="5882031" y="2411815"/>
+                </a:cubicBezTo>
+                <a:cubicBezTo>
+                  <a:pt x="5876712" y="2403873"/>
+                  <a:pt x="5872960" y="2398226"/>
+                  <a:pt x="5870774" y="2394874"/>
+                </a:cubicBezTo>
+                <a:cubicBezTo>
+                  <a:pt x="5863196" y="2383216"/>
+                  <a:pt x="5841992" y="2350427"/>
+                  <a:pt x="5807164" y="2296508"/>
+                </a:cubicBezTo>
+                <a:cubicBezTo>
+                  <a:pt x="5772334" y="2242589"/>
+                  <a:pt x="5749237" y="2206740"/>
+                  <a:pt x="5737870" y="2188961"/>
+                </a:cubicBezTo>
+                <a:close/>
+                <a:moveTo>
+                  <a:pt x="5427266" y="2188961"/>
+                </a:moveTo>
+                <a:lnTo>
+                  <a:pt x="5427266" y="2509197"/>
+                </a:lnTo>
+                <a:lnTo>
+                  <a:pt x="5621812" y="2509197"/>
+                </a:lnTo>
+                <a:lnTo>
+                  <a:pt x="5623779" y="2461981"/>
+                </a:lnTo>
+                <a:lnTo>
+                  <a:pt x="5486504" y="2461981"/>
+                </a:lnTo>
+                <a:lnTo>
+                  <a:pt x="5486504" y="2365583"/>
+                </a:lnTo>
+                <a:lnTo>
+                  <a:pt x="5612412" y="2365583"/>
+                </a:lnTo>
+                <a:lnTo>
+                  <a:pt x="5612412" y="2318586"/>
+                </a:lnTo>
+                <a:lnTo>
+                  <a:pt x="5486504" y="2318586"/>
+                </a:lnTo>
+                <a:lnTo>
+                  <a:pt x="5486504" y="2235958"/>
+                </a:lnTo>
+                <a:lnTo>
+                  <a:pt x="5618970" y="2235958"/>
+                </a:lnTo>
+                <a:lnTo>
+                  <a:pt x="5621374" y="2188961"/>
+                </a:lnTo>
+                <a:close/>
+                <a:moveTo>
+                  <a:pt x="4971596" y="2188961"/>
+                </a:moveTo>
+                <a:lnTo>
+                  <a:pt x="4971596" y="2509197"/>
+                </a:lnTo>
+                <a:lnTo>
+                  <a:pt x="5030834" y="2509197"/>
+                </a:lnTo>
+                <a:lnTo>
+                  <a:pt x="5030834" y="2188961"/>
+                </a:lnTo>
+                <a:close/>
+                <a:moveTo>
+                  <a:pt x="4731940" y="2188961"/>
+                </a:moveTo>
+                <a:lnTo>
+                  <a:pt x="4731940" y="2509197"/>
+                </a:lnTo>
+                <a:lnTo>
+                  <a:pt x="4923427" y="2509197"/>
+                </a:lnTo>
+                <a:lnTo>
+                  <a:pt x="4925175" y="2461981"/>
+                </a:lnTo>
+                <a:lnTo>
+                  <a:pt x="4791179" y="2461981"/>
+                </a:lnTo>
+                <a:lnTo>
+                  <a:pt x="4791179" y="2188961"/>
+                </a:lnTo>
+                <a:close/>
+                <a:moveTo>
+                  <a:pt x="4493816" y="2188961"/>
+                </a:moveTo>
+                <a:lnTo>
+                  <a:pt x="4493816" y="2509197"/>
+                </a:lnTo>
+                <a:lnTo>
+                  <a:pt x="4685301" y="2509197"/>
+                </a:lnTo>
+                <a:lnTo>
+                  <a:pt x="4687050" y="2461981"/>
+                </a:lnTo>
+                <a:lnTo>
+                  <a:pt x="4553054" y="2461981"/>
+                </a:lnTo>
+                <a:lnTo>
+                  <a:pt x="4553054" y="2188961"/>
+                </a:lnTo>
+                <a:close/>
+                <a:moveTo>
+                  <a:pt x="4246165" y="2188961"/>
+                </a:moveTo>
+                <a:lnTo>
+                  <a:pt x="4246165" y="2509197"/>
+                </a:lnTo>
+                <a:lnTo>
+                  <a:pt x="4440712" y="2509197"/>
+                </a:lnTo>
+                <a:lnTo>
+                  <a:pt x="4442679" y="2461981"/>
+                </a:lnTo>
+                <a:lnTo>
+                  <a:pt x="4305404" y="2461981"/>
+                </a:lnTo>
+                <a:lnTo>
+                  <a:pt x="4305404" y="2365583"/>
+                </a:lnTo>
+                <a:lnTo>
+                  <a:pt x="4431313" y="2365583"/>
+                </a:lnTo>
+                <a:lnTo>
+                  <a:pt x="4431313" y="2318586"/>
+                </a:lnTo>
+                <a:lnTo>
+                  <a:pt x="4305404" y="2318586"/>
+                </a:lnTo>
+                <a:lnTo>
+                  <a:pt x="4305404" y="2235958"/>
+                </a:lnTo>
+                <a:lnTo>
+                  <a:pt x="4437870" y="2235958"/>
+                </a:lnTo>
+                <a:lnTo>
+                  <a:pt x="4440275" y="2188961"/>
+                </a:lnTo>
+                <a:close/>
+                <a:moveTo>
+                  <a:pt x="3967038" y="2188961"/>
+                </a:moveTo>
+                <a:lnTo>
+                  <a:pt x="3967038" y="2236395"/>
+                </a:lnTo>
+                <a:lnTo>
+                  <a:pt x="4060377" y="2236395"/>
+                </a:lnTo>
+                <a:lnTo>
+                  <a:pt x="4060377" y="2509197"/>
+                </a:lnTo>
+                <a:lnTo>
+                  <a:pt x="4119834" y="2509197"/>
+                </a:lnTo>
+                <a:lnTo>
+                  <a:pt x="4119834" y="2236395"/>
+                </a:lnTo>
+                <a:lnTo>
+                  <a:pt x="4212735" y="2236395"/>
+                </a:lnTo>
+                <a:lnTo>
+                  <a:pt x="4212735" y="2188961"/>
+                </a:lnTo>
+                <a:close/>
+                <a:moveTo>
+                  <a:pt x="3655615" y="2188961"/>
+                </a:moveTo>
+                <a:lnTo>
+                  <a:pt x="3655615" y="2509197"/>
+                </a:lnTo>
+                <a:lnTo>
+                  <a:pt x="3709389" y="2509197"/>
+                </a:lnTo>
+                <a:lnTo>
+                  <a:pt x="3709389" y="2347877"/>
+                </a:lnTo>
+                <a:cubicBezTo>
+                  <a:pt x="3709389" y="2332284"/>
+                  <a:pt x="3708806" y="2305251"/>
+                  <a:pt x="3707640" y="2266779"/>
+                </a:cubicBezTo>
+                <a:lnTo>
+                  <a:pt x="3718133" y="2284048"/>
+                </a:lnTo>
+                <a:lnTo>
+                  <a:pt x="3862621" y="2509197"/>
+                </a:lnTo>
+                <a:lnTo>
+                  <a:pt x="3926450" y="2509197"/>
+                </a:lnTo>
+                <a:lnTo>
+                  <a:pt x="3926450" y="2188961"/>
+                </a:lnTo>
+                <a:lnTo>
+                  <a:pt x="3872458" y="2188961"/>
+                </a:lnTo>
+                <a:lnTo>
+                  <a:pt x="3872458" y="2350937"/>
+                </a:lnTo>
+                <a:cubicBezTo>
+                  <a:pt x="3872458" y="2352831"/>
+                  <a:pt x="3872968" y="2378771"/>
+                  <a:pt x="3873988" y="2428756"/>
+                </a:cubicBezTo>
+                <a:cubicBezTo>
+                  <a:pt x="3871802" y="2425404"/>
+                  <a:pt x="3868050" y="2419757"/>
+                  <a:pt x="3862731" y="2411815"/>
+                </a:cubicBezTo>
+                <a:cubicBezTo>
+                  <a:pt x="3857412" y="2403873"/>
+                  <a:pt x="3853659" y="2398226"/>
+                  <a:pt x="3851473" y="2394874"/>
+                </a:cubicBezTo>
+                <a:cubicBezTo>
+                  <a:pt x="3843896" y="2383216"/>
+                  <a:pt x="3822692" y="2350427"/>
+                  <a:pt x="3787863" y="2296508"/>
+                </a:cubicBezTo>
+                <a:cubicBezTo>
+                  <a:pt x="3753035" y="2242589"/>
+                  <a:pt x="3729937" y="2206740"/>
+                  <a:pt x="3718570" y="2188961"/>
+                </a:cubicBezTo>
+                <a:close/>
+                <a:moveTo>
+                  <a:pt x="3112691" y="2188961"/>
+                </a:moveTo>
+                <a:lnTo>
+                  <a:pt x="3112691" y="2509197"/>
+                </a:lnTo>
+                <a:lnTo>
+                  <a:pt x="3304177" y="2509197"/>
+                </a:lnTo>
+                <a:lnTo>
+                  <a:pt x="3305925" y="2461981"/>
+                </a:lnTo>
+                <a:lnTo>
+                  <a:pt x="3171929" y="2461981"/>
+                </a:lnTo>
+                <a:lnTo>
+                  <a:pt x="3171929" y="2188961"/>
+                </a:lnTo>
+                <a:close/>
+                <a:moveTo>
+                  <a:pt x="2685596" y="2188961"/>
+                </a:moveTo>
+                <a:lnTo>
+                  <a:pt x="2685596" y="2509197"/>
+                </a:lnTo>
+                <a:lnTo>
+                  <a:pt x="2744835" y="2509197"/>
+                </a:lnTo>
+                <a:lnTo>
+                  <a:pt x="2744835" y="2188961"/>
+                </a:lnTo>
+                <a:close/>
+                <a:moveTo>
+                  <a:pt x="2266496" y="2188961"/>
+                </a:moveTo>
+                <a:lnTo>
+                  <a:pt x="2266496" y="2509197"/>
+                </a:lnTo>
+                <a:lnTo>
+                  <a:pt x="2325734" y="2509197"/>
+                </a:lnTo>
+                <a:lnTo>
+                  <a:pt x="2325734" y="2188961"/>
+                </a:lnTo>
+                <a:close/>
+                <a:moveTo>
+                  <a:pt x="2026841" y="2188961"/>
+                </a:moveTo>
+                <a:lnTo>
+                  <a:pt x="2026841" y="2509197"/>
+                </a:lnTo>
+                <a:lnTo>
+                  <a:pt x="2085642" y="2509197"/>
+                </a:lnTo>
+                <a:lnTo>
+                  <a:pt x="2085642" y="2373452"/>
+                </a:lnTo>
+                <a:lnTo>
+                  <a:pt x="2207834" y="2373452"/>
+                </a:lnTo>
+                <a:lnTo>
+                  <a:pt x="2207834" y="2326892"/>
+                </a:lnTo>
+                <a:lnTo>
+                  <a:pt x="2085642" y="2326892"/>
+                </a:lnTo>
+                <a:lnTo>
+                  <a:pt x="2085642" y="2235958"/>
+                </a:lnTo>
+                <a:lnTo>
+                  <a:pt x="2214173" y="2235958"/>
+                </a:lnTo>
+                <a:lnTo>
+                  <a:pt x="2216359" y="2188961"/>
+                </a:lnTo>
+                <a:close/>
+                <a:moveTo>
+                  <a:pt x="1895021" y="2188961"/>
+                </a:moveTo>
+                <a:lnTo>
+                  <a:pt x="1895021" y="2509197"/>
+                </a:lnTo>
+                <a:lnTo>
+                  <a:pt x="1954259" y="2509197"/>
+                </a:lnTo>
+                <a:lnTo>
+                  <a:pt x="1954259" y="2188961"/>
+                </a:lnTo>
+                <a:close/>
+                <a:moveTo>
+                  <a:pt x="1614364" y="2188961"/>
+                </a:moveTo>
+                <a:lnTo>
+                  <a:pt x="1614364" y="2236395"/>
+                </a:lnTo>
+                <a:lnTo>
+                  <a:pt x="1707702" y="2236395"/>
+                </a:lnTo>
+                <a:lnTo>
+                  <a:pt x="1707702" y="2509197"/>
+                </a:lnTo>
+                <a:lnTo>
+                  <a:pt x="1767159" y="2509197"/>
+                </a:lnTo>
+                <a:lnTo>
+                  <a:pt x="1767159" y="2236395"/>
+                </a:lnTo>
+                <a:lnTo>
+                  <a:pt x="1860061" y="2236395"/>
+                </a:lnTo>
+                <a:lnTo>
+                  <a:pt x="1860061" y="2188961"/>
+                </a:lnTo>
+                <a:close/>
+                <a:moveTo>
+                  <a:pt x="2900043" y="2188742"/>
+                </a:moveTo>
+                <a:lnTo>
+                  <a:pt x="2782223" y="2509197"/>
+                </a:lnTo>
+                <a:lnTo>
+                  <a:pt x="2844084" y="2509197"/>
+                </a:lnTo>
+                <a:lnTo>
+                  <a:pt x="2875999" y="2418700"/>
+                </a:lnTo>
+                <a:lnTo>
+                  <a:pt x="2988135" y="2418700"/>
+                </a:lnTo>
+                <a:lnTo>
+                  <a:pt x="3019831" y="2509197"/>
+                </a:lnTo>
+                <a:lnTo>
+                  <a:pt x="3080599" y="2509197"/>
+                </a:lnTo>
+                <a:lnTo>
+                  <a:pt x="2964528" y="2188742"/>
+                </a:lnTo>
+                <a:close/>
+                <a:moveTo>
+                  <a:pt x="1339511" y="2188087"/>
+                </a:moveTo>
+                <a:lnTo>
+                  <a:pt x="1339511" y="2509197"/>
+                </a:lnTo>
+                <a:lnTo>
+                  <a:pt x="1398093" y="2509197"/>
+                </a:lnTo>
+                <a:lnTo>
+                  <a:pt x="1398093" y="2371485"/>
+                </a:lnTo>
+                <a:lnTo>
+                  <a:pt x="1447713" y="2371922"/>
+                </a:lnTo>
+                <a:cubicBezTo>
+                  <a:pt x="1461703" y="2371922"/>
+                  <a:pt x="1469937" y="2371995"/>
+                  <a:pt x="1472414" y="2372140"/>
+                </a:cubicBezTo>
+                <a:cubicBezTo>
+                  <a:pt x="1475766" y="2377678"/>
+                  <a:pt x="1484509" y="2395457"/>
+                  <a:pt x="1498645" y="2425477"/>
+                </a:cubicBezTo>
+                <a:lnTo>
+                  <a:pt x="1536024" y="2509197"/>
+                </a:lnTo>
+                <a:lnTo>
+                  <a:pt x="1600727" y="2509197"/>
+                </a:lnTo>
+                <a:lnTo>
+                  <a:pt x="1553074" y="2410394"/>
+                </a:lnTo>
+                <a:cubicBezTo>
+                  <a:pt x="1541416" y="2386349"/>
+                  <a:pt x="1531652" y="2369882"/>
+                  <a:pt x="1523783" y="2360992"/>
+                </a:cubicBezTo>
+                <a:cubicBezTo>
+                  <a:pt x="1562401" y="2347585"/>
+                  <a:pt x="1581710" y="2319606"/>
+                  <a:pt x="1581710" y="2277053"/>
+                </a:cubicBezTo>
+                <a:cubicBezTo>
+                  <a:pt x="1581710" y="2262626"/>
+                  <a:pt x="1579779" y="2250130"/>
+                  <a:pt x="1575917" y="2239565"/>
+                </a:cubicBezTo>
+                <a:cubicBezTo>
+                  <a:pt x="1572056" y="2229000"/>
+                  <a:pt x="1566809" y="2220438"/>
+                  <a:pt x="1560179" y="2213880"/>
+                </a:cubicBezTo>
+                <a:cubicBezTo>
+                  <a:pt x="1553548" y="2207323"/>
+                  <a:pt x="1544877" y="2202113"/>
+                  <a:pt x="1534166" y="2198251"/>
+                </a:cubicBezTo>
+                <a:cubicBezTo>
+                  <a:pt x="1523455" y="2194389"/>
+                  <a:pt x="1512161" y="2191730"/>
+                  <a:pt x="1500285" y="2190272"/>
+                </a:cubicBezTo>
+                <a:cubicBezTo>
+                  <a:pt x="1488408" y="2188815"/>
+                  <a:pt x="1474381" y="2188087"/>
+                  <a:pt x="1458206" y="2188087"/>
+                </a:cubicBezTo>
+                <a:close/>
+                <a:moveTo>
+                  <a:pt x="6160556" y="2184370"/>
+                </a:moveTo>
+                <a:cubicBezTo>
+                  <a:pt x="6114215" y="2184370"/>
+                  <a:pt x="6076726" y="2199271"/>
+                  <a:pt x="6048091" y="2229072"/>
+                </a:cubicBezTo>
+                <a:cubicBezTo>
+                  <a:pt x="6019455" y="2258874"/>
+                  <a:pt x="6005138" y="2298402"/>
+                  <a:pt x="6005138" y="2347658"/>
+                </a:cubicBezTo>
+                <a:cubicBezTo>
+                  <a:pt x="6005138" y="2399537"/>
+                  <a:pt x="6018836" y="2440195"/>
+                  <a:pt x="6046233" y="2469632"/>
+                </a:cubicBezTo>
+                <a:cubicBezTo>
+                  <a:pt x="6073629" y="2499069"/>
+                  <a:pt x="6110717" y="2513788"/>
+                  <a:pt x="6157496" y="2513788"/>
+                </a:cubicBezTo>
+                <a:cubicBezTo>
+                  <a:pt x="6194364" y="2513788"/>
+                  <a:pt x="6225040" y="2506501"/>
+                  <a:pt x="6249523" y="2491928"/>
+                </a:cubicBezTo>
+                <a:lnTo>
+                  <a:pt x="6241653" y="2445587"/>
+                </a:lnTo>
+                <a:cubicBezTo>
+                  <a:pt x="6215277" y="2458994"/>
+                  <a:pt x="6188681" y="2465697"/>
+                  <a:pt x="6161868" y="2465697"/>
+                </a:cubicBezTo>
+                <a:cubicBezTo>
+                  <a:pt x="6131265" y="2465697"/>
+                  <a:pt x="6107693" y="2455569"/>
+                  <a:pt x="6091153" y="2435313"/>
+                </a:cubicBezTo>
+                <a:cubicBezTo>
+                  <a:pt x="6074613" y="2415057"/>
+                  <a:pt x="6066343" y="2386422"/>
+                  <a:pt x="6066343" y="2349407"/>
+                </a:cubicBezTo>
+                <a:cubicBezTo>
+                  <a:pt x="6066343" y="2313704"/>
+                  <a:pt x="6074904" y="2285250"/>
+                  <a:pt x="6092028" y="2264047"/>
+                </a:cubicBezTo>
+                <a:cubicBezTo>
+                  <a:pt x="6109150" y="2242844"/>
+                  <a:pt x="6132430" y="2232242"/>
+                  <a:pt x="6161868" y="2232242"/>
+                </a:cubicBezTo>
+                <a:cubicBezTo>
+                  <a:pt x="6187078" y="2232242"/>
+                  <a:pt x="6212144" y="2239893"/>
+                  <a:pt x="6237063" y="2255194"/>
+                </a:cubicBezTo>
+                <a:lnTo>
+                  <a:pt x="6255643" y="2210383"/>
+                </a:lnTo>
+                <a:cubicBezTo>
+                  <a:pt x="6229704" y="2193041"/>
+                  <a:pt x="6198008" y="2184370"/>
+                  <a:pt x="6160556" y="2184370"/>
+                </a:cubicBezTo>
+                <a:close/>
+                <a:moveTo>
+                  <a:pt x="5254899" y="2184370"/>
+                </a:moveTo>
+                <a:cubicBezTo>
+                  <a:pt x="5220945" y="2184370"/>
+                  <a:pt x="5191508" y="2191292"/>
+                  <a:pt x="5166588" y="2205137"/>
+                </a:cubicBezTo>
+                <a:cubicBezTo>
+                  <a:pt x="5141669" y="2218981"/>
+                  <a:pt x="5122798" y="2238253"/>
+                  <a:pt x="5109973" y="2262954"/>
+                </a:cubicBezTo>
+                <a:cubicBezTo>
+                  <a:pt x="5097149" y="2287655"/>
+                  <a:pt x="5090737" y="2316254"/>
+                  <a:pt x="5090737" y="2348751"/>
+                </a:cubicBezTo>
+                <a:cubicBezTo>
+                  <a:pt x="5090737" y="2399901"/>
+                  <a:pt x="5104472" y="2440195"/>
+                  <a:pt x="5131942" y="2469632"/>
+                </a:cubicBezTo>
+                <a:cubicBezTo>
+                  <a:pt x="5159412" y="2499069"/>
+                  <a:pt x="5197556" y="2513788"/>
+                  <a:pt x="5246374" y="2513788"/>
+                </a:cubicBezTo>
+                <a:cubicBezTo>
+                  <a:pt x="5267068" y="2513788"/>
+                  <a:pt x="5286267" y="2511820"/>
+                  <a:pt x="5303973" y="2507886"/>
+                </a:cubicBezTo>
+                <a:cubicBezTo>
+                  <a:pt x="5321679" y="2503951"/>
+                  <a:pt x="5340442" y="2497903"/>
+                  <a:pt x="5360260" y="2489743"/>
+                </a:cubicBezTo>
+                <a:lnTo>
+                  <a:pt x="5360260" y="2335198"/>
+                </a:lnTo>
+                <a:lnTo>
+                  <a:pt x="5237849" y="2335198"/>
+                </a:lnTo>
+                <a:lnTo>
+                  <a:pt x="5237412" y="2381758"/>
+                </a:lnTo>
+                <a:lnTo>
+                  <a:pt x="5304520" y="2381758"/>
+                </a:lnTo>
+                <a:lnTo>
+                  <a:pt x="5304520" y="2456079"/>
+                </a:lnTo>
+                <a:cubicBezTo>
+                  <a:pt x="5287907" y="2462491"/>
+                  <a:pt x="5269399" y="2465697"/>
+                  <a:pt x="5248997" y="2465697"/>
+                </a:cubicBezTo>
+                <a:cubicBezTo>
+                  <a:pt x="5217229" y="2465697"/>
+                  <a:pt x="5193111" y="2455278"/>
+                  <a:pt x="5176644" y="2434439"/>
+                </a:cubicBezTo>
+                <a:cubicBezTo>
+                  <a:pt x="5160177" y="2413600"/>
+                  <a:pt x="5151943" y="2385256"/>
+                  <a:pt x="5151943" y="2349407"/>
+                </a:cubicBezTo>
+                <a:cubicBezTo>
+                  <a:pt x="5151943" y="2313266"/>
+                  <a:pt x="5161197" y="2284704"/>
+                  <a:pt x="5179704" y="2263719"/>
+                </a:cubicBezTo>
+                <a:cubicBezTo>
+                  <a:pt x="5198212" y="2242734"/>
+                  <a:pt x="5223641" y="2232242"/>
+                  <a:pt x="5255992" y="2232242"/>
+                </a:cubicBezTo>
+                <a:cubicBezTo>
+                  <a:pt x="5282660" y="2232242"/>
+                  <a:pt x="5309256" y="2239383"/>
+                  <a:pt x="5335778" y="2253664"/>
+                </a:cubicBezTo>
+                <a:lnTo>
+                  <a:pt x="5355014" y="2209508"/>
+                </a:lnTo>
+                <a:cubicBezTo>
+                  <a:pt x="5327180" y="2192750"/>
+                  <a:pt x="5293809" y="2184370"/>
+                  <a:pt x="5254899" y="2184370"/>
+                </a:cubicBezTo>
+                <a:close/>
+                <a:moveTo>
+                  <a:pt x="2541056" y="2184370"/>
+                </a:moveTo>
+                <a:cubicBezTo>
+                  <a:pt x="2494714" y="2184370"/>
+                  <a:pt x="2457226" y="2199271"/>
+                  <a:pt x="2428591" y="2229072"/>
+                </a:cubicBezTo>
+                <a:cubicBezTo>
+                  <a:pt x="2399955" y="2258874"/>
+                  <a:pt x="2385638" y="2298402"/>
+                  <a:pt x="2385638" y="2347658"/>
+                </a:cubicBezTo>
+                <a:cubicBezTo>
+                  <a:pt x="2385638" y="2399537"/>
+                  <a:pt x="2399336" y="2440195"/>
+                  <a:pt x="2426733" y="2469632"/>
+                </a:cubicBezTo>
+                <a:cubicBezTo>
+                  <a:pt x="2454129" y="2499069"/>
+                  <a:pt x="2491217" y="2513788"/>
+                  <a:pt x="2537996" y="2513788"/>
+                </a:cubicBezTo>
+                <a:cubicBezTo>
+                  <a:pt x="2574865" y="2513788"/>
+                  <a:pt x="2605540" y="2506501"/>
+                  <a:pt x="2630023" y="2491928"/>
+                </a:cubicBezTo>
+                <a:lnTo>
+                  <a:pt x="2622153" y="2445587"/>
+                </a:lnTo>
+                <a:cubicBezTo>
+                  <a:pt x="2595776" y="2458994"/>
+                  <a:pt x="2569181" y="2465697"/>
+                  <a:pt x="2542367" y="2465697"/>
+                </a:cubicBezTo>
+                <a:cubicBezTo>
+                  <a:pt x="2511765" y="2465697"/>
+                  <a:pt x="2488193" y="2455569"/>
+                  <a:pt x="2471653" y="2435313"/>
+                </a:cubicBezTo>
+                <a:cubicBezTo>
+                  <a:pt x="2455113" y="2415057"/>
+                  <a:pt x="2446843" y="2386422"/>
+                  <a:pt x="2446843" y="2349407"/>
+                </a:cubicBezTo>
+                <a:cubicBezTo>
+                  <a:pt x="2446843" y="2313704"/>
+                  <a:pt x="2455404" y="2285250"/>
+                  <a:pt x="2472527" y="2264047"/>
+                </a:cubicBezTo>
+                <a:cubicBezTo>
+                  <a:pt x="2489650" y="2242844"/>
+                  <a:pt x="2512930" y="2232242"/>
+                  <a:pt x="2542367" y="2232242"/>
+                </a:cubicBezTo>
+                <a:cubicBezTo>
+                  <a:pt x="2567578" y="2232242"/>
+                  <a:pt x="2592643" y="2239893"/>
+                  <a:pt x="2617563" y="2255194"/>
+                </a:cubicBezTo>
+                <a:lnTo>
+                  <a:pt x="2636143" y="2210383"/>
+                </a:lnTo>
+                <a:cubicBezTo>
+                  <a:pt x="2610203" y="2193041"/>
+                  <a:pt x="2578508" y="2184370"/>
+                  <a:pt x="2541056" y="2184370"/>
+                </a:cubicBezTo>
+                <a:close/>
+                <a:moveTo>
+                  <a:pt x="1122994" y="2176622"/>
+                </a:moveTo>
+                <a:cubicBezTo>
+                  <a:pt x="1123908" y="2180098"/>
+                  <a:pt x="1140830" y="2234612"/>
+                  <a:pt x="1173758" y="2340166"/>
+                </a:cubicBezTo>
+                <a:lnTo>
+                  <a:pt x="1070583" y="2340166"/>
+                </a:lnTo>
+                <a:close/>
+                <a:moveTo>
+                  <a:pt x="6939620" y="2107198"/>
+                </a:moveTo>
+                <a:lnTo>
+                  <a:pt x="6939620" y="2166744"/>
+                </a:lnTo>
+                <a:lnTo>
+                  <a:pt x="7056790" y="2166744"/>
+                </a:lnTo>
+                <a:lnTo>
+                  <a:pt x="7056790" y="2509197"/>
+                </a:lnTo>
+                <a:lnTo>
+                  <a:pt x="7131427" y="2509197"/>
+                </a:lnTo>
+                <a:lnTo>
+                  <a:pt x="7131427" y="2166744"/>
+                </a:lnTo>
+                <a:lnTo>
+                  <a:pt x="7248048" y="2166744"/>
+                </a:lnTo>
+                <a:lnTo>
+                  <a:pt x="7248048" y="2107198"/>
+                </a:lnTo>
+                <a:close/>
+                <a:moveTo>
+                  <a:pt x="6819130" y="2107198"/>
+                </a:moveTo>
+                <a:lnTo>
+                  <a:pt x="6819130" y="2509197"/>
+                </a:lnTo>
+                <a:lnTo>
+                  <a:pt x="6893493" y="2509197"/>
+                </a:lnTo>
+                <a:lnTo>
+                  <a:pt x="6893493" y="2107198"/>
+                </a:lnTo>
+                <a:close/>
+                <a:moveTo>
+                  <a:pt x="3504429" y="2107198"/>
+                </a:moveTo>
+                <a:lnTo>
+                  <a:pt x="3504429" y="2509197"/>
+                </a:lnTo>
+                <a:lnTo>
+                  <a:pt x="3578792" y="2509197"/>
+                </a:lnTo>
+                <a:lnTo>
+                  <a:pt x="3578792" y="2107198"/>
+                </a:lnTo>
+                <a:close/>
+                <a:moveTo>
+                  <a:pt x="1082108" y="2106924"/>
+                </a:moveTo>
+                <a:lnTo>
+                  <a:pt x="934205" y="2509197"/>
+                </a:lnTo>
+                <a:lnTo>
+                  <a:pt x="1011861" y="2509197"/>
+                </a:lnTo>
+                <a:lnTo>
+                  <a:pt x="1051924" y="2395595"/>
+                </a:lnTo>
+                <a:lnTo>
+                  <a:pt x="1192692" y="2395595"/>
+                </a:lnTo>
+                <a:lnTo>
+                  <a:pt x="1232480" y="2509197"/>
+                </a:lnTo>
+                <a:lnTo>
+                  <a:pt x="1308764" y="2509197"/>
+                </a:lnTo>
+                <a:lnTo>
+                  <a:pt x="1163056" y="2106924"/>
+                </a:lnTo>
+                <a:close/>
+                <a:moveTo>
+                  <a:pt x="6701625" y="2100613"/>
+                </a:moveTo>
+                <a:lnTo>
+                  <a:pt x="6530947" y="2561059"/>
+                </a:lnTo>
+                <a:lnTo>
+                  <a:pt x="6589395" y="2561059"/>
+                </a:lnTo>
+                <a:lnTo>
+                  <a:pt x="6761445" y="2100613"/>
+                </a:lnTo>
+                <a:close/>
+                <a:moveTo>
+                  <a:pt x="5670257" y="1512216"/>
+                </a:moveTo>
+                <a:lnTo>
+                  <a:pt x="5670257" y="1632154"/>
+                </a:lnTo>
+                <a:cubicBezTo>
+                  <a:pt x="5657751" y="1655538"/>
+                  <a:pt x="5636942" y="1675434"/>
+                  <a:pt x="5607832" y="1691840"/>
+                </a:cubicBezTo>
+                <a:cubicBezTo>
+                  <a:pt x="5578722" y="1708247"/>
+                  <a:pt x="5544544" y="1716450"/>
+                  <a:pt x="5505299" y="1716450"/>
+                </a:cubicBezTo>
+                <a:cubicBezTo>
+                  <a:pt x="5472523" y="1716450"/>
+                  <a:pt x="5447294" y="1709378"/>
+                  <a:pt x="5429613" y="1695234"/>
+                </a:cubicBezTo>
+                <a:cubicBezTo>
+                  <a:pt x="5411931" y="1681091"/>
+                  <a:pt x="5403090" y="1660818"/>
+                  <a:pt x="5403090" y="1634417"/>
+                </a:cubicBezTo>
+                <a:cubicBezTo>
+                  <a:pt x="5403090" y="1595946"/>
+                  <a:pt x="5419046" y="1568036"/>
+                  <a:pt x="5450960" y="1550687"/>
+                </a:cubicBezTo>
+                <a:cubicBezTo>
+                  <a:pt x="5482873" y="1533337"/>
+                  <a:pt x="5533115" y="1522022"/>
+                  <a:pt x="5601686" y="1516741"/>
+                </a:cubicBezTo>
+                <a:cubicBezTo>
+                  <a:pt x="5603412" y="1516741"/>
+                  <a:pt x="5614947" y="1515988"/>
+                  <a:pt x="5636295" y="1514479"/>
+                </a:cubicBezTo>
+                <a:cubicBezTo>
+                  <a:pt x="5657643" y="1512970"/>
+                  <a:pt x="5668964" y="1512216"/>
+                  <a:pt x="5670257" y="1512216"/>
+                </a:cubicBezTo>
+                <a:close/>
+                <a:moveTo>
+                  <a:pt x="4414199" y="1285917"/>
+                </a:moveTo>
+                <a:cubicBezTo>
+                  <a:pt x="4472419" y="1285917"/>
+                  <a:pt x="4516193" y="1303455"/>
+                  <a:pt x="4545518" y="1338531"/>
+                </a:cubicBezTo>
+                <a:cubicBezTo>
+                  <a:pt x="4574845" y="1373608"/>
+                  <a:pt x="4589507" y="1429428"/>
+                  <a:pt x="4589507" y="1505992"/>
+                </a:cubicBezTo>
+                <a:cubicBezTo>
+                  <a:pt x="4587782" y="1641394"/>
+                  <a:pt x="4529993" y="1709095"/>
+                  <a:pt x="4416139" y="1709095"/>
+                </a:cubicBezTo>
+                <a:cubicBezTo>
+                  <a:pt x="4363956" y="1709095"/>
+                  <a:pt x="4322663" y="1690991"/>
+                  <a:pt x="4292259" y="1654784"/>
+                </a:cubicBezTo>
+                <a:cubicBezTo>
+                  <a:pt x="4261855" y="1618576"/>
+                  <a:pt x="4246653" y="1565961"/>
+                  <a:pt x="4246653" y="1496941"/>
+                </a:cubicBezTo>
+                <a:cubicBezTo>
+                  <a:pt x="4246653" y="1427542"/>
+                  <a:pt x="4261855" y="1375023"/>
+                  <a:pt x="4292259" y="1339380"/>
+                </a:cubicBezTo>
+                <a:cubicBezTo>
+                  <a:pt x="4322663" y="1303738"/>
+                  <a:pt x="4363309" y="1285917"/>
+                  <a:pt x="4414199" y="1285917"/>
+                </a:cubicBezTo>
+                <a:close/>
+                <a:moveTo>
+                  <a:pt x="3632044" y="1284786"/>
+                </a:moveTo>
+                <a:cubicBezTo>
+                  <a:pt x="3690264" y="1284786"/>
+                  <a:pt x="3733822" y="1302889"/>
+                  <a:pt x="3762716" y="1339097"/>
+                </a:cubicBezTo>
+                <a:cubicBezTo>
+                  <a:pt x="3791611" y="1375305"/>
+                  <a:pt x="3806058" y="1427920"/>
+                  <a:pt x="3806058" y="1496941"/>
+                </a:cubicBezTo>
+                <a:cubicBezTo>
+                  <a:pt x="3806058" y="1565208"/>
+                  <a:pt x="3791611" y="1617633"/>
+                  <a:pt x="3762716" y="1654218"/>
+                </a:cubicBezTo>
+                <a:cubicBezTo>
+                  <a:pt x="3733822" y="1690803"/>
+                  <a:pt x="3690695" y="1709095"/>
+                  <a:pt x="3633337" y="1709095"/>
+                </a:cubicBezTo>
+                <a:cubicBezTo>
+                  <a:pt x="3575548" y="1709095"/>
+                  <a:pt x="3531991" y="1690803"/>
+                  <a:pt x="3502664" y="1654218"/>
+                </a:cubicBezTo>
+                <a:cubicBezTo>
+                  <a:pt x="3473338" y="1617633"/>
+                  <a:pt x="3458675" y="1565396"/>
+                  <a:pt x="3458675" y="1497507"/>
+                </a:cubicBezTo>
+                <a:cubicBezTo>
+                  <a:pt x="3458675" y="1428485"/>
+                  <a:pt x="3473231" y="1375776"/>
+                  <a:pt x="3502341" y="1339380"/>
+                </a:cubicBezTo>
+                <a:cubicBezTo>
+                  <a:pt x="3531451" y="1302984"/>
+                  <a:pt x="3574685" y="1284786"/>
+                  <a:pt x="3632044" y="1284786"/>
+                </a:cubicBezTo>
+                <a:close/>
+                <a:moveTo>
+                  <a:pt x="4929287" y="1188043"/>
+                </a:moveTo>
+                <a:lnTo>
+                  <a:pt x="4929287" y="1809798"/>
+                </a:lnTo>
+                <a:lnTo>
+                  <a:pt x="5098775" y="1809798"/>
+                </a:lnTo>
+                <a:lnTo>
+                  <a:pt x="5098775" y="1188043"/>
+                </a:lnTo>
+                <a:close/>
+                <a:moveTo>
+                  <a:pt x="6399164" y="1172768"/>
+                </a:moveTo>
+                <a:cubicBezTo>
+                  <a:pt x="6372857" y="1172768"/>
+                  <a:pt x="6348167" y="1174842"/>
+                  <a:pt x="6325094" y="1178991"/>
+                </a:cubicBezTo>
+                <a:cubicBezTo>
+                  <a:pt x="6302022" y="1183140"/>
+                  <a:pt x="6282615" y="1188231"/>
+                  <a:pt x="6266874" y="1194266"/>
+                </a:cubicBezTo>
+                <a:cubicBezTo>
+                  <a:pt x="6251133" y="1200301"/>
+                  <a:pt x="6236254" y="1207938"/>
+                  <a:pt x="6222238" y="1217178"/>
+                </a:cubicBezTo>
+                <a:cubicBezTo>
+                  <a:pt x="6208223" y="1226419"/>
+                  <a:pt x="6197225" y="1234717"/>
+                  <a:pt x="6189246" y="1242072"/>
+                </a:cubicBezTo>
+                <a:cubicBezTo>
+                  <a:pt x="6181268" y="1249427"/>
+                  <a:pt x="6172966" y="1257818"/>
+                  <a:pt x="6164341" y="1267248"/>
+                </a:cubicBezTo>
+                <a:lnTo>
+                  <a:pt x="6144934" y="1188043"/>
+                </a:lnTo>
+                <a:lnTo>
+                  <a:pt x="6007793" y="1188043"/>
+                </a:lnTo>
+                <a:lnTo>
+                  <a:pt x="6007793" y="1809798"/>
+                </a:lnTo>
+                <a:lnTo>
+                  <a:pt x="6177279" y="1809798"/>
+                </a:lnTo>
+                <a:lnTo>
+                  <a:pt x="6177279" y="1508256"/>
+                </a:lnTo>
+                <a:cubicBezTo>
+                  <a:pt x="6177279" y="1455075"/>
+                  <a:pt x="6182239" y="1409439"/>
+                  <a:pt x="6192158" y="1371345"/>
+                </a:cubicBezTo>
+                <a:cubicBezTo>
+                  <a:pt x="6205527" y="1345698"/>
+                  <a:pt x="6225149" y="1324953"/>
+                  <a:pt x="6251025" y="1309113"/>
+                </a:cubicBezTo>
+                <a:cubicBezTo>
+                  <a:pt x="6276901" y="1293272"/>
+                  <a:pt x="6307736" y="1285351"/>
+                  <a:pt x="6343531" y="1285351"/>
+                </a:cubicBezTo>
+                <a:cubicBezTo>
+                  <a:pt x="6387520" y="1285351"/>
+                  <a:pt x="6417924" y="1298929"/>
+                  <a:pt x="6434744" y="1326085"/>
+                </a:cubicBezTo>
+                <a:cubicBezTo>
+                  <a:pt x="6451563" y="1353241"/>
+                  <a:pt x="6459973" y="1394540"/>
+                  <a:pt x="6459973" y="1449983"/>
+                </a:cubicBezTo>
+                <a:lnTo>
+                  <a:pt x="6459973" y="1809798"/>
+                </a:lnTo>
+                <a:lnTo>
+                  <a:pt x="6629459" y="1809798"/>
+                </a:lnTo>
+                <a:lnTo>
+                  <a:pt x="6629459" y="1446023"/>
+                </a:lnTo>
+                <a:cubicBezTo>
+                  <a:pt x="6633772" y="1413587"/>
+                  <a:pt x="6641965" y="1385865"/>
+                  <a:pt x="6654041" y="1362858"/>
+                </a:cubicBezTo>
+                <a:cubicBezTo>
+                  <a:pt x="6682935" y="1310810"/>
+                  <a:pt x="6730374" y="1284786"/>
+                  <a:pt x="6796357" y="1284786"/>
+                </a:cubicBezTo>
+                <a:cubicBezTo>
+                  <a:pt x="6839484" y="1284786"/>
+                  <a:pt x="6868702" y="1298269"/>
+                  <a:pt x="6884012" y="1325236"/>
+                </a:cubicBezTo>
+                <a:cubicBezTo>
+                  <a:pt x="6899322" y="1352204"/>
+                  <a:pt x="6906976" y="1396049"/>
+                  <a:pt x="6906976" y="1456772"/>
+                </a:cubicBezTo>
+                <a:lnTo>
+                  <a:pt x="6906976" y="1809798"/>
+                </a:lnTo>
+                <a:lnTo>
+                  <a:pt x="7077110" y="1809798"/>
+                </a:lnTo>
+                <a:lnTo>
+                  <a:pt x="7077110" y="1412644"/>
+                </a:lnTo>
+                <a:cubicBezTo>
+                  <a:pt x="7077110" y="1333440"/>
+                  <a:pt x="7058026" y="1273659"/>
+                  <a:pt x="7019860" y="1233303"/>
+                </a:cubicBezTo>
+                <a:cubicBezTo>
+                  <a:pt x="6981693" y="1192946"/>
+                  <a:pt x="6921855" y="1172768"/>
+                  <a:pt x="6840346" y="1172768"/>
+                </a:cubicBezTo>
+                <a:cubicBezTo>
+                  <a:pt x="6790751" y="1172768"/>
+                  <a:pt x="6745684" y="1181442"/>
+                  <a:pt x="6705145" y="1198792"/>
+                </a:cubicBezTo>
+                <a:cubicBezTo>
+                  <a:pt x="6664606" y="1216142"/>
+                  <a:pt x="6631615" y="1240846"/>
+                  <a:pt x="6606171" y="1272905"/>
+                </a:cubicBezTo>
+                <a:cubicBezTo>
+                  <a:pt x="6592370" y="1246126"/>
+                  <a:pt x="6568543" y="1222742"/>
+                  <a:pt x="6534689" y="1202752"/>
+                </a:cubicBezTo>
+                <a:cubicBezTo>
+                  <a:pt x="6500834" y="1182762"/>
+                  <a:pt x="6455660" y="1172768"/>
+                  <a:pt x="6399164" y="1172768"/>
+                </a:cubicBezTo>
+                <a:close/>
+                <a:moveTo>
+                  <a:pt x="5565460" y="1172768"/>
+                </a:moveTo>
+                <a:cubicBezTo>
+                  <a:pt x="5467994" y="1172768"/>
+                  <a:pt x="5377430" y="1188420"/>
+                  <a:pt x="5293764" y="1219725"/>
+                </a:cubicBezTo>
+                <a:cubicBezTo>
+                  <a:pt x="5294195" y="1220479"/>
+                  <a:pt x="5301312" y="1237451"/>
+                  <a:pt x="5315112" y="1270642"/>
+                </a:cubicBezTo>
+                <a:cubicBezTo>
+                  <a:pt x="5328912" y="1303832"/>
+                  <a:pt x="5336028" y="1320993"/>
+                  <a:pt x="5336459" y="1322125"/>
+                </a:cubicBezTo>
+                <a:cubicBezTo>
+                  <a:pt x="5421418" y="1293837"/>
+                  <a:pt x="5492793" y="1279694"/>
+                  <a:pt x="5550582" y="1279694"/>
+                </a:cubicBezTo>
+                <a:cubicBezTo>
+                  <a:pt x="5591120" y="1279694"/>
+                  <a:pt x="5621309" y="1288274"/>
+                  <a:pt x="5641147" y="1305436"/>
+                </a:cubicBezTo>
+                <a:cubicBezTo>
+                  <a:pt x="5660985" y="1322596"/>
+                  <a:pt x="5670904" y="1350035"/>
+                  <a:pt x="5670904" y="1387751"/>
+                </a:cubicBezTo>
+                <a:lnTo>
+                  <a:pt x="5670904" y="1420565"/>
+                </a:lnTo>
+                <a:cubicBezTo>
+                  <a:pt x="5659691" y="1421696"/>
+                  <a:pt x="5644382" y="1423017"/>
+                  <a:pt x="5624974" y="1424525"/>
+                </a:cubicBezTo>
+                <a:cubicBezTo>
+                  <a:pt x="5605568" y="1426034"/>
+                  <a:pt x="5588102" y="1427542"/>
+                  <a:pt x="5572576" y="1429051"/>
+                </a:cubicBezTo>
+                <a:cubicBezTo>
+                  <a:pt x="5557051" y="1430559"/>
+                  <a:pt x="5542604" y="1432068"/>
+                  <a:pt x="5529234" y="1433577"/>
+                </a:cubicBezTo>
+                <a:cubicBezTo>
+                  <a:pt x="5431768" y="1441874"/>
+                  <a:pt x="5358885" y="1461581"/>
+                  <a:pt x="5310584" y="1492697"/>
+                </a:cubicBezTo>
+                <a:cubicBezTo>
+                  <a:pt x="5262282" y="1523813"/>
+                  <a:pt x="5238132" y="1571619"/>
+                  <a:pt x="5238132" y="1636114"/>
+                </a:cubicBezTo>
+                <a:cubicBezTo>
+                  <a:pt x="5238132" y="1696084"/>
+                  <a:pt x="5258508" y="1742003"/>
+                  <a:pt x="5299263" y="1773874"/>
+                </a:cubicBezTo>
+                <a:cubicBezTo>
+                  <a:pt x="5340017" y="1805744"/>
+                  <a:pt x="5393386" y="1821679"/>
+                  <a:pt x="5459369" y="1821679"/>
+                </a:cubicBezTo>
+                <a:cubicBezTo>
+                  <a:pt x="5507671" y="1821679"/>
+                  <a:pt x="5548749" y="1814608"/>
+                  <a:pt x="5582603" y="1800464"/>
+                </a:cubicBezTo>
+                <a:cubicBezTo>
+                  <a:pt x="5616457" y="1786320"/>
+                  <a:pt x="5651066" y="1764161"/>
+                  <a:pt x="5686430" y="1733988"/>
+                </a:cubicBezTo>
+                <a:cubicBezTo>
+                  <a:pt x="5686430" y="1735497"/>
+                  <a:pt x="5690958" y="1748132"/>
+                  <a:pt x="5700014" y="1771893"/>
+                </a:cubicBezTo>
+                <a:cubicBezTo>
+                  <a:pt x="5709071" y="1795655"/>
+                  <a:pt x="5713815" y="1808290"/>
+                  <a:pt x="5714246" y="1809798"/>
+                </a:cubicBezTo>
+                <a:lnTo>
+                  <a:pt x="5839744" y="1809798"/>
+                </a:lnTo>
+                <a:lnTo>
+                  <a:pt x="5839744" y="1404158"/>
+                </a:lnTo>
+                <a:cubicBezTo>
+                  <a:pt x="5839744" y="1322691"/>
+                  <a:pt x="5817965" y="1263759"/>
+                  <a:pt x="5774407" y="1227362"/>
+                </a:cubicBezTo>
+                <a:cubicBezTo>
+                  <a:pt x="5730850" y="1190966"/>
+                  <a:pt x="5661201" y="1172768"/>
+                  <a:pt x="5565460" y="1172768"/>
+                </a:cubicBezTo>
+                <a:close/>
+                <a:moveTo>
+                  <a:pt x="3635924" y="1172768"/>
+                </a:moveTo>
+                <a:cubicBezTo>
+                  <a:pt x="3525953" y="1172768"/>
+                  <a:pt x="3440778" y="1201715"/>
+                  <a:pt x="3380402" y="1259610"/>
+                </a:cubicBezTo>
+                <a:cubicBezTo>
+                  <a:pt x="3320024" y="1317504"/>
+                  <a:pt x="3289836" y="1396615"/>
+                  <a:pt x="3289836" y="1496941"/>
+                </a:cubicBezTo>
+                <a:cubicBezTo>
+                  <a:pt x="3289836" y="1594249"/>
+                  <a:pt x="3320024" y="1672699"/>
+                  <a:pt x="3380402" y="1732291"/>
+                </a:cubicBezTo>
+                <a:cubicBezTo>
+                  <a:pt x="3440778" y="1791883"/>
+                  <a:pt x="3523581" y="1821679"/>
+                  <a:pt x="3628809" y="1821679"/>
+                </a:cubicBezTo>
+                <a:cubicBezTo>
+                  <a:pt x="3738350" y="1821679"/>
+                  <a:pt x="3823524" y="1792355"/>
+                  <a:pt x="3884333" y="1733705"/>
+                </a:cubicBezTo>
+                <a:cubicBezTo>
+                  <a:pt x="3945141" y="1675057"/>
+                  <a:pt x="3975544" y="1596134"/>
+                  <a:pt x="3975544" y="1496941"/>
+                </a:cubicBezTo>
+                <a:cubicBezTo>
+                  <a:pt x="3975544" y="1398878"/>
+                  <a:pt x="3945464" y="1320333"/>
+                  <a:pt x="3885303" y="1261307"/>
+                </a:cubicBezTo>
+                <a:cubicBezTo>
+                  <a:pt x="3825142" y="1202281"/>
+                  <a:pt x="3742015" y="1172768"/>
+                  <a:pt x="3635924" y="1172768"/>
+                </a:cubicBezTo>
+                <a:close/>
+                <a:moveTo>
+                  <a:pt x="2906067" y="1172768"/>
+                </a:moveTo>
+                <a:cubicBezTo>
+                  <a:pt x="2817658" y="1172768"/>
+                  <a:pt x="2737227" y="1204072"/>
+                  <a:pt x="2664775" y="1266682"/>
+                </a:cubicBezTo>
+                <a:lnTo>
+                  <a:pt x="2646015" y="1188043"/>
+                </a:lnTo>
+                <a:lnTo>
+                  <a:pt x="2509521" y="1188043"/>
+                </a:lnTo>
+                <a:lnTo>
+                  <a:pt x="2509521" y="1809798"/>
+                </a:lnTo>
+                <a:lnTo>
+                  <a:pt x="2679007" y="1809798"/>
+                </a:lnTo>
+                <a:lnTo>
+                  <a:pt x="2679007" y="1507124"/>
+                </a:lnTo>
+                <a:cubicBezTo>
+                  <a:pt x="2679007" y="1446023"/>
+                  <a:pt x="2683104" y="1400764"/>
+                  <a:pt x="2691298" y="1371345"/>
+                </a:cubicBezTo>
+                <a:cubicBezTo>
+                  <a:pt x="2705098" y="1346452"/>
+                  <a:pt x="2727201" y="1325802"/>
+                  <a:pt x="2757605" y="1309396"/>
+                </a:cubicBezTo>
+                <a:cubicBezTo>
+                  <a:pt x="2788009" y="1292989"/>
+                  <a:pt x="2821539" y="1284786"/>
+                  <a:pt x="2858197" y="1284786"/>
+                </a:cubicBezTo>
+                <a:cubicBezTo>
+                  <a:pt x="2905205" y="1284786"/>
+                  <a:pt x="2937765" y="1297232"/>
+                  <a:pt x="2955878" y="1322125"/>
+                </a:cubicBezTo>
+                <a:cubicBezTo>
+                  <a:pt x="2973991" y="1347018"/>
+                  <a:pt x="2983263" y="1384546"/>
+                  <a:pt x="2983695" y="1434709"/>
+                </a:cubicBezTo>
+                <a:lnTo>
+                  <a:pt x="2983695" y="1809798"/>
+                </a:lnTo>
+                <a:lnTo>
+                  <a:pt x="3153828" y="1809798"/>
+                </a:lnTo>
+                <a:lnTo>
+                  <a:pt x="3153828" y="1416605"/>
+                </a:lnTo>
+                <a:cubicBezTo>
+                  <a:pt x="3153828" y="1337400"/>
+                  <a:pt x="3133235" y="1276959"/>
+                  <a:pt x="3092049" y="1235283"/>
+                </a:cubicBezTo>
+                <a:cubicBezTo>
+                  <a:pt x="3050864" y="1193606"/>
+                  <a:pt x="2988870" y="1172768"/>
+                  <a:pt x="2906067" y="1172768"/>
+                </a:cubicBezTo>
+                <a:close/>
+                <a:moveTo>
+                  <a:pt x="4929287" y="970796"/>
+                </a:moveTo>
+                <a:lnTo>
+                  <a:pt x="4929287" y="1097523"/>
+                </a:lnTo>
+                <a:lnTo>
+                  <a:pt x="5099421" y="1097523"/>
+                </a:lnTo>
+                <a:lnTo>
+                  <a:pt x="5099421" y="970796"/>
+                </a:lnTo>
+                <a:close/>
+                <a:moveTo>
+                  <a:pt x="4752525" y="949298"/>
+                </a:moveTo>
+                <a:lnTo>
+                  <a:pt x="4583038" y="958915"/>
+                </a:lnTo>
+                <a:lnTo>
+                  <a:pt x="4583038" y="1159756"/>
+                </a:lnTo>
+                <a:cubicBezTo>
+                  <a:pt x="4583038" y="1194077"/>
+                  <a:pt x="4585195" y="1229720"/>
+                  <a:pt x="4589507" y="1266682"/>
+                </a:cubicBezTo>
+                <a:cubicBezTo>
+                  <a:pt x="4547675" y="1204072"/>
+                  <a:pt x="4476301" y="1172768"/>
+                  <a:pt x="4375385" y="1172768"/>
+                </a:cubicBezTo>
+                <a:cubicBezTo>
+                  <a:pt x="4282664" y="1172768"/>
+                  <a:pt x="4209888" y="1202092"/>
+                  <a:pt x="4157058" y="1260741"/>
+                </a:cubicBezTo>
+                <a:cubicBezTo>
+                  <a:pt x="4104228" y="1319390"/>
+                  <a:pt x="4077814" y="1396992"/>
+                  <a:pt x="4077814" y="1493546"/>
+                </a:cubicBezTo>
+                <a:cubicBezTo>
+                  <a:pt x="4077814" y="1593117"/>
+                  <a:pt x="4104336" y="1672699"/>
+                  <a:pt x="4157382" y="1732291"/>
+                </a:cubicBezTo>
+                <a:cubicBezTo>
+                  <a:pt x="4210427" y="1791883"/>
+                  <a:pt x="4283310" y="1821679"/>
+                  <a:pt x="4376032" y="1821679"/>
+                </a:cubicBezTo>
+                <a:cubicBezTo>
+                  <a:pt x="4401907" y="1821679"/>
+                  <a:pt x="4425519" y="1819511"/>
+                  <a:pt x="4446867" y="1815173"/>
+                </a:cubicBezTo>
+                <a:cubicBezTo>
+                  <a:pt x="4468215" y="1810836"/>
+                  <a:pt x="4485896" y="1805744"/>
+                  <a:pt x="4499913" y="1799897"/>
+                </a:cubicBezTo>
+                <a:cubicBezTo>
+                  <a:pt x="4513928" y="1794051"/>
+                  <a:pt x="4526974" y="1786320"/>
+                  <a:pt x="4539049" y="1776703"/>
+                </a:cubicBezTo>
+                <a:cubicBezTo>
+                  <a:pt x="4551125" y="1767085"/>
+                  <a:pt x="4560289" y="1758598"/>
+                  <a:pt x="4566543" y="1751243"/>
+                </a:cubicBezTo>
+                <a:cubicBezTo>
+                  <a:pt x="4572795" y="1743889"/>
+                  <a:pt x="4579588" y="1735120"/>
+                  <a:pt x="4586920" y="1724937"/>
+                </a:cubicBezTo>
+                <a:lnTo>
+                  <a:pt x="4605679" y="1809798"/>
+                </a:lnTo>
+                <a:lnTo>
+                  <a:pt x="4752525" y="1809798"/>
+                </a:lnTo>
+                <a:close/>
+                <a:moveTo>
+                  <a:pt x="1534659" y="480935"/>
+                </a:moveTo>
+                <a:cubicBezTo>
+                  <a:pt x="1089686" y="480935"/>
+                  <a:pt x="728963" y="812340"/>
+                  <a:pt x="728963" y="1221148"/>
+                </a:cubicBezTo>
+                <a:cubicBezTo>
+                  <a:pt x="728963" y="1629957"/>
+                  <a:pt x="1089686" y="1961361"/>
+                  <a:pt x="1534659" y="1961361"/>
+                </a:cubicBezTo>
+                <a:cubicBezTo>
+                  <a:pt x="1562471" y="1961361"/>
+                  <a:pt x="1589952" y="1960066"/>
+                  <a:pt x="1617037" y="1957539"/>
+                </a:cubicBezTo>
+                <a:lnTo>
+                  <a:pt x="1674559" y="1949474"/>
+                </a:lnTo>
+                <a:lnTo>
+                  <a:pt x="1703443" y="1946318"/>
+                </a:lnTo>
+                <a:lnTo>
+                  <a:pt x="1715166" y="1942039"/>
+                </a:lnTo>
+                <a:lnTo>
+                  <a:pt x="1755636" y="1932479"/>
+                </a:lnTo>
+                <a:lnTo>
+                  <a:pt x="1754334" y="1927746"/>
+                </a:lnTo>
+                <a:lnTo>
+                  <a:pt x="1772095" y="1921265"/>
+                </a:lnTo>
+                <a:lnTo>
+                  <a:pt x="1783044" y="1914082"/>
+                </a:lnTo>
+                <a:lnTo>
+                  <a:pt x="1825279" y="1890540"/>
+                </a:lnTo>
+                <a:cubicBezTo>
+                  <a:pt x="1870045" y="1856598"/>
+                  <a:pt x="1898578" y="1805232"/>
+                  <a:pt x="1898578" y="1747744"/>
+                </a:cubicBezTo>
+                <a:cubicBezTo>
+                  <a:pt x="1898578" y="1645541"/>
+                  <a:pt x="1808398" y="1562691"/>
+                  <a:pt x="1697155" y="1562691"/>
+                </a:cubicBezTo>
+                <a:lnTo>
+                  <a:pt x="1681947" y="1564099"/>
+                </a:lnTo>
+                <a:lnTo>
+                  <a:pt x="1678772" y="1565124"/>
+                </a:lnTo>
+                <a:cubicBezTo>
+                  <a:pt x="1666032" y="1568493"/>
+                  <a:pt x="1652418" y="1571394"/>
+                  <a:pt x="1638094" y="1573765"/>
+                </a:cubicBezTo>
+                <a:lnTo>
+                  <a:pt x="1628160" y="1574550"/>
+                </a:lnTo>
+                <a:lnTo>
+                  <a:pt x="1618751" y="1577233"/>
+                </a:lnTo>
+                <a:lnTo>
+                  <a:pt x="1603400" y="1584888"/>
+                </a:lnTo>
+                <a:lnTo>
+                  <a:pt x="1534659" y="1591254"/>
+                </a:lnTo>
+                <a:cubicBezTo>
+                  <a:pt x="1312172" y="1591254"/>
+                  <a:pt x="1131811" y="1425552"/>
+                  <a:pt x="1131811" y="1221148"/>
+                </a:cubicBezTo>
+                <a:cubicBezTo>
+                  <a:pt x="1131811" y="1016744"/>
+                  <a:pt x="1312172" y="851041"/>
+                  <a:pt x="1534659" y="851041"/>
+                </a:cubicBezTo>
+                <a:cubicBezTo>
+                  <a:pt x="1757146" y="851041"/>
+                  <a:pt x="1937507" y="1016744"/>
+                  <a:pt x="1937507" y="1221148"/>
+                </a:cubicBezTo>
+                <a:lnTo>
+                  <a:pt x="1936686" y="1228644"/>
+                </a:lnTo>
+                <a:lnTo>
+                  <a:pt x="1937729" y="1228653"/>
+                </a:lnTo>
+                <a:lnTo>
+                  <a:pt x="1937729" y="1657489"/>
+                </a:lnTo>
+                <a:lnTo>
+                  <a:pt x="1941987" y="1657489"/>
+                </a:lnTo>
+                <a:lnTo>
+                  <a:pt x="1940373" y="1672502"/>
+                </a:lnTo>
+                <a:cubicBezTo>
+                  <a:pt x="1940373" y="1776138"/>
+                  <a:pt x="2029913" y="1860152"/>
+                  <a:pt x="2140364" y="1860152"/>
+                </a:cubicBezTo>
+                <a:cubicBezTo>
+                  <a:pt x="2250816" y="1860152"/>
+                  <a:pt x="2340356" y="1776138"/>
+                  <a:pt x="2340356" y="1672502"/>
+                </a:cubicBezTo>
+                <a:lnTo>
+                  <a:pt x="2338742" y="1657489"/>
+                </a:lnTo>
+                <a:lnTo>
+                  <a:pt x="2340354" y="1657489"/>
+                </a:lnTo>
+                <a:lnTo>
+                  <a:pt x="2340354" y="1221162"/>
+                </a:lnTo>
+                <a:lnTo>
+                  <a:pt x="2340356" y="1221148"/>
+                </a:lnTo>
+                <a:lnTo>
+                  <a:pt x="2340354" y="1221134"/>
+                </a:lnTo>
+                <a:lnTo>
+                  <a:pt x="2340354" y="1180798"/>
+                </a:lnTo>
+                <a:lnTo>
+                  <a:pt x="2338138" y="1180798"/>
+                </a:lnTo>
+                <a:lnTo>
+                  <a:pt x="2336196" y="1145466"/>
+                </a:lnTo>
+                <a:cubicBezTo>
+                  <a:pt x="2294935" y="772208"/>
+                  <a:pt x="1951822" y="480935"/>
+                  <a:pt x="1534659" y="480935"/>
+                </a:cubicBezTo>
+                <a:close/>
+                <a:moveTo>
+                  <a:pt x="1617785" y="0"/>
+                </a:moveTo>
+                <a:lnTo>
+                  <a:pt x="6503111" y="0"/>
+                </a:lnTo>
+                <a:cubicBezTo>
+                  <a:pt x="7396589" y="0"/>
+                  <a:pt x="8120895" y="633447"/>
+                  <a:pt x="8120895" y="1414845"/>
+                </a:cubicBezTo>
+                <a:cubicBezTo>
+                  <a:pt x="8120895" y="2196243"/>
+                  <a:pt x="7396589" y="2829690"/>
+                  <a:pt x="6503111" y="2829690"/>
+                </a:cubicBezTo>
+                <a:lnTo>
+                  <a:pt x="1617785" y="2829690"/>
+                </a:lnTo>
+                <a:cubicBezTo>
+                  <a:pt x="724306" y="2829690"/>
+                  <a:pt x="0" y="2196243"/>
+                  <a:pt x="0" y="1414845"/>
+                </a:cubicBezTo>
+                <a:cubicBezTo>
+                  <a:pt x="0" y="633447"/>
+                  <a:pt x="724306" y="0"/>
+                  <a:pt x="1617785" y="0"/>
+                </a:cubicBezTo>
+                <a:close/>
+              </a:path>
+            </a:pathLst>
+          </a:custGeom>
+          <a:solidFill>
+            <a:schemeClr val="tx1"/>
+          </a:solidFill>
+          <a:ln>
+            <a:noFill/>
+          </a:ln>
+        </p:spPr>
+        <p:style>
+          <a:lnRef idx="2">
+            <a:schemeClr val="accent1">
+              <a:shade val="15000"/>
+            </a:schemeClr>
+          </a:lnRef>
+          <a:fillRef idx="1">
+            <a:schemeClr val="accent1"/>
+          </a:fillRef>
+          <a:effectRef idx="0">
+            <a:schemeClr val="accent1"/>
+          </a:effectRef>
+          <a:fontRef idx="minor">
+            <a:schemeClr val="lt1"/>
+          </a:fontRef>
+        </p:style>
+        <p:txBody>
+          <a:bodyPr wrap="square" rtlCol="0" anchor="ctr">
+            <a:noAutofit/>
+          </a:bodyPr>
+          <a:lstStyle/>
+          <a:p>
+            <a:pPr algn="ctr"/>
+            <a:endParaRPr lang="en-US" sz="1905">
+              <a:solidFill>
+                <a:schemeClr val="tx1"/>
+              </a:solidFill>
+            </a:endParaRPr>
+          </a:p>
+        </p:txBody>
+      </p:sp>
+      <p:sp>
+        <p:nvSpPr>
+          <p:cNvPr id="2" name="TextBox 1">
+            <a:extLst>
+              <a:ext uri="{FF2B5EF4-FFF2-40B4-BE49-F238E27FC236}">
+                <a16:creationId xmlns:a16="http://schemas.microsoft.com/office/drawing/2014/main" id="{D9E6BD13-2FAD-79A3-50B2-3EAAB3702918}"/>
               </a:ext>
             </a:extLst>
           </p:cNvPr>
@@ -5943,7 +9226,7 @@
         </p:nvSpPr>
         <p:spPr>
           <a:xfrm>
-            <a:off x="2724884" y="13142777"/>
+            <a:off x="2724884" y="13002097"/>
             <a:ext cx="3781119" cy="476925"/>
           </a:xfrm>
           <a:prstGeom prst="rect">
@@ -5973,10 +9256,10 @@
       </p:sp>
       <p:sp>
         <p:nvSpPr>
-          <p:cNvPr id="11" name="32-Point Star 20">
+          <p:cNvPr id="7" name="32-Point Star 20">
             <a:extLst>
               <a:ext uri="{FF2B5EF4-FFF2-40B4-BE49-F238E27FC236}">
-                <a16:creationId xmlns:a16="http://schemas.microsoft.com/office/drawing/2014/main" id="{BDD19603-54E0-0893-8BE9-1B6B28BF8E02}"/>
+                <a16:creationId xmlns:a16="http://schemas.microsoft.com/office/drawing/2014/main" id="{87732F66-1CDC-9F00-A71F-2077157AFB0E}"/>
               </a:ext>
             </a:extLst>
           </p:cNvPr>
@@ -5985,7 +9268,7 @@
         </p:nvSpPr>
         <p:spPr>
           <a:xfrm>
-            <a:off x="5880295" y="12035917"/>
+            <a:off x="5584867" y="11895237"/>
             <a:ext cx="3232443" cy="1632356"/>
           </a:xfrm>
           <a:prstGeom prst="star32">
@@ -6053,3289 +9336,6 @@
       </p:sp>
       <p:sp>
         <p:nvSpPr>
-          <p:cNvPr id="12" name="TextBox 11">
-            <a:extLst>
-              <a:ext uri="{FF2B5EF4-FFF2-40B4-BE49-F238E27FC236}">
-                <a16:creationId xmlns:a16="http://schemas.microsoft.com/office/drawing/2014/main" id="{331C6C6C-54EC-A90F-86D1-4A144D85EE01}"/>
-              </a:ext>
-            </a:extLst>
-          </p:cNvPr>
-          <p:cNvSpPr txBox="1"/>
-          <p:nvPr/>
-        </p:nvSpPr>
-        <p:spPr>
-          <a:xfrm>
-            <a:off x="2521873" y="11206135"/>
-            <a:ext cx="4100253" cy="646331"/>
-          </a:xfrm>
-          <a:prstGeom prst="rect">
-            <a:avLst/>
-          </a:prstGeom>
-          <a:noFill/>
-        </p:spPr>
-        <p:txBody>
-          <a:bodyPr wrap="square">
-            <a:spAutoFit/>
-          </a:bodyPr>
-          <a:lstStyle/>
-          <a:p>
-            <a:pPr algn="ctr"/>
-            <a:r>
-              <a:rPr lang="en-US" sz="3600" b="1" cap="small" dirty="0">
-                <a:latin typeface="Oxygen" panose="02000503000000000000" pitchFamily="2" charset="0"/>
-              </a:rPr>
-              <a:t>Own Edtech App</a:t>
-            </a:r>
-          </a:p>
-        </p:txBody>
-      </p:sp>
-      <p:pic>
-        <p:nvPicPr>
-          <p:cNvPr id="15" name="Picture 14">
-            <a:extLst>
-              <a:ext uri="{FF2B5EF4-FFF2-40B4-BE49-F238E27FC236}">
-                <a16:creationId xmlns:a16="http://schemas.microsoft.com/office/drawing/2014/main" id="{06581B7C-327B-58A9-82DB-62A073F9A6F7}"/>
-              </a:ext>
-            </a:extLst>
-          </p:cNvPr>
-          <p:cNvPicPr>
-            <a:picLocks noChangeAspect="1"/>
-          </p:cNvPicPr>
-          <p:nvPr/>
-        </p:nvPicPr>
-        <p:blipFill>
-          <a:blip r:embed="rId2"/>
-          <a:stretch>
-            <a:fillRect/>
-          </a:stretch>
-        </p:blipFill>
-        <p:spPr>
-          <a:xfrm>
-            <a:off x="6489058" y="11206135"/>
-            <a:ext cx="738532" cy="752146"/>
-          </a:xfrm>
-          <a:prstGeom prst="rect">
-            <a:avLst/>
-          </a:prstGeom>
-        </p:spPr>
-      </p:pic>
-      <p:pic>
-        <p:nvPicPr>
-          <p:cNvPr id="16" name="Picture 2" descr="Google, play icon - Free download on Iconfinder">
-            <a:extLst>
-              <a:ext uri="{FF2B5EF4-FFF2-40B4-BE49-F238E27FC236}">
-                <a16:creationId xmlns:a16="http://schemas.microsoft.com/office/drawing/2014/main" id="{92BF1035-6FAB-34CB-F43A-AA3D2F47FBF8}"/>
-              </a:ext>
-            </a:extLst>
-          </p:cNvPr>
-          <p:cNvPicPr>
-            <a:picLocks noChangeAspect="1" noChangeArrowheads="1"/>
-          </p:cNvPicPr>
-          <p:nvPr/>
-        </p:nvPicPr>
-        <p:blipFill>
-          <a:blip r:embed="rId3">
-            <a:extLst>
-              <a:ext uri="{28A0092B-C50C-407E-A947-70E740481C1C}">
-                <a14:useLocalDpi xmlns:a14="http://schemas.microsoft.com/office/drawing/2010/main" val="0"/>
-              </a:ext>
-            </a:extLst>
-          </a:blip>
-          <a:srcRect/>
-          <a:stretch>
-            <a:fillRect/>
-          </a:stretch>
-        </p:blipFill>
-        <p:spPr bwMode="auto">
-          <a:xfrm>
-            <a:off x="1944521" y="11053122"/>
-            <a:ext cx="909396" cy="952356"/>
-          </a:xfrm>
-          <a:prstGeom prst="rect">
-            <a:avLst/>
-          </a:prstGeom>
-          <a:noFill/>
-          <a:extLst>
-            <a:ext uri="{909E8E84-426E-40DD-AFC4-6F175D3DCCD1}">
-              <a14:hiddenFill xmlns:a14="http://schemas.microsoft.com/office/drawing/2010/main">
-                <a:solidFill>
-                  <a:srgbClr val="FFFFFF"/>
-                </a:solidFill>
-              </a14:hiddenFill>
-            </a:ext>
-          </a:extLst>
-        </p:spPr>
-      </p:pic>
-      <p:sp>
-        <p:nvSpPr>
-          <p:cNvPr id="17" name="32-Point Star 20">
-            <a:extLst>
-              <a:ext uri="{FF2B5EF4-FFF2-40B4-BE49-F238E27FC236}">
-                <a16:creationId xmlns:a16="http://schemas.microsoft.com/office/drawing/2014/main" id="{E5E17AA0-5D73-5622-F17B-B2A36489C924}"/>
-              </a:ext>
-            </a:extLst>
-          </p:cNvPr>
-          <p:cNvSpPr/>
-          <p:nvPr/>
-        </p:nvSpPr>
-        <p:spPr>
-          <a:xfrm>
-            <a:off x="41117" y="11987346"/>
-            <a:ext cx="3232443" cy="1632356"/>
-          </a:xfrm>
-          <a:prstGeom prst="star32">
-            <a:avLst/>
-          </a:prstGeom>
-          <a:solidFill>
-            <a:schemeClr val="tx1"/>
-          </a:solidFill>
-          <a:ln w="123825">
-            <a:solidFill>
-              <a:schemeClr val="tx1"/>
-            </a:solidFill>
-          </a:ln>
-        </p:spPr>
-        <p:style>
-          <a:lnRef idx="2">
-            <a:schemeClr val="accent1">
-              <a:shade val="50000"/>
-            </a:schemeClr>
-          </a:lnRef>
-          <a:fillRef idx="1">
-            <a:schemeClr val="accent1"/>
-          </a:fillRef>
-          <a:effectRef idx="0">
-            <a:schemeClr val="accent1"/>
-          </a:effectRef>
-          <a:fontRef idx="minor">
-            <a:schemeClr val="lt1"/>
-          </a:fontRef>
-        </p:style>
-        <p:txBody>
-          <a:bodyPr rtlCol="0" anchor="ctr"/>
-          <a:lstStyle/>
-          <a:p>
-            <a:pPr algn="ctr"/>
-            <a:r>
-              <a:rPr lang="en-US" sz="5400" b="1" cap="small" dirty="0">
-                <a:solidFill>
-                  <a:schemeClr val="bg1"/>
-                </a:solidFill>
-                <a:latin typeface="Oxygen" panose="02000503000000000000" pitchFamily="2" charset="0"/>
-              </a:rPr>
-              <a:t>50%</a:t>
-            </a:r>
-          </a:p>
-          <a:p>
-            <a:pPr algn="ctr"/>
-            <a:r>
-              <a:rPr lang="en-US" sz="2800" b="1" cap="small" dirty="0">
-                <a:solidFill>
-                  <a:schemeClr val="bg1"/>
-                </a:solidFill>
-                <a:latin typeface="Oxygen" panose="02000503000000000000" pitchFamily="2" charset="0"/>
-              </a:rPr>
-              <a:t>Off</a:t>
-            </a:r>
-            <a:endParaRPr lang="en-US" sz="2400" b="1" cap="small" dirty="0">
-              <a:solidFill>
-                <a:schemeClr val="bg1"/>
-              </a:solidFill>
-              <a:latin typeface="Oxygen" panose="02000503000000000000" pitchFamily="2" charset="0"/>
-            </a:endParaRPr>
-          </a:p>
-        </p:txBody>
-      </p:sp>
-    </p:spTree>
-    <p:extLst>
-      <p:ext uri="{BB962C8B-B14F-4D97-AF65-F5344CB8AC3E}">
-        <p14:creationId xmlns:p14="http://schemas.microsoft.com/office/powerpoint/2010/main" val="917876897"/>
-      </p:ext>
-    </p:extLst>
-  </p:cSld>
-  <p:clrMapOvr>
-    <a:masterClrMapping/>
-  </p:clrMapOvr>
-</p:sld>
-</file>
-
-<file path=ppt/slides/slide2.xml><?xml version="1.0" encoding="utf-8"?>
-<p:sld xmlns:a="http://schemas.openxmlformats.org/drawingml/2006/main" xmlns:r="http://schemas.openxmlformats.org/officeDocument/2006/relationships" xmlns:p="http://schemas.openxmlformats.org/presentationml/2006/main">
-  <p:cSld>
-    <p:spTree>
-      <p:nvGrpSpPr>
-        <p:cNvPr id="1" name=""/>
-        <p:cNvGrpSpPr/>
-        <p:nvPr/>
-      </p:nvGrpSpPr>
-      <p:grpSpPr>
-        <a:xfrm>
-          <a:off x="0" y="0"/>
-          <a:ext cx="0" cy="0"/>
-          <a:chOff x="0" y="0"/>
-          <a:chExt cx="0" cy="0"/>
-        </a:xfrm>
-      </p:grpSpPr>
-      <p:sp>
-        <p:nvSpPr>
-          <p:cNvPr id="4" name="TextBox 3">
-            <a:extLst>
-              <a:ext uri="{FF2B5EF4-FFF2-40B4-BE49-F238E27FC236}">
-                <a16:creationId xmlns:a16="http://schemas.microsoft.com/office/drawing/2014/main" id="{5831EE6E-86AF-A85D-14D6-CC8A70DA39A8}"/>
-              </a:ext>
-            </a:extLst>
-          </p:cNvPr>
-          <p:cNvSpPr txBox="1"/>
-          <p:nvPr/>
-        </p:nvSpPr>
-        <p:spPr>
-          <a:xfrm>
-            <a:off x="0" y="5471471"/>
-            <a:ext cx="9144000" cy="3941015"/>
-          </a:xfrm>
-          <a:prstGeom prst="rect">
-            <a:avLst/>
-          </a:prstGeom>
-          <a:noFill/>
-        </p:spPr>
-        <p:txBody>
-          <a:bodyPr wrap="square">
-            <a:spAutoFit/>
-          </a:bodyPr>
-          <a:lstStyle/>
-          <a:p>
-            <a:pPr algn="ctr">
-              <a:lnSpc>
-                <a:spcPct val="150000"/>
-              </a:lnSpc>
-            </a:pPr>
-            <a:r>
-              <a:rPr lang="en-US" sz="4200" b="1" cap="small" dirty="0">
-                <a:latin typeface="Oxygen" panose="02000503000000000000" pitchFamily="2" charset="0"/>
-              </a:rPr>
-              <a:t>ARTIFICIAL INTELLIGENCE, IoT, IT</a:t>
-            </a:r>
-          </a:p>
-          <a:p>
-            <a:pPr algn="ctr">
-              <a:lnSpc>
-                <a:spcPct val="150000"/>
-              </a:lnSpc>
-            </a:pPr>
-            <a:r>
-              <a:rPr lang="en-US" sz="4400" b="1" cap="small" dirty="0">
-                <a:latin typeface="Oxygen" panose="02000503000000000000" pitchFamily="2" charset="0"/>
-              </a:rPr>
-              <a:t>Training &amp; Project </a:t>
-            </a:r>
-            <a:r>
-              <a:rPr lang="en-US" sz="3600" b="1" cap="small" dirty="0">
-                <a:latin typeface="Oxygen" panose="02000503000000000000" pitchFamily="2" charset="0"/>
-              </a:rPr>
-              <a:t>for</a:t>
-            </a:r>
-            <a:r>
-              <a:rPr lang="en-US" sz="4400" b="1" cap="small" dirty="0">
-                <a:latin typeface="Oxygen" panose="02000503000000000000" pitchFamily="2" charset="0"/>
-              </a:rPr>
-              <a:t> Engineers</a:t>
-            </a:r>
-          </a:p>
-          <a:p>
-            <a:pPr algn="ctr">
-              <a:lnSpc>
-                <a:spcPct val="150000"/>
-              </a:lnSpc>
-            </a:pPr>
-            <a:r>
-              <a:rPr lang="en-US" sz="4400" b="1" cap="small" dirty="0">
-                <a:latin typeface="Oxygen" panose="02000503000000000000" pitchFamily="2" charset="0"/>
-              </a:rPr>
-              <a:t>IX – XII All Boards</a:t>
-            </a:r>
-          </a:p>
-          <a:p>
-            <a:pPr algn="ctr">
-              <a:lnSpc>
-                <a:spcPct val="150000"/>
-              </a:lnSpc>
-            </a:pPr>
-            <a:r>
-              <a:rPr lang="en-US" sz="4200" b="1" cap="small" dirty="0">
-                <a:latin typeface="Oxygen" panose="02000503000000000000" pitchFamily="2" charset="0"/>
-              </a:rPr>
-              <a:t>AI/Robotics/Coding: III – VIII Kids</a:t>
-            </a:r>
-            <a:endParaRPr lang="en-US" sz="3800" b="1" cap="small" dirty="0">
-              <a:latin typeface="Oxygen" panose="02000503000000000000" pitchFamily="2" charset="0"/>
-            </a:endParaRPr>
-          </a:p>
-        </p:txBody>
-      </p:sp>
-      <p:sp>
-        <p:nvSpPr>
-          <p:cNvPr id="5" name="Rectangle 4">
-            <a:extLst>
-              <a:ext uri="{FF2B5EF4-FFF2-40B4-BE49-F238E27FC236}">
-                <a16:creationId xmlns:a16="http://schemas.microsoft.com/office/drawing/2014/main" id="{DFAA5ADE-4557-12CF-A057-98467B4E08FE}"/>
-              </a:ext>
-            </a:extLst>
-          </p:cNvPr>
-          <p:cNvSpPr/>
-          <p:nvPr/>
-        </p:nvSpPr>
-        <p:spPr>
-          <a:xfrm>
-            <a:off x="329162" y="5395055"/>
-            <a:ext cx="8516290" cy="4269449"/>
-          </a:xfrm>
-          <a:prstGeom prst="rect">
-            <a:avLst/>
-          </a:prstGeom>
-          <a:noFill/>
-          <a:ln w="57150" cmpd="thickThin">
-            <a:solidFill>
-              <a:schemeClr val="tx1"/>
-            </a:solidFill>
-          </a:ln>
-        </p:spPr>
-        <p:style>
-          <a:lnRef idx="2">
-            <a:schemeClr val="accent1">
-              <a:shade val="15000"/>
-            </a:schemeClr>
-          </a:lnRef>
-          <a:fillRef idx="1">
-            <a:schemeClr val="accent1"/>
-          </a:fillRef>
-          <a:effectRef idx="0">
-            <a:schemeClr val="accent1"/>
-          </a:effectRef>
-          <a:fontRef idx="minor">
-            <a:schemeClr val="lt1"/>
-          </a:fontRef>
-        </p:style>
-        <p:txBody>
-          <a:bodyPr rtlCol="0" anchor="ctr"/>
-          <a:lstStyle/>
-          <a:p>
-            <a:pPr algn="ctr"/>
-            <a:endParaRPr lang="en-US" sz="1714">
-              <a:ln>
-                <a:solidFill>
-                  <a:srgbClr val="800000"/>
-                </a:solidFill>
-              </a:ln>
-              <a:solidFill>
-                <a:schemeClr val="tx1"/>
-              </a:solidFill>
-            </a:endParaRPr>
-          </a:p>
-        </p:txBody>
-      </p:sp>
-      <p:sp>
-        <p:nvSpPr>
-          <p:cNvPr id="3" name="Freeform: Shape 2">
-            <a:extLst>
-              <a:ext uri="{FF2B5EF4-FFF2-40B4-BE49-F238E27FC236}">
-                <a16:creationId xmlns:a16="http://schemas.microsoft.com/office/drawing/2014/main" id="{39672D24-39BC-837D-A5AB-B038FE04F76B}"/>
-              </a:ext>
-            </a:extLst>
-          </p:cNvPr>
-          <p:cNvSpPr/>
-          <p:nvPr/>
-        </p:nvSpPr>
-        <p:spPr>
-          <a:xfrm>
-            <a:off x="2052440" y="4224916"/>
-            <a:ext cx="693559" cy="647243"/>
-          </a:xfrm>
-          <a:custGeom>
-            <a:avLst/>
-            <a:gdLst>
-              <a:gd name="connsiteX0" fmla="*/ 1300320 w 2077746"/>
-              <a:gd name="connsiteY0" fmla="*/ 882924 h 1938992"/>
-              <a:gd name="connsiteX1" fmla="*/ 1220451 w 2077746"/>
-              <a:gd name="connsiteY1" fmla="*/ 886223 h 1938992"/>
-              <a:gd name="connsiteX2" fmla="*/ 1228188 w 2077746"/>
-              <a:gd name="connsiteY2" fmla="*/ 1012536 h 1938992"/>
-              <a:gd name="connsiteX3" fmla="*/ 1367734 w 2077746"/>
-              <a:gd name="connsiteY3" fmla="*/ 1080905 h 1938992"/>
-              <a:gd name="connsiteX4" fmla="*/ 1343597 w 2077746"/>
-              <a:gd name="connsiteY4" fmla="*/ 1224539 h 1938992"/>
-              <a:gd name="connsiteX5" fmla="*/ 1450014 w 2077746"/>
-              <a:gd name="connsiteY5" fmla="*/ 1289678 h 1938992"/>
-              <a:gd name="connsiteX6" fmla="*/ 1475929 w 2077746"/>
-              <a:gd name="connsiteY6" fmla="*/ 1015852 h 1938992"/>
-              <a:gd name="connsiteX7" fmla="*/ 1300320 w 2077746"/>
-              <a:gd name="connsiteY7" fmla="*/ 882924 h 1938992"/>
-              <a:gd name="connsiteX8" fmla="*/ 1273151 w 2077746"/>
-              <a:gd name="connsiteY8" fmla="*/ 677060 h 1938992"/>
-              <a:gd name="connsiteX9" fmla="*/ 1209539 w 2077746"/>
-              <a:gd name="connsiteY9" fmla="*/ 679401 h 1938992"/>
-              <a:gd name="connsiteX10" fmla="*/ 1208523 w 2077746"/>
-              <a:gd name="connsiteY10" fmla="*/ 799946 h 1938992"/>
-              <a:gd name="connsiteX11" fmla="*/ 1513161 w 2077746"/>
-              <a:gd name="connsiteY11" fmla="*/ 972362 h 1938992"/>
-              <a:gd name="connsiteX12" fmla="*/ 1502994 w 2077746"/>
-              <a:gd name="connsiteY12" fmla="*/ 1299811 h 1938992"/>
-              <a:gd name="connsiteX13" fmla="*/ 1613431 w 2077746"/>
-              <a:gd name="connsiteY13" fmla="*/ 1345932 h 1938992"/>
-              <a:gd name="connsiteX14" fmla="*/ 1613958 w 2077746"/>
-              <a:gd name="connsiteY14" fmla="*/ 905834 h 1938992"/>
-              <a:gd name="connsiteX15" fmla="*/ 1273151 w 2077746"/>
-              <a:gd name="connsiteY15" fmla="*/ 677060 h 1938992"/>
-              <a:gd name="connsiteX16" fmla="*/ 612597 w 2077746"/>
-              <a:gd name="connsiteY16" fmla="*/ 475934 h 1938992"/>
-              <a:gd name="connsiteX17" fmla="*/ 560599 w 2077746"/>
-              <a:gd name="connsiteY17" fmla="*/ 1336620 h 1938992"/>
-              <a:gd name="connsiteX18" fmla="*/ 1405917 w 2077746"/>
-              <a:gd name="connsiteY18" fmla="*/ 1506679 h 1938992"/>
-              <a:gd name="connsiteX19" fmla="*/ 1357778 w 2077746"/>
-              <a:gd name="connsiteY19" fmla="*/ 1444134 h 1938992"/>
-              <a:gd name="connsiteX20" fmla="*/ 1360534 w 2077746"/>
-              <a:gd name="connsiteY20" fmla="*/ 1442410 h 1938992"/>
-              <a:gd name="connsiteX21" fmla="*/ 1213967 w 2077746"/>
-              <a:gd name="connsiteY21" fmla="*/ 1251979 h 1938992"/>
-              <a:gd name="connsiteX22" fmla="*/ 802573 w 2077746"/>
-              <a:gd name="connsiteY22" fmla="*/ 1181586 h 1938992"/>
-              <a:gd name="connsiteX23" fmla="*/ 839838 w 2077746"/>
-              <a:gd name="connsiteY23" fmla="*/ 765880 h 1938992"/>
-              <a:gd name="connsiteX24" fmla="*/ 693270 w 2077746"/>
-              <a:gd name="connsiteY24" fmla="*/ 575447 h 1938992"/>
-              <a:gd name="connsiteX25" fmla="*/ 690898 w 2077746"/>
-              <a:gd name="connsiteY25" fmla="*/ 577670 h 1938992"/>
-              <a:gd name="connsiteX26" fmla="*/ 1221976 w 2077746"/>
-              <a:gd name="connsiteY26" fmla="*/ 464182 h 1938992"/>
-              <a:gd name="connsiteX27" fmla="*/ 1216368 w 2077746"/>
-              <a:gd name="connsiteY27" fmla="*/ 587261 h 1938992"/>
-              <a:gd name="connsiteX28" fmla="*/ 1690794 w 2077746"/>
-              <a:gd name="connsiteY28" fmla="*/ 882403 h 1938992"/>
-              <a:gd name="connsiteX29" fmla="*/ 1668591 w 2077746"/>
-              <a:gd name="connsiteY29" fmla="*/ 1405644 h 1938992"/>
-              <a:gd name="connsiteX30" fmla="*/ 1780575 w 2077746"/>
-              <a:gd name="connsiteY30" fmla="*/ 1455270 h 1938992"/>
-              <a:gd name="connsiteX31" fmla="*/ 1795860 w 2077746"/>
-              <a:gd name="connsiteY31" fmla="*/ 817398 h 1938992"/>
-              <a:gd name="connsiteX32" fmla="*/ 1221976 w 2077746"/>
-              <a:gd name="connsiteY32" fmla="*/ 464182 h 1938992"/>
-              <a:gd name="connsiteX33" fmla="*/ 1038873 w 2077746"/>
-              <a:gd name="connsiteY33" fmla="*/ 0 h 1938992"/>
-              <a:gd name="connsiteX34" fmla="*/ 2077746 w 2077746"/>
-              <a:gd name="connsiteY34" fmla="*/ 969496 h 1938992"/>
-              <a:gd name="connsiteX35" fmla="*/ 1038873 w 2077746"/>
-              <a:gd name="connsiteY35" fmla="*/ 1938992 h 1938992"/>
-              <a:gd name="connsiteX36" fmla="*/ 0 w 2077746"/>
-              <a:gd name="connsiteY36" fmla="*/ 969496 h 1938992"/>
-              <a:gd name="connsiteX37" fmla="*/ 1038873 w 2077746"/>
-              <a:gd name="connsiteY37" fmla="*/ 0 h 1938992"/>
-            </a:gdLst>
-            <a:ahLst/>
-            <a:cxnLst>
-              <a:cxn ang="0">
-                <a:pos x="connsiteX0" y="connsiteY0"/>
-              </a:cxn>
-              <a:cxn ang="0">
-                <a:pos x="connsiteX1" y="connsiteY1"/>
-              </a:cxn>
-              <a:cxn ang="0">
-                <a:pos x="connsiteX2" y="connsiteY2"/>
-              </a:cxn>
-              <a:cxn ang="0">
-                <a:pos x="connsiteX3" y="connsiteY3"/>
-              </a:cxn>
-              <a:cxn ang="0">
-                <a:pos x="connsiteX4" y="connsiteY4"/>
-              </a:cxn>
-              <a:cxn ang="0">
-                <a:pos x="connsiteX5" y="connsiteY5"/>
-              </a:cxn>
-              <a:cxn ang="0">
-                <a:pos x="connsiteX6" y="connsiteY6"/>
-              </a:cxn>
-              <a:cxn ang="0">
-                <a:pos x="connsiteX7" y="connsiteY7"/>
-              </a:cxn>
-              <a:cxn ang="0">
-                <a:pos x="connsiteX8" y="connsiteY8"/>
-              </a:cxn>
-              <a:cxn ang="0">
-                <a:pos x="connsiteX9" y="connsiteY9"/>
-              </a:cxn>
-              <a:cxn ang="0">
-                <a:pos x="connsiteX10" y="connsiteY10"/>
-              </a:cxn>
-              <a:cxn ang="0">
-                <a:pos x="connsiteX11" y="connsiteY11"/>
-              </a:cxn>
-              <a:cxn ang="0">
-                <a:pos x="connsiteX12" y="connsiteY12"/>
-              </a:cxn>
-              <a:cxn ang="0">
-                <a:pos x="connsiteX13" y="connsiteY13"/>
-              </a:cxn>
-              <a:cxn ang="0">
-                <a:pos x="connsiteX14" y="connsiteY14"/>
-              </a:cxn>
-              <a:cxn ang="0">
-                <a:pos x="connsiteX15" y="connsiteY15"/>
-              </a:cxn>
-              <a:cxn ang="0">
-                <a:pos x="connsiteX16" y="connsiteY16"/>
-              </a:cxn>
-              <a:cxn ang="0">
-                <a:pos x="connsiteX17" y="connsiteY17"/>
-              </a:cxn>
-              <a:cxn ang="0">
-                <a:pos x="connsiteX18" y="connsiteY18"/>
-              </a:cxn>
-              <a:cxn ang="0">
-                <a:pos x="connsiteX19" y="connsiteY19"/>
-              </a:cxn>
-              <a:cxn ang="0">
-                <a:pos x="connsiteX20" y="connsiteY20"/>
-              </a:cxn>
-              <a:cxn ang="0">
-                <a:pos x="connsiteX21" y="connsiteY21"/>
-              </a:cxn>
-              <a:cxn ang="0">
-                <a:pos x="connsiteX22" y="connsiteY22"/>
-              </a:cxn>
-              <a:cxn ang="0">
-                <a:pos x="connsiteX23" y="connsiteY23"/>
-              </a:cxn>
-              <a:cxn ang="0">
-                <a:pos x="connsiteX24" y="connsiteY24"/>
-              </a:cxn>
-              <a:cxn ang="0">
-                <a:pos x="connsiteX25" y="connsiteY25"/>
-              </a:cxn>
-              <a:cxn ang="0">
-                <a:pos x="connsiteX26" y="connsiteY26"/>
-              </a:cxn>
-              <a:cxn ang="0">
-                <a:pos x="connsiteX27" y="connsiteY27"/>
-              </a:cxn>
-              <a:cxn ang="0">
-                <a:pos x="connsiteX28" y="connsiteY28"/>
-              </a:cxn>
-              <a:cxn ang="0">
-                <a:pos x="connsiteX29" y="connsiteY29"/>
-              </a:cxn>
-              <a:cxn ang="0">
-                <a:pos x="connsiteX30" y="connsiteY30"/>
-              </a:cxn>
-              <a:cxn ang="0">
-                <a:pos x="connsiteX31" y="connsiteY31"/>
-              </a:cxn>
-              <a:cxn ang="0">
-                <a:pos x="connsiteX32" y="connsiteY32"/>
-              </a:cxn>
-              <a:cxn ang="0">
-                <a:pos x="connsiteX33" y="connsiteY33"/>
-              </a:cxn>
-              <a:cxn ang="0">
-                <a:pos x="connsiteX34" y="connsiteY34"/>
-              </a:cxn>
-              <a:cxn ang="0">
-                <a:pos x="connsiteX35" y="connsiteY35"/>
-              </a:cxn>
-              <a:cxn ang="0">
-                <a:pos x="connsiteX36" y="connsiteY36"/>
-              </a:cxn>
-              <a:cxn ang="0">
-                <a:pos x="connsiteX37" y="connsiteY37"/>
-              </a:cxn>
-            </a:cxnLst>
-            <a:rect l="l" t="t" r="r" b="b"/>
-            <a:pathLst>
-              <a:path w="2077746" h="1938992">
-                <a:moveTo>
-                  <a:pt x="1300320" y="882924"/>
-                </a:moveTo>
-                <a:cubicBezTo>
-                  <a:pt x="1274681" y="879653"/>
-                  <a:pt x="1247794" y="880619"/>
-                  <a:pt x="1220451" y="886223"/>
-                </a:cubicBezTo>
-                <a:lnTo>
-                  <a:pt x="1228188" y="1012536"/>
-                </a:lnTo>
-                <a:cubicBezTo>
-                  <a:pt x="1291465" y="991005"/>
-                  <a:pt x="1349282" y="1019331"/>
-                  <a:pt x="1367734" y="1080905"/>
-                </a:cubicBezTo>
-                <a:cubicBezTo>
-                  <a:pt x="1380851" y="1124678"/>
-                  <a:pt x="1371817" y="1178435"/>
-                  <a:pt x="1343597" y="1224539"/>
-                </a:cubicBezTo>
-                <a:lnTo>
-                  <a:pt x="1450014" y="1289678"/>
-                </a:lnTo>
-                <a:cubicBezTo>
-                  <a:pt x="1502823" y="1203404"/>
-                  <a:pt x="1512657" y="1099495"/>
-                  <a:pt x="1475929" y="1015852"/>
-                </a:cubicBezTo>
-                <a:cubicBezTo>
-                  <a:pt x="1442915" y="940668"/>
-                  <a:pt x="1377236" y="892735"/>
-                  <a:pt x="1300320" y="882924"/>
-                </a:cubicBezTo>
-                <a:close/>
-                <a:moveTo>
-                  <a:pt x="1273151" y="677060"/>
-                </a:moveTo>
-                <a:cubicBezTo>
-                  <a:pt x="1252274" y="676216"/>
-                  <a:pt x="1231027" y="676972"/>
-                  <a:pt x="1209539" y="679401"/>
-                </a:cubicBezTo>
-                <a:lnTo>
-                  <a:pt x="1208523" y="799946"/>
-                </a:lnTo>
-                <a:cubicBezTo>
-                  <a:pt x="1340705" y="778982"/>
-                  <a:pt x="1459901" y="846443"/>
-                  <a:pt x="1513161" y="972362"/>
-                </a:cubicBezTo>
-                <a:cubicBezTo>
-                  <a:pt x="1554464" y="1070009"/>
-                  <a:pt x="1550720" y="1190567"/>
-                  <a:pt x="1502994" y="1299811"/>
-                </a:cubicBezTo>
-                <a:lnTo>
-                  <a:pt x="1613431" y="1345932"/>
-                </a:lnTo>
-                <a:cubicBezTo>
-                  <a:pt x="1676745" y="1199598"/>
-                  <a:pt x="1676941" y="1036816"/>
-                  <a:pt x="1613958" y="905834"/>
-                </a:cubicBezTo>
-                <a:cubicBezTo>
-                  <a:pt x="1547356" y="767323"/>
-                  <a:pt x="1419293" y="682969"/>
-                  <a:pt x="1273151" y="677060"/>
-                </a:cubicBezTo>
-                <a:close/>
-                <a:moveTo>
-                  <a:pt x="612597" y="475934"/>
-                </a:moveTo>
-                <a:cubicBezTo>
-                  <a:pt x="364810" y="666646"/>
-                  <a:pt x="341530" y="1051988"/>
-                  <a:pt x="560599" y="1336620"/>
-                </a:cubicBezTo>
-                <a:cubicBezTo>
-                  <a:pt x="779668" y="1621252"/>
-                  <a:pt x="1158131" y="1697390"/>
-                  <a:pt x="1405917" y="1506679"/>
-                </a:cubicBezTo>
-                <a:lnTo>
-                  <a:pt x="1357778" y="1444134"/>
-                </a:lnTo>
-                <a:lnTo>
-                  <a:pt x="1360534" y="1442410"/>
-                </a:lnTo>
-                <a:lnTo>
-                  <a:pt x="1213967" y="1251979"/>
-                </a:lnTo>
-                <a:cubicBezTo>
-                  <a:pt x="1090073" y="1347334"/>
-                  <a:pt x="905886" y="1315818"/>
-                  <a:pt x="802573" y="1181586"/>
-                </a:cubicBezTo>
-                <a:cubicBezTo>
-                  <a:pt x="699260" y="1047353"/>
-                  <a:pt x="715944" y="861236"/>
-                  <a:pt x="839838" y="765880"/>
-                </a:cubicBezTo>
-                <a:lnTo>
-                  <a:pt x="693270" y="575447"/>
-                </a:lnTo>
-                <a:lnTo>
-                  <a:pt x="690898" y="577670"/>
-                </a:lnTo>
-                <a:close/>
-                <a:moveTo>
-                  <a:pt x="1221976" y="464182"/>
-                </a:moveTo>
-                <a:lnTo>
-                  <a:pt x="1216368" y="587261"/>
-                </a:lnTo>
-                <a:cubicBezTo>
-                  <a:pt x="1425149" y="567237"/>
-                  <a:pt x="1609470" y="681905"/>
-                  <a:pt x="1690794" y="882403"/>
-                </a:cubicBezTo>
-                <a:cubicBezTo>
-                  <a:pt x="1755005" y="1040709"/>
-                  <a:pt x="1746840" y="1233122"/>
-                  <a:pt x="1668591" y="1405644"/>
-                </a:cubicBezTo>
-                <a:lnTo>
-                  <a:pt x="1780575" y="1455270"/>
-                </a:lnTo>
-                <a:cubicBezTo>
-                  <a:pt x="1875400" y="1245470"/>
-                  <a:pt x="1881039" y="1010180"/>
-                  <a:pt x="1795860" y="817398"/>
-                </a:cubicBezTo>
-                <a:cubicBezTo>
-                  <a:pt x="1692426" y="583300"/>
-                  <a:pt x="1471061" y="447053"/>
-                  <a:pt x="1221976" y="464182"/>
-                </a:cubicBezTo>
-                <a:close/>
-                <a:moveTo>
-                  <a:pt x="1038873" y="0"/>
-                </a:moveTo>
-                <a:cubicBezTo>
-                  <a:pt x="1612627" y="0"/>
-                  <a:pt x="2077746" y="434058"/>
-                  <a:pt x="2077746" y="969496"/>
-                </a:cubicBezTo>
-                <a:cubicBezTo>
-                  <a:pt x="2077746" y="1504934"/>
-                  <a:pt x="1612627" y="1938992"/>
-                  <a:pt x="1038873" y="1938992"/>
-                </a:cubicBezTo>
-                <a:cubicBezTo>
-                  <a:pt x="465119" y="1938992"/>
-                  <a:pt x="0" y="1504934"/>
-                  <a:pt x="0" y="969496"/>
-                </a:cubicBezTo>
-                <a:cubicBezTo>
-                  <a:pt x="0" y="434058"/>
-                  <a:pt x="465119" y="0"/>
-                  <a:pt x="1038873" y="0"/>
-                </a:cubicBezTo>
-                <a:close/>
-              </a:path>
-            </a:pathLst>
-          </a:custGeom>
-          <a:solidFill>
-            <a:schemeClr val="tx1"/>
-          </a:solidFill>
-          <a:ln>
-            <a:noFill/>
-          </a:ln>
-        </p:spPr>
-        <p:style>
-          <a:lnRef idx="2">
-            <a:schemeClr val="accent1">
-              <a:shade val="15000"/>
-            </a:schemeClr>
-          </a:lnRef>
-          <a:fillRef idx="1">
-            <a:schemeClr val="accent1"/>
-          </a:fillRef>
-          <a:effectRef idx="0">
-            <a:schemeClr val="accent1"/>
-          </a:effectRef>
-          <a:fontRef idx="minor">
-            <a:schemeClr val="lt1"/>
-          </a:fontRef>
-        </p:style>
-        <p:txBody>
-          <a:bodyPr wrap="square" rtlCol="0" anchor="ctr">
-            <a:noAutofit/>
-          </a:bodyPr>
-          <a:lstStyle/>
-          <a:p>
-            <a:pPr algn="ctr"/>
-            <a:endParaRPr lang="en-US" sz="1714">
-              <a:solidFill>
-                <a:schemeClr val="tx1"/>
-              </a:solidFill>
-            </a:endParaRPr>
-          </a:p>
-        </p:txBody>
-      </p:sp>
-      <p:sp>
-        <p:nvSpPr>
-          <p:cNvPr id="6" name="TextBox 5">
-            <a:extLst>
-              <a:ext uri="{FF2B5EF4-FFF2-40B4-BE49-F238E27FC236}">
-                <a16:creationId xmlns:a16="http://schemas.microsoft.com/office/drawing/2014/main" id="{ABF84F31-585A-7288-07ED-D2F7C06E7336}"/>
-              </a:ext>
-            </a:extLst>
-          </p:cNvPr>
-          <p:cNvSpPr txBox="1"/>
-          <p:nvPr/>
-        </p:nvSpPr>
-        <p:spPr>
-          <a:xfrm>
-            <a:off x="5719" y="3034073"/>
-            <a:ext cx="9144001" cy="1886157"/>
-          </a:xfrm>
-          <a:prstGeom prst="rect">
-            <a:avLst/>
-          </a:prstGeom>
-          <a:noFill/>
-        </p:spPr>
-        <p:txBody>
-          <a:bodyPr wrap="square" rtlCol="0">
-            <a:spAutoFit/>
-          </a:bodyPr>
-          <a:lstStyle>
-            <a:defPPr>
-              <a:defRPr lang="en-US"/>
-            </a:defPPr>
-            <a:lvl1pPr>
-              <a:defRPr sz="2800" b="1" cap="small">
-                <a:solidFill>
-                  <a:srgbClr val="880015"/>
-                </a:solidFill>
-                <a:latin typeface="Oxygen" panose="02000503000000000000" pitchFamily="2" charset="0"/>
-              </a:defRPr>
-            </a:lvl1pPr>
-          </a:lstStyle>
-          <a:p>
-            <a:pPr algn="ctr"/>
-            <a:r>
-              <a:rPr lang="en-US" sz="2400" dirty="0">
-                <a:solidFill>
-                  <a:schemeClr val="tx1"/>
-                </a:solidFill>
-              </a:rPr>
-              <a:t>N-1/25</a:t>
-            </a:r>
-            <a:r>
-              <a:rPr lang="en-US" sz="2667" dirty="0">
-                <a:solidFill>
-                  <a:schemeClr val="tx1"/>
-                </a:solidFill>
-              </a:rPr>
-              <a:t> </a:t>
-            </a:r>
-            <a:r>
-              <a:rPr lang="en-US" sz="4400" dirty="0">
-                <a:solidFill>
-                  <a:schemeClr val="tx1"/>
-                </a:solidFill>
-              </a:rPr>
-              <a:t>Patuli</a:t>
-            </a:r>
-            <a:r>
-              <a:rPr lang="en-US" sz="2400" dirty="0">
-                <a:solidFill>
-                  <a:schemeClr val="tx1"/>
-                </a:solidFill>
-              </a:rPr>
-              <a:t>, Kol 94</a:t>
-            </a:r>
-          </a:p>
-          <a:p>
-            <a:pPr algn="ctr"/>
-            <a:r>
-              <a:rPr lang="en-US" sz="2400" dirty="0">
-                <a:solidFill>
-                  <a:schemeClr val="tx1"/>
-                </a:solidFill>
-              </a:rPr>
-              <a:t>Near Fire Brigade &amp; Krishi Vikas</a:t>
-            </a:r>
-          </a:p>
-          <a:p>
-            <a:pPr algn="ctr"/>
-            <a:endParaRPr lang="en-US" sz="571" dirty="0">
-              <a:solidFill>
-                <a:schemeClr val="tx1"/>
-              </a:solidFill>
-            </a:endParaRPr>
-          </a:p>
-          <a:p>
-            <a:pPr algn="ctr"/>
-            <a:r>
-              <a:rPr lang="en-US" sz="4400" dirty="0">
-                <a:solidFill>
-                  <a:schemeClr val="tx1"/>
-                </a:solidFill>
-              </a:rPr>
-              <a:t>9073 700094</a:t>
-            </a:r>
-          </a:p>
-        </p:txBody>
-      </p:sp>
-      <p:sp>
-        <p:nvSpPr>
-          <p:cNvPr id="10" name="Freeform: Shape 9">
-            <a:extLst>
-              <a:ext uri="{FF2B5EF4-FFF2-40B4-BE49-F238E27FC236}">
-                <a16:creationId xmlns:a16="http://schemas.microsoft.com/office/drawing/2014/main" id="{04C7246C-1E51-DEF7-9CBC-6503338149DF}"/>
-              </a:ext>
-            </a:extLst>
-          </p:cNvPr>
-          <p:cNvSpPr/>
-          <p:nvPr/>
-        </p:nvSpPr>
-        <p:spPr>
-          <a:xfrm>
-            <a:off x="6415284" y="4238983"/>
-            <a:ext cx="709424" cy="647243"/>
-          </a:xfrm>
-          <a:custGeom>
-            <a:avLst/>
-            <a:gdLst>
-              <a:gd name="connsiteX0" fmla="*/ 641008 w 2125271"/>
-              <a:gd name="connsiteY0" fmla="*/ 440126 h 1938992"/>
-              <a:gd name="connsiteX1" fmla="*/ 719309 w 2125271"/>
-              <a:gd name="connsiteY1" fmla="*/ 541862 h 1938992"/>
-              <a:gd name="connsiteX2" fmla="*/ 721681 w 2125271"/>
-              <a:gd name="connsiteY2" fmla="*/ 539639 h 1938992"/>
-              <a:gd name="connsiteX3" fmla="*/ 868249 w 2125271"/>
-              <a:gd name="connsiteY3" fmla="*/ 730072 h 1938992"/>
-              <a:gd name="connsiteX4" fmla="*/ 830984 w 2125271"/>
-              <a:gd name="connsiteY4" fmla="*/ 1145778 h 1938992"/>
-              <a:gd name="connsiteX5" fmla="*/ 1242378 w 2125271"/>
-              <a:gd name="connsiteY5" fmla="*/ 1216171 h 1938992"/>
-              <a:gd name="connsiteX6" fmla="*/ 1388945 w 2125271"/>
-              <a:gd name="connsiteY6" fmla="*/ 1406602 h 1938992"/>
-              <a:gd name="connsiteX7" fmla="*/ 1386189 w 2125271"/>
-              <a:gd name="connsiteY7" fmla="*/ 1408326 h 1938992"/>
-              <a:gd name="connsiteX8" fmla="*/ 1434328 w 2125271"/>
-              <a:gd name="connsiteY8" fmla="*/ 1470871 h 1938992"/>
-              <a:gd name="connsiteX9" fmla="*/ 589010 w 2125271"/>
-              <a:gd name="connsiteY9" fmla="*/ 1300812 h 1938992"/>
-              <a:gd name="connsiteX10" fmla="*/ 641008 w 2125271"/>
-              <a:gd name="connsiteY10" fmla="*/ 440126 h 1938992"/>
-              <a:gd name="connsiteX11" fmla="*/ 1074365 w 2125271"/>
-              <a:gd name="connsiteY11" fmla="*/ 157786 h 1938992"/>
-              <a:gd name="connsiteX12" fmla="*/ 205849 w 2125271"/>
-              <a:gd name="connsiteY12" fmla="*/ 959023 h 1938992"/>
-              <a:gd name="connsiteX13" fmla="*/ 244896 w 2125271"/>
-              <a:gd name="connsiteY13" fmla="*/ 1197287 h 1938992"/>
-              <a:gd name="connsiteX14" fmla="*/ 263804 w 2125271"/>
-              <a:gd name="connsiteY14" fmla="*/ 1244946 h 1938992"/>
-              <a:gd name="connsiteX15" fmla="*/ 178658 w 2125271"/>
-              <a:gd name="connsiteY15" fmla="*/ 1677716 h 1938992"/>
-              <a:gd name="connsiteX16" fmla="*/ 179967 w 2125271"/>
-              <a:gd name="connsiteY16" fmla="*/ 1677564 h 1938992"/>
-              <a:gd name="connsiteX17" fmla="*/ 178606 w 2125271"/>
-              <a:gd name="connsiteY17" fmla="*/ 1684328 h 1938992"/>
-              <a:gd name="connsiteX18" fmla="*/ 341286 w 2125271"/>
-              <a:gd name="connsiteY18" fmla="*/ 1662662 h 1938992"/>
-              <a:gd name="connsiteX19" fmla="*/ 336907 w 2125271"/>
-              <a:gd name="connsiteY19" fmla="*/ 1659329 h 1938992"/>
-              <a:gd name="connsiteX20" fmla="*/ 599538 w 2125271"/>
-              <a:gd name="connsiteY20" fmla="*/ 1628813 h 1938992"/>
-              <a:gd name="connsiteX21" fmla="*/ 736300 w 2125271"/>
-              <a:gd name="connsiteY21" fmla="*/ 1697295 h 1938992"/>
-              <a:gd name="connsiteX22" fmla="*/ 1074365 w 2125271"/>
-              <a:gd name="connsiteY22" fmla="*/ 1760260 h 1938992"/>
-              <a:gd name="connsiteX23" fmla="*/ 1942881 w 2125271"/>
-              <a:gd name="connsiteY23" fmla="*/ 959023 h 1938992"/>
-              <a:gd name="connsiteX24" fmla="*/ 1074365 w 2125271"/>
-              <a:gd name="connsiteY24" fmla="*/ 157786 h 1938992"/>
-              <a:gd name="connsiteX25" fmla="*/ 1074366 w 2125271"/>
-              <a:gd name="connsiteY25" fmla="*/ 0 h 1938992"/>
-              <a:gd name="connsiteX26" fmla="*/ 2125271 w 2125271"/>
-              <a:gd name="connsiteY26" fmla="*/ 969496 h 1938992"/>
-              <a:gd name="connsiteX27" fmla="*/ 1074366 w 2125271"/>
-              <a:gd name="connsiteY27" fmla="*/ 1938992 h 1938992"/>
-              <a:gd name="connsiteX28" fmla="*/ 573442 w 2125271"/>
-              <a:gd name="connsiteY28" fmla="*/ 1821979 h 1938992"/>
-              <a:gd name="connsiteX29" fmla="*/ 505884 w 2125271"/>
-              <a:gd name="connsiteY29" fmla="*/ 1784116 h 1938992"/>
-              <a:gd name="connsiteX30" fmla="*/ 0 w 2125271"/>
-              <a:gd name="connsiteY30" fmla="*/ 1851492 h 1938992"/>
-              <a:gd name="connsiteX31" fmla="*/ 103055 w 2125271"/>
-              <a:gd name="connsiteY31" fmla="*/ 1339327 h 1938992"/>
-              <a:gd name="connsiteX32" fmla="*/ 70708 w 2125271"/>
-              <a:gd name="connsiteY32" fmla="*/ 1257795 h 1938992"/>
-              <a:gd name="connsiteX33" fmla="*/ 23461 w 2125271"/>
-              <a:gd name="connsiteY33" fmla="*/ 969496 h 1938992"/>
-              <a:gd name="connsiteX34" fmla="*/ 1074366 w 2125271"/>
-              <a:gd name="connsiteY34" fmla="*/ 0 h 1938992"/>
-            </a:gdLst>
-            <a:ahLst/>
-            <a:cxnLst>
-              <a:cxn ang="0">
-                <a:pos x="connsiteX0" y="connsiteY0"/>
-              </a:cxn>
-              <a:cxn ang="0">
-                <a:pos x="connsiteX1" y="connsiteY1"/>
-              </a:cxn>
-              <a:cxn ang="0">
-                <a:pos x="connsiteX2" y="connsiteY2"/>
-              </a:cxn>
-              <a:cxn ang="0">
-                <a:pos x="connsiteX3" y="connsiteY3"/>
-              </a:cxn>
-              <a:cxn ang="0">
-                <a:pos x="connsiteX4" y="connsiteY4"/>
-              </a:cxn>
-              <a:cxn ang="0">
-                <a:pos x="connsiteX5" y="connsiteY5"/>
-              </a:cxn>
-              <a:cxn ang="0">
-                <a:pos x="connsiteX6" y="connsiteY6"/>
-              </a:cxn>
-              <a:cxn ang="0">
-                <a:pos x="connsiteX7" y="connsiteY7"/>
-              </a:cxn>
-              <a:cxn ang="0">
-                <a:pos x="connsiteX8" y="connsiteY8"/>
-              </a:cxn>
-              <a:cxn ang="0">
-                <a:pos x="connsiteX9" y="connsiteY9"/>
-              </a:cxn>
-              <a:cxn ang="0">
-                <a:pos x="connsiteX10" y="connsiteY10"/>
-              </a:cxn>
-              <a:cxn ang="0">
-                <a:pos x="connsiteX11" y="connsiteY11"/>
-              </a:cxn>
-              <a:cxn ang="0">
-                <a:pos x="connsiteX12" y="connsiteY12"/>
-              </a:cxn>
-              <a:cxn ang="0">
-                <a:pos x="connsiteX13" y="connsiteY13"/>
-              </a:cxn>
-              <a:cxn ang="0">
-                <a:pos x="connsiteX14" y="connsiteY14"/>
-              </a:cxn>
-              <a:cxn ang="0">
-                <a:pos x="connsiteX15" y="connsiteY15"/>
-              </a:cxn>
-              <a:cxn ang="0">
-                <a:pos x="connsiteX16" y="connsiteY16"/>
-              </a:cxn>
-              <a:cxn ang="0">
-                <a:pos x="connsiteX17" y="connsiteY17"/>
-              </a:cxn>
-              <a:cxn ang="0">
-                <a:pos x="connsiteX18" y="connsiteY18"/>
-              </a:cxn>
-              <a:cxn ang="0">
-                <a:pos x="connsiteX19" y="connsiteY19"/>
-              </a:cxn>
-              <a:cxn ang="0">
-                <a:pos x="connsiteX20" y="connsiteY20"/>
-              </a:cxn>
-              <a:cxn ang="0">
-                <a:pos x="connsiteX21" y="connsiteY21"/>
-              </a:cxn>
-              <a:cxn ang="0">
-                <a:pos x="connsiteX22" y="connsiteY22"/>
-              </a:cxn>
-              <a:cxn ang="0">
-                <a:pos x="connsiteX23" y="connsiteY23"/>
-              </a:cxn>
-              <a:cxn ang="0">
-                <a:pos x="connsiteX24" y="connsiteY24"/>
-              </a:cxn>
-              <a:cxn ang="0">
-                <a:pos x="connsiteX25" y="connsiteY25"/>
-              </a:cxn>
-              <a:cxn ang="0">
-                <a:pos x="connsiteX26" y="connsiteY26"/>
-              </a:cxn>
-              <a:cxn ang="0">
-                <a:pos x="connsiteX27" y="connsiteY27"/>
-              </a:cxn>
-              <a:cxn ang="0">
-                <a:pos x="connsiteX28" y="connsiteY28"/>
-              </a:cxn>
-              <a:cxn ang="0">
-                <a:pos x="connsiteX29" y="connsiteY29"/>
-              </a:cxn>
-              <a:cxn ang="0">
-                <a:pos x="connsiteX30" y="connsiteY30"/>
-              </a:cxn>
-              <a:cxn ang="0">
-                <a:pos x="connsiteX31" y="connsiteY31"/>
-              </a:cxn>
-              <a:cxn ang="0">
-                <a:pos x="connsiteX32" y="connsiteY32"/>
-              </a:cxn>
-              <a:cxn ang="0">
-                <a:pos x="connsiteX33" y="connsiteY33"/>
-              </a:cxn>
-              <a:cxn ang="0">
-                <a:pos x="connsiteX34" y="connsiteY34"/>
-              </a:cxn>
-            </a:cxnLst>
-            <a:rect l="l" t="t" r="r" b="b"/>
-            <a:pathLst>
-              <a:path w="2125271" h="1938992">
-                <a:moveTo>
-                  <a:pt x="641008" y="440126"/>
-                </a:moveTo>
-                <a:lnTo>
-                  <a:pt x="719309" y="541862"/>
-                </a:lnTo>
-                <a:lnTo>
-                  <a:pt x="721681" y="539639"/>
-                </a:lnTo>
-                <a:lnTo>
-                  <a:pt x="868249" y="730072"/>
-                </a:lnTo>
-                <a:cubicBezTo>
-                  <a:pt x="744355" y="825428"/>
-                  <a:pt x="727671" y="1011545"/>
-                  <a:pt x="830984" y="1145778"/>
-                </a:cubicBezTo>
-                <a:cubicBezTo>
-                  <a:pt x="934297" y="1280010"/>
-                  <a:pt x="1118484" y="1311526"/>
-                  <a:pt x="1242378" y="1216171"/>
-                </a:cubicBezTo>
-                <a:lnTo>
-                  <a:pt x="1388945" y="1406602"/>
-                </a:lnTo>
-                <a:lnTo>
-                  <a:pt x="1386189" y="1408326"/>
-                </a:lnTo>
-                <a:lnTo>
-                  <a:pt x="1434328" y="1470871"/>
-                </a:lnTo>
-                <a:cubicBezTo>
-                  <a:pt x="1186542" y="1661582"/>
-                  <a:pt x="808079" y="1585444"/>
-                  <a:pt x="589010" y="1300812"/>
-                </a:cubicBezTo>
-                <a:cubicBezTo>
-                  <a:pt x="369941" y="1016180"/>
-                  <a:pt x="393221" y="630838"/>
-                  <a:pt x="641008" y="440126"/>
-                </a:cubicBezTo>
-                <a:close/>
-                <a:moveTo>
-                  <a:pt x="1074365" y="157786"/>
-                </a:moveTo>
-                <a:cubicBezTo>
-                  <a:pt x="594697" y="157786"/>
-                  <a:pt x="205849" y="516512"/>
-                  <a:pt x="205849" y="959023"/>
-                </a:cubicBezTo>
-                <a:cubicBezTo>
-                  <a:pt x="205849" y="1041994"/>
-                  <a:pt x="219520" y="1122019"/>
-                  <a:pt x="244896" y="1197287"/>
-                </a:cubicBezTo>
-                <a:lnTo>
-                  <a:pt x="263804" y="1244946"/>
-                </a:lnTo>
-                <a:lnTo>
-                  <a:pt x="178658" y="1677716"/>
-                </a:lnTo>
-                <a:lnTo>
-                  <a:pt x="179967" y="1677564"/>
-                </a:lnTo>
-                <a:lnTo>
-                  <a:pt x="178606" y="1684328"/>
-                </a:lnTo>
-                <a:lnTo>
-                  <a:pt x="341286" y="1662662"/>
-                </a:lnTo>
-                <a:lnTo>
-                  <a:pt x="336907" y="1659329"/>
-                </a:lnTo>
-                <a:lnTo>
-                  <a:pt x="599538" y="1628813"/>
-                </a:lnTo>
-                <a:lnTo>
-                  <a:pt x="736300" y="1697295"/>
-                </a:lnTo>
-                <a:cubicBezTo>
-                  <a:pt x="840208" y="1737840"/>
-                  <a:pt x="954448" y="1760260"/>
-                  <a:pt x="1074365" y="1760260"/>
-                </a:cubicBezTo>
-                <a:cubicBezTo>
-                  <a:pt x="1554033" y="1760260"/>
-                  <a:pt x="1942881" y="1401534"/>
-                  <a:pt x="1942881" y="959023"/>
-                </a:cubicBezTo>
-                <a:cubicBezTo>
-                  <a:pt x="1942881" y="516512"/>
-                  <a:pt x="1554033" y="157786"/>
-                  <a:pt x="1074365" y="157786"/>
-                </a:cubicBezTo>
-                <a:close/>
-                <a:moveTo>
-                  <a:pt x="1074366" y="0"/>
-                </a:moveTo>
-                <a:cubicBezTo>
-                  <a:pt x="1654765" y="0"/>
-                  <a:pt x="2125271" y="434058"/>
-                  <a:pt x="2125271" y="969496"/>
-                </a:cubicBezTo>
-                <a:cubicBezTo>
-                  <a:pt x="2125271" y="1504934"/>
-                  <a:pt x="1654765" y="1938992"/>
-                  <a:pt x="1074366" y="1938992"/>
-                </a:cubicBezTo>
-                <a:cubicBezTo>
-                  <a:pt x="892992" y="1938992"/>
-                  <a:pt x="722349" y="1896604"/>
-                  <a:pt x="573442" y="1821979"/>
-                </a:cubicBezTo>
-                <a:lnTo>
-                  <a:pt x="505884" y="1784116"/>
-                </a:lnTo>
-                <a:lnTo>
-                  <a:pt x="0" y="1851492"/>
-                </a:lnTo>
-                <a:lnTo>
-                  <a:pt x="103055" y="1339327"/>
-                </a:lnTo>
-                <a:lnTo>
-                  <a:pt x="70708" y="1257795"/>
-                </a:lnTo>
-                <a:cubicBezTo>
-                  <a:pt x="40003" y="1166721"/>
-                  <a:pt x="23461" y="1069891"/>
-                  <a:pt x="23461" y="969496"/>
-                </a:cubicBezTo>
-                <a:cubicBezTo>
-                  <a:pt x="23461" y="434058"/>
-                  <a:pt x="493967" y="0"/>
-                  <a:pt x="1074366" y="0"/>
-                </a:cubicBezTo>
-                <a:close/>
-              </a:path>
-            </a:pathLst>
-          </a:custGeom>
-          <a:solidFill>
-            <a:schemeClr val="tx1"/>
-          </a:solidFill>
-          <a:ln>
-            <a:noFill/>
-          </a:ln>
-        </p:spPr>
-        <p:style>
-          <a:lnRef idx="2">
-            <a:schemeClr val="accent1">
-              <a:shade val="15000"/>
-            </a:schemeClr>
-          </a:lnRef>
-          <a:fillRef idx="1">
-            <a:schemeClr val="accent1"/>
-          </a:fillRef>
-          <a:effectRef idx="0">
-            <a:schemeClr val="accent1"/>
-          </a:effectRef>
-          <a:fontRef idx="minor">
-            <a:schemeClr val="lt1"/>
-          </a:fontRef>
-        </p:style>
-        <p:txBody>
-          <a:bodyPr wrap="square" rtlCol="0" anchor="ctr">
-            <a:noAutofit/>
-          </a:bodyPr>
-          <a:lstStyle/>
-          <a:p>
-            <a:pPr algn="ctr"/>
-            <a:endParaRPr lang="en-US" sz="1714">
-              <a:solidFill>
-                <a:schemeClr val="tx1"/>
-              </a:solidFill>
-            </a:endParaRPr>
-          </a:p>
-        </p:txBody>
-      </p:sp>
-      <p:sp>
-        <p:nvSpPr>
-          <p:cNvPr id="18" name="TextBox 17">
-            <a:extLst>
-              <a:ext uri="{FF2B5EF4-FFF2-40B4-BE49-F238E27FC236}">
-                <a16:creationId xmlns:a16="http://schemas.microsoft.com/office/drawing/2014/main" id="{E4FDAF19-7F7B-3938-7A51-47B91C4CD1D0}"/>
-              </a:ext>
-            </a:extLst>
-          </p:cNvPr>
-          <p:cNvSpPr txBox="1"/>
-          <p:nvPr/>
-        </p:nvSpPr>
-        <p:spPr>
-          <a:xfrm>
-            <a:off x="7593" y="9800020"/>
-            <a:ext cx="9144000" cy="1455207"/>
-          </a:xfrm>
-          <a:prstGeom prst="rect">
-            <a:avLst/>
-          </a:prstGeom>
-          <a:noFill/>
-        </p:spPr>
-        <p:txBody>
-          <a:bodyPr wrap="square">
-            <a:spAutoFit/>
-          </a:bodyPr>
-          <a:lstStyle/>
-          <a:p>
-            <a:pPr algn="ctr"/>
-            <a:r>
-              <a:rPr lang="en-US" sz="2952" b="1" cap="small" dirty="0">
-                <a:latin typeface="Oxygen" panose="02000503000000000000" pitchFamily="2" charset="0"/>
-              </a:rPr>
-              <a:t>Industry Expert Trainers, Proj-Based, Cert Help</a:t>
-            </a:r>
-          </a:p>
-          <a:p>
-            <a:pPr algn="ctr"/>
-            <a:r>
-              <a:rPr lang="en-US" sz="2952" b="1" cap="small" dirty="0">
-                <a:latin typeface="Oxygen" panose="02000503000000000000" pitchFamily="2" charset="0"/>
-              </a:rPr>
-              <a:t>Career Focused, Study Materials</a:t>
-            </a:r>
-          </a:p>
-          <a:p>
-            <a:pPr algn="ctr"/>
-            <a:r>
-              <a:rPr lang="en-US" sz="2952" b="1" cap="small" dirty="0">
-                <a:latin typeface="Oxygen" panose="02000503000000000000" pitchFamily="2" charset="0"/>
-              </a:rPr>
-              <a:t>Smart Classrooms, AC, CCTV </a:t>
-            </a:r>
-            <a:r>
-              <a:rPr lang="en-US" sz="1905" b="1" cap="small" dirty="0">
-                <a:latin typeface="Oxygen" panose="02000503000000000000" pitchFamily="2" charset="0"/>
-              </a:rPr>
-              <a:t>* As required</a:t>
-            </a:r>
-            <a:r>
-              <a:rPr lang="en-US" sz="2952" b="1" cap="small" dirty="0">
-                <a:latin typeface="Oxygen" panose="02000503000000000000" pitchFamily="2" charset="0"/>
-              </a:rPr>
-              <a:t> </a:t>
-            </a:r>
-          </a:p>
-        </p:txBody>
-      </p:sp>
-      <p:sp>
-        <p:nvSpPr>
-          <p:cNvPr id="8" name="Freeform: Shape 7">
-            <a:extLst>
-              <a:ext uri="{FF2B5EF4-FFF2-40B4-BE49-F238E27FC236}">
-                <a16:creationId xmlns:a16="http://schemas.microsoft.com/office/drawing/2014/main" id="{4E40E0A8-9EAA-EF4E-D3D2-B9AACF8ABED0}"/>
-              </a:ext>
-            </a:extLst>
-          </p:cNvPr>
-          <p:cNvSpPr/>
-          <p:nvPr/>
-        </p:nvSpPr>
-        <p:spPr>
-          <a:xfrm>
-            <a:off x="325792" y="173281"/>
-            <a:ext cx="8507605" cy="2964437"/>
-          </a:xfrm>
-          <a:custGeom>
-            <a:avLst/>
-            <a:gdLst/>
-            <a:ahLst/>
-            <a:cxnLst/>
-            <a:rect l="l" t="t" r="r" b="b"/>
-            <a:pathLst>
-              <a:path w="8120895" h="2829690">
-                <a:moveTo>
-                  <a:pt x="6867298" y="2644493"/>
-                </a:moveTo>
-                <a:lnTo>
-                  <a:pt x="6881736" y="2646026"/>
-                </a:lnTo>
-                <a:lnTo>
-                  <a:pt x="6895773" y="2644493"/>
-                </a:lnTo>
-                <a:close/>
-                <a:moveTo>
-                  <a:pt x="6174571" y="2644493"/>
-                </a:moveTo>
-                <a:lnTo>
-                  <a:pt x="6189009" y="2646026"/>
-                </a:lnTo>
-                <a:lnTo>
-                  <a:pt x="6203046" y="2644493"/>
-                </a:lnTo>
-                <a:close/>
-                <a:moveTo>
-                  <a:pt x="5819548" y="2644493"/>
-                </a:moveTo>
-                <a:lnTo>
-                  <a:pt x="5833986" y="2646026"/>
-                </a:lnTo>
-                <a:lnTo>
-                  <a:pt x="5848023" y="2644493"/>
-                </a:lnTo>
-                <a:close/>
-                <a:moveTo>
-                  <a:pt x="4714543" y="2644493"/>
-                </a:moveTo>
-                <a:lnTo>
-                  <a:pt x="4758509" y="2647683"/>
-                </a:lnTo>
-                <a:lnTo>
-                  <a:pt x="4792319" y="2644493"/>
-                </a:lnTo>
-                <a:close/>
-                <a:moveTo>
-                  <a:pt x="4040754" y="2644493"/>
-                </a:moveTo>
-                <a:lnTo>
-                  <a:pt x="4052860" y="2646285"/>
-                </a:lnTo>
-                <a:lnTo>
-                  <a:pt x="4072858" y="2644493"/>
-                </a:lnTo>
-                <a:close/>
-                <a:moveTo>
-                  <a:pt x="2564700" y="2644493"/>
-                </a:moveTo>
-                <a:lnTo>
-                  <a:pt x="2576376" y="2646285"/>
-                </a:lnTo>
-                <a:lnTo>
-                  <a:pt x="2595370" y="2644493"/>
-                </a:lnTo>
-                <a:close/>
-                <a:moveTo>
-                  <a:pt x="1685779" y="2644493"/>
-                </a:moveTo>
-                <a:lnTo>
-                  <a:pt x="1697884" y="2646285"/>
-                </a:lnTo>
-                <a:lnTo>
-                  <a:pt x="1709933" y="2644493"/>
-                </a:lnTo>
-                <a:close/>
-                <a:moveTo>
-                  <a:pt x="1224930" y="2644493"/>
-                </a:moveTo>
-                <a:lnTo>
-                  <a:pt x="1268896" y="2647683"/>
-                </a:lnTo>
-                <a:lnTo>
-                  <a:pt x="1302705" y="2644493"/>
-                </a:lnTo>
-                <a:close/>
-                <a:moveTo>
-                  <a:pt x="2932613" y="2244264"/>
-                </a:moveTo>
-                <a:cubicBezTo>
-                  <a:pt x="2933342" y="2247033"/>
-                  <a:pt x="2946822" y="2290460"/>
-                  <a:pt x="2973053" y="2374545"/>
-                </a:cubicBezTo>
-                <a:lnTo>
-                  <a:pt x="2890863" y="2374545"/>
-                </a:lnTo>
-                <a:close/>
-                <a:moveTo>
-                  <a:pt x="1398093" y="2232023"/>
-                </a:moveTo>
-                <a:lnTo>
-                  <a:pt x="1466075" y="2232023"/>
-                </a:lnTo>
-                <a:cubicBezTo>
-                  <a:pt x="1486768" y="2232023"/>
-                  <a:pt x="1502143" y="2235739"/>
-                  <a:pt x="1512198" y="2243172"/>
-                </a:cubicBezTo>
-                <a:cubicBezTo>
-                  <a:pt x="1522253" y="2250604"/>
-                  <a:pt x="1527280" y="2262189"/>
-                  <a:pt x="1527280" y="2277928"/>
-                </a:cubicBezTo>
-                <a:cubicBezTo>
-                  <a:pt x="1527280" y="2295852"/>
-                  <a:pt x="1522326" y="2308858"/>
-                  <a:pt x="1512416" y="2316946"/>
-                </a:cubicBezTo>
-                <a:cubicBezTo>
-                  <a:pt x="1502507" y="2325034"/>
-                  <a:pt x="1486186" y="2329078"/>
-                  <a:pt x="1463452" y="2329078"/>
-                </a:cubicBezTo>
-                <a:cubicBezTo>
-                  <a:pt x="1461120" y="2329078"/>
-                  <a:pt x="1450191" y="2329041"/>
-                  <a:pt x="1430663" y="2328969"/>
-                </a:cubicBezTo>
-                <a:cubicBezTo>
-                  <a:pt x="1411136" y="2328896"/>
-                  <a:pt x="1400279" y="2328859"/>
-                  <a:pt x="1398093" y="2328859"/>
-                </a:cubicBezTo>
-                <a:close/>
-                <a:moveTo>
-                  <a:pt x="6303566" y="2188961"/>
-                </a:moveTo>
-                <a:lnTo>
-                  <a:pt x="6303566" y="2509197"/>
-                </a:lnTo>
-                <a:lnTo>
-                  <a:pt x="6498112" y="2509197"/>
-                </a:lnTo>
-                <a:lnTo>
-                  <a:pt x="6500079" y="2461981"/>
-                </a:lnTo>
-                <a:lnTo>
-                  <a:pt x="6362804" y="2461981"/>
-                </a:lnTo>
-                <a:lnTo>
-                  <a:pt x="6362804" y="2365583"/>
-                </a:lnTo>
-                <a:lnTo>
-                  <a:pt x="6488713" y="2365583"/>
-                </a:lnTo>
-                <a:lnTo>
-                  <a:pt x="6488713" y="2318586"/>
-                </a:lnTo>
-                <a:lnTo>
-                  <a:pt x="6362804" y="2318586"/>
-                </a:lnTo>
-                <a:lnTo>
-                  <a:pt x="6362804" y="2235958"/>
-                </a:lnTo>
-                <a:lnTo>
-                  <a:pt x="6495270" y="2235958"/>
-                </a:lnTo>
-                <a:lnTo>
-                  <a:pt x="6497675" y="2188961"/>
-                </a:lnTo>
-                <a:close/>
-                <a:moveTo>
-                  <a:pt x="5674916" y="2188961"/>
-                </a:moveTo>
-                <a:lnTo>
-                  <a:pt x="5674916" y="2509197"/>
-                </a:lnTo>
-                <a:lnTo>
-                  <a:pt x="5728689" y="2509197"/>
-                </a:lnTo>
-                <a:lnTo>
-                  <a:pt x="5728689" y="2347877"/>
-                </a:lnTo>
-                <a:cubicBezTo>
-                  <a:pt x="5728689" y="2332284"/>
-                  <a:pt x="5728106" y="2305251"/>
-                  <a:pt x="5726941" y="2266779"/>
-                </a:cubicBezTo>
-                <a:lnTo>
-                  <a:pt x="5737433" y="2284048"/>
-                </a:lnTo>
-                <a:lnTo>
-                  <a:pt x="5881922" y="2509197"/>
-                </a:lnTo>
-                <a:lnTo>
-                  <a:pt x="5945751" y="2509197"/>
-                </a:lnTo>
-                <a:lnTo>
-                  <a:pt x="5945751" y="2188961"/>
-                </a:lnTo>
-                <a:lnTo>
-                  <a:pt x="5891758" y="2188961"/>
-                </a:lnTo>
-                <a:lnTo>
-                  <a:pt x="5891758" y="2350937"/>
-                </a:lnTo>
-                <a:cubicBezTo>
-                  <a:pt x="5891758" y="2352831"/>
-                  <a:pt x="5892268" y="2378771"/>
-                  <a:pt x="5893289" y="2428756"/>
-                </a:cubicBezTo>
-                <a:cubicBezTo>
-                  <a:pt x="5891103" y="2425404"/>
-                  <a:pt x="5887350" y="2419757"/>
-                  <a:pt x="5882031" y="2411815"/>
-                </a:cubicBezTo>
-                <a:cubicBezTo>
-                  <a:pt x="5876712" y="2403873"/>
-                  <a:pt x="5872960" y="2398226"/>
-                  <a:pt x="5870774" y="2394874"/>
-                </a:cubicBezTo>
-                <a:cubicBezTo>
-                  <a:pt x="5863196" y="2383216"/>
-                  <a:pt x="5841992" y="2350427"/>
-                  <a:pt x="5807164" y="2296508"/>
-                </a:cubicBezTo>
-                <a:cubicBezTo>
-                  <a:pt x="5772334" y="2242589"/>
-                  <a:pt x="5749237" y="2206740"/>
-                  <a:pt x="5737870" y="2188961"/>
-                </a:cubicBezTo>
-                <a:close/>
-                <a:moveTo>
-                  <a:pt x="5427266" y="2188961"/>
-                </a:moveTo>
-                <a:lnTo>
-                  <a:pt x="5427266" y="2509197"/>
-                </a:lnTo>
-                <a:lnTo>
-                  <a:pt x="5621812" y="2509197"/>
-                </a:lnTo>
-                <a:lnTo>
-                  <a:pt x="5623779" y="2461981"/>
-                </a:lnTo>
-                <a:lnTo>
-                  <a:pt x="5486504" y="2461981"/>
-                </a:lnTo>
-                <a:lnTo>
-                  <a:pt x="5486504" y="2365583"/>
-                </a:lnTo>
-                <a:lnTo>
-                  <a:pt x="5612412" y="2365583"/>
-                </a:lnTo>
-                <a:lnTo>
-                  <a:pt x="5612412" y="2318586"/>
-                </a:lnTo>
-                <a:lnTo>
-                  <a:pt x="5486504" y="2318586"/>
-                </a:lnTo>
-                <a:lnTo>
-                  <a:pt x="5486504" y="2235958"/>
-                </a:lnTo>
-                <a:lnTo>
-                  <a:pt x="5618970" y="2235958"/>
-                </a:lnTo>
-                <a:lnTo>
-                  <a:pt x="5621374" y="2188961"/>
-                </a:lnTo>
-                <a:close/>
-                <a:moveTo>
-                  <a:pt x="4971596" y="2188961"/>
-                </a:moveTo>
-                <a:lnTo>
-                  <a:pt x="4971596" y="2509197"/>
-                </a:lnTo>
-                <a:lnTo>
-                  <a:pt x="5030834" y="2509197"/>
-                </a:lnTo>
-                <a:lnTo>
-                  <a:pt x="5030834" y="2188961"/>
-                </a:lnTo>
-                <a:close/>
-                <a:moveTo>
-                  <a:pt x="4731940" y="2188961"/>
-                </a:moveTo>
-                <a:lnTo>
-                  <a:pt x="4731940" y="2509197"/>
-                </a:lnTo>
-                <a:lnTo>
-                  <a:pt x="4923427" y="2509197"/>
-                </a:lnTo>
-                <a:lnTo>
-                  <a:pt x="4925175" y="2461981"/>
-                </a:lnTo>
-                <a:lnTo>
-                  <a:pt x="4791179" y="2461981"/>
-                </a:lnTo>
-                <a:lnTo>
-                  <a:pt x="4791179" y="2188961"/>
-                </a:lnTo>
-                <a:close/>
-                <a:moveTo>
-                  <a:pt x="4493816" y="2188961"/>
-                </a:moveTo>
-                <a:lnTo>
-                  <a:pt x="4493816" y="2509197"/>
-                </a:lnTo>
-                <a:lnTo>
-                  <a:pt x="4685301" y="2509197"/>
-                </a:lnTo>
-                <a:lnTo>
-                  <a:pt x="4687050" y="2461981"/>
-                </a:lnTo>
-                <a:lnTo>
-                  <a:pt x="4553054" y="2461981"/>
-                </a:lnTo>
-                <a:lnTo>
-                  <a:pt x="4553054" y="2188961"/>
-                </a:lnTo>
-                <a:close/>
-                <a:moveTo>
-                  <a:pt x="4246165" y="2188961"/>
-                </a:moveTo>
-                <a:lnTo>
-                  <a:pt x="4246165" y="2509197"/>
-                </a:lnTo>
-                <a:lnTo>
-                  <a:pt x="4440712" y="2509197"/>
-                </a:lnTo>
-                <a:lnTo>
-                  <a:pt x="4442679" y="2461981"/>
-                </a:lnTo>
-                <a:lnTo>
-                  <a:pt x="4305404" y="2461981"/>
-                </a:lnTo>
-                <a:lnTo>
-                  <a:pt x="4305404" y="2365583"/>
-                </a:lnTo>
-                <a:lnTo>
-                  <a:pt x="4431313" y="2365583"/>
-                </a:lnTo>
-                <a:lnTo>
-                  <a:pt x="4431313" y="2318586"/>
-                </a:lnTo>
-                <a:lnTo>
-                  <a:pt x="4305404" y="2318586"/>
-                </a:lnTo>
-                <a:lnTo>
-                  <a:pt x="4305404" y="2235958"/>
-                </a:lnTo>
-                <a:lnTo>
-                  <a:pt x="4437870" y="2235958"/>
-                </a:lnTo>
-                <a:lnTo>
-                  <a:pt x="4440275" y="2188961"/>
-                </a:lnTo>
-                <a:close/>
-                <a:moveTo>
-                  <a:pt x="3967038" y="2188961"/>
-                </a:moveTo>
-                <a:lnTo>
-                  <a:pt x="3967038" y="2236395"/>
-                </a:lnTo>
-                <a:lnTo>
-                  <a:pt x="4060377" y="2236395"/>
-                </a:lnTo>
-                <a:lnTo>
-                  <a:pt x="4060377" y="2509197"/>
-                </a:lnTo>
-                <a:lnTo>
-                  <a:pt x="4119834" y="2509197"/>
-                </a:lnTo>
-                <a:lnTo>
-                  <a:pt x="4119834" y="2236395"/>
-                </a:lnTo>
-                <a:lnTo>
-                  <a:pt x="4212735" y="2236395"/>
-                </a:lnTo>
-                <a:lnTo>
-                  <a:pt x="4212735" y="2188961"/>
-                </a:lnTo>
-                <a:close/>
-                <a:moveTo>
-                  <a:pt x="3655615" y="2188961"/>
-                </a:moveTo>
-                <a:lnTo>
-                  <a:pt x="3655615" y="2509197"/>
-                </a:lnTo>
-                <a:lnTo>
-                  <a:pt x="3709389" y="2509197"/>
-                </a:lnTo>
-                <a:lnTo>
-                  <a:pt x="3709389" y="2347877"/>
-                </a:lnTo>
-                <a:cubicBezTo>
-                  <a:pt x="3709389" y="2332284"/>
-                  <a:pt x="3708806" y="2305251"/>
-                  <a:pt x="3707640" y="2266779"/>
-                </a:cubicBezTo>
-                <a:lnTo>
-                  <a:pt x="3718133" y="2284048"/>
-                </a:lnTo>
-                <a:lnTo>
-                  <a:pt x="3862621" y="2509197"/>
-                </a:lnTo>
-                <a:lnTo>
-                  <a:pt x="3926450" y="2509197"/>
-                </a:lnTo>
-                <a:lnTo>
-                  <a:pt x="3926450" y="2188961"/>
-                </a:lnTo>
-                <a:lnTo>
-                  <a:pt x="3872458" y="2188961"/>
-                </a:lnTo>
-                <a:lnTo>
-                  <a:pt x="3872458" y="2350937"/>
-                </a:lnTo>
-                <a:cubicBezTo>
-                  <a:pt x="3872458" y="2352831"/>
-                  <a:pt x="3872968" y="2378771"/>
-                  <a:pt x="3873988" y="2428756"/>
-                </a:cubicBezTo>
-                <a:cubicBezTo>
-                  <a:pt x="3871802" y="2425404"/>
-                  <a:pt x="3868050" y="2419757"/>
-                  <a:pt x="3862731" y="2411815"/>
-                </a:cubicBezTo>
-                <a:cubicBezTo>
-                  <a:pt x="3857412" y="2403873"/>
-                  <a:pt x="3853659" y="2398226"/>
-                  <a:pt x="3851473" y="2394874"/>
-                </a:cubicBezTo>
-                <a:cubicBezTo>
-                  <a:pt x="3843896" y="2383216"/>
-                  <a:pt x="3822692" y="2350427"/>
-                  <a:pt x="3787863" y="2296508"/>
-                </a:cubicBezTo>
-                <a:cubicBezTo>
-                  <a:pt x="3753035" y="2242589"/>
-                  <a:pt x="3729937" y="2206740"/>
-                  <a:pt x="3718570" y="2188961"/>
-                </a:cubicBezTo>
-                <a:close/>
-                <a:moveTo>
-                  <a:pt x="3112691" y="2188961"/>
-                </a:moveTo>
-                <a:lnTo>
-                  <a:pt x="3112691" y="2509197"/>
-                </a:lnTo>
-                <a:lnTo>
-                  <a:pt x="3304177" y="2509197"/>
-                </a:lnTo>
-                <a:lnTo>
-                  <a:pt x="3305925" y="2461981"/>
-                </a:lnTo>
-                <a:lnTo>
-                  <a:pt x="3171929" y="2461981"/>
-                </a:lnTo>
-                <a:lnTo>
-                  <a:pt x="3171929" y="2188961"/>
-                </a:lnTo>
-                <a:close/>
-                <a:moveTo>
-                  <a:pt x="2685596" y="2188961"/>
-                </a:moveTo>
-                <a:lnTo>
-                  <a:pt x="2685596" y="2509197"/>
-                </a:lnTo>
-                <a:lnTo>
-                  <a:pt x="2744835" y="2509197"/>
-                </a:lnTo>
-                <a:lnTo>
-                  <a:pt x="2744835" y="2188961"/>
-                </a:lnTo>
-                <a:close/>
-                <a:moveTo>
-                  <a:pt x="2266496" y="2188961"/>
-                </a:moveTo>
-                <a:lnTo>
-                  <a:pt x="2266496" y="2509197"/>
-                </a:lnTo>
-                <a:lnTo>
-                  <a:pt x="2325734" y="2509197"/>
-                </a:lnTo>
-                <a:lnTo>
-                  <a:pt x="2325734" y="2188961"/>
-                </a:lnTo>
-                <a:close/>
-                <a:moveTo>
-                  <a:pt x="2026841" y="2188961"/>
-                </a:moveTo>
-                <a:lnTo>
-                  <a:pt x="2026841" y="2509197"/>
-                </a:lnTo>
-                <a:lnTo>
-                  <a:pt x="2085642" y="2509197"/>
-                </a:lnTo>
-                <a:lnTo>
-                  <a:pt x="2085642" y="2373452"/>
-                </a:lnTo>
-                <a:lnTo>
-                  <a:pt x="2207834" y="2373452"/>
-                </a:lnTo>
-                <a:lnTo>
-                  <a:pt x="2207834" y="2326892"/>
-                </a:lnTo>
-                <a:lnTo>
-                  <a:pt x="2085642" y="2326892"/>
-                </a:lnTo>
-                <a:lnTo>
-                  <a:pt x="2085642" y="2235958"/>
-                </a:lnTo>
-                <a:lnTo>
-                  <a:pt x="2214173" y="2235958"/>
-                </a:lnTo>
-                <a:lnTo>
-                  <a:pt x="2216359" y="2188961"/>
-                </a:lnTo>
-                <a:close/>
-                <a:moveTo>
-                  <a:pt x="1895021" y="2188961"/>
-                </a:moveTo>
-                <a:lnTo>
-                  <a:pt x="1895021" y="2509197"/>
-                </a:lnTo>
-                <a:lnTo>
-                  <a:pt x="1954259" y="2509197"/>
-                </a:lnTo>
-                <a:lnTo>
-                  <a:pt x="1954259" y="2188961"/>
-                </a:lnTo>
-                <a:close/>
-                <a:moveTo>
-                  <a:pt x="1614364" y="2188961"/>
-                </a:moveTo>
-                <a:lnTo>
-                  <a:pt x="1614364" y="2236395"/>
-                </a:lnTo>
-                <a:lnTo>
-                  <a:pt x="1707702" y="2236395"/>
-                </a:lnTo>
-                <a:lnTo>
-                  <a:pt x="1707702" y="2509197"/>
-                </a:lnTo>
-                <a:lnTo>
-                  <a:pt x="1767159" y="2509197"/>
-                </a:lnTo>
-                <a:lnTo>
-                  <a:pt x="1767159" y="2236395"/>
-                </a:lnTo>
-                <a:lnTo>
-                  <a:pt x="1860061" y="2236395"/>
-                </a:lnTo>
-                <a:lnTo>
-                  <a:pt x="1860061" y="2188961"/>
-                </a:lnTo>
-                <a:close/>
-                <a:moveTo>
-                  <a:pt x="2900043" y="2188742"/>
-                </a:moveTo>
-                <a:lnTo>
-                  <a:pt x="2782223" y="2509197"/>
-                </a:lnTo>
-                <a:lnTo>
-                  <a:pt x="2844084" y="2509197"/>
-                </a:lnTo>
-                <a:lnTo>
-                  <a:pt x="2875999" y="2418700"/>
-                </a:lnTo>
-                <a:lnTo>
-                  <a:pt x="2988135" y="2418700"/>
-                </a:lnTo>
-                <a:lnTo>
-                  <a:pt x="3019831" y="2509197"/>
-                </a:lnTo>
-                <a:lnTo>
-                  <a:pt x="3080599" y="2509197"/>
-                </a:lnTo>
-                <a:lnTo>
-                  <a:pt x="2964528" y="2188742"/>
-                </a:lnTo>
-                <a:close/>
-                <a:moveTo>
-                  <a:pt x="1339511" y="2188087"/>
-                </a:moveTo>
-                <a:lnTo>
-                  <a:pt x="1339511" y="2509197"/>
-                </a:lnTo>
-                <a:lnTo>
-                  <a:pt x="1398093" y="2509197"/>
-                </a:lnTo>
-                <a:lnTo>
-                  <a:pt x="1398093" y="2371485"/>
-                </a:lnTo>
-                <a:lnTo>
-                  <a:pt x="1447713" y="2371922"/>
-                </a:lnTo>
-                <a:cubicBezTo>
-                  <a:pt x="1461703" y="2371922"/>
-                  <a:pt x="1469937" y="2371995"/>
-                  <a:pt x="1472414" y="2372140"/>
-                </a:cubicBezTo>
-                <a:cubicBezTo>
-                  <a:pt x="1475766" y="2377678"/>
-                  <a:pt x="1484509" y="2395457"/>
-                  <a:pt x="1498645" y="2425477"/>
-                </a:cubicBezTo>
-                <a:lnTo>
-                  <a:pt x="1536024" y="2509197"/>
-                </a:lnTo>
-                <a:lnTo>
-                  <a:pt x="1600727" y="2509197"/>
-                </a:lnTo>
-                <a:lnTo>
-                  <a:pt x="1553074" y="2410394"/>
-                </a:lnTo>
-                <a:cubicBezTo>
-                  <a:pt x="1541416" y="2386349"/>
-                  <a:pt x="1531652" y="2369882"/>
-                  <a:pt x="1523783" y="2360992"/>
-                </a:cubicBezTo>
-                <a:cubicBezTo>
-                  <a:pt x="1562401" y="2347585"/>
-                  <a:pt x="1581710" y="2319606"/>
-                  <a:pt x="1581710" y="2277053"/>
-                </a:cubicBezTo>
-                <a:cubicBezTo>
-                  <a:pt x="1581710" y="2262626"/>
-                  <a:pt x="1579779" y="2250130"/>
-                  <a:pt x="1575917" y="2239565"/>
-                </a:cubicBezTo>
-                <a:cubicBezTo>
-                  <a:pt x="1572056" y="2229000"/>
-                  <a:pt x="1566809" y="2220438"/>
-                  <a:pt x="1560179" y="2213880"/>
-                </a:cubicBezTo>
-                <a:cubicBezTo>
-                  <a:pt x="1553548" y="2207323"/>
-                  <a:pt x="1544877" y="2202113"/>
-                  <a:pt x="1534166" y="2198251"/>
-                </a:cubicBezTo>
-                <a:cubicBezTo>
-                  <a:pt x="1523455" y="2194389"/>
-                  <a:pt x="1512161" y="2191730"/>
-                  <a:pt x="1500285" y="2190272"/>
-                </a:cubicBezTo>
-                <a:cubicBezTo>
-                  <a:pt x="1488408" y="2188815"/>
-                  <a:pt x="1474381" y="2188087"/>
-                  <a:pt x="1458206" y="2188087"/>
-                </a:cubicBezTo>
-                <a:close/>
-                <a:moveTo>
-                  <a:pt x="6160556" y="2184370"/>
-                </a:moveTo>
-                <a:cubicBezTo>
-                  <a:pt x="6114215" y="2184370"/>
-                  <a:pt x="6076726" y="2199271"/>
-                  <a:pt x="6048091" y="2229072"/>
-                </a:cubicBezTo>
-                <a:cubicBezTo>
-                  <a:pt x="6019455" y="2258874"/>
-                  <a:pt x="6005138" y="2298402"/>
-                  <a:pt x="6005138" y="2347658"/>
-                </a:cubicBezTo>
-                <a:cubicBezTo>
-                  <a:pt x="6005138" y="2399537"/>
-                  <a:pt x="6018836" y="2440195"/>
-                  <a:pt x="6046233" y="2469632"/>
-                </a:cubicBezTo>
-                <a:cubicBezTo>
-                  <a:pt x="6073629" y="2499069"/>
-                  <a:pt x="6110717" y="2513788"/>
-                  <a:pt x="6157496" y="2513788"/>
-                </a:cubicBezTo>
-                <a:cubicBezTo>
-                  <a:pt x="6194364" y="2513788"/>
-                  <a:pt x="6225040" y="2506501"/>
-                  <a:pt x="6249523" y="2491928"/>
-                </a:cubicBezTo>
-                <a:lnTo>
-                  <a:pt x="6241653" y="2445587"/>
-                </a:lnTo>
-                <a:cubicBezTo>
-                  <a:pt x="6215277" y="2458994"/>
-                  <a:pt x="6188681" y="2465697"/>
-                  <a:pt x="6161868" y="2465697"/>
-                </a:cubicBezTo>
-                <a:cubicBezTo>
-                  <a:pt x="6131265" y="2465697"/>
-                  <a:pt x="6107693" y="2455569"/>
-                  <a:pt x="6091153" y="2435313"/>
-                </a:cubicBezTo>
-                <a:cubicBezTo>
-                  <a:pt x="6074613" y="2415057"/>
-                  <a:pt x="6066343" y="2386422"/>
-                  <a:pt x="6066343" y="2349407"/>
-                </a:cubicBezTo>
-                <a:cubicBezTo>
-                  <a:pt x="6066343" y="2313704"/>
-                  <a:pt x="6074904" y="2285250"/>
-                  <a:pt x="6092028" y="2264047"/>
-                </a:cubicBezTo>
-                <a:cubicBezTo>
-                  <a:pt x="6109150" y="2242844"/>
-                  <a:pt x="6132430" y="2232242"/>
-                  <a:pt x="6161868" y="2232242"/>
-                </a:cubicBezTo>
-                <a:cubicBezTo>
-                  <a:pt x="6187078" y="2232242"/>
-                  <a:pt x="6212144" y="2239893"/>
-                  <a:pt x="6237063" y="2255194"/>
-                </a:cubicBezTo>
-                <a:lnTo>
-                  <a:pt x="6255643" y="2210383"/>
-                </a:lnTo>
-                <a:cubicBezTo>
-                  <a:pt x="6229704" y="2193041"/>
-                  <a:pt x="6198008" y="2184370"/>
-                  <a:pt x="6160556" y="2184370"/>
-                </a:cubicBezTo>
-                <a:close/>
-                <a:moveTo>
-                  <a:pt x="5254899" y="2184370"/>
-                </a:moveTo>
-                <a:cubicBezTo>
-                  <a:pt x="5220945" y="2184370"/>
-                  <a:pt x="5191508" y="2191292"/>
-                  <a:pt x="5166588" y="2205137"/>
-                </a:cubicBezTo>
-                <a:cubicBezTo>
-                  <a:pt x="5141669" y="2218981"/>
-                  <a:pt x="5122798" y="2238253"/>
-                  <a:pt x="5109973" y="2262954"/>
-                </a:cubicBezTo>
-                <a:cubicBezTo>
-                  <a:pt x="5097149" y="2287655"/>
-                  <a:pt x="5090737" y="2316254"/>
-                  <a:pt x="5090737" y="2348751"/>
-                </a:cubicBezTo>
-                <a:cubicBezTo>
-                  <a:pt x="5090737" y="2399901"/>
-                  <a:pt x="5104472" y="2440195"/>
-                  <a:pt x="5131942" y="2469632"/>
-                </a:cubicBezTo>
-                <a:cubicBezTo>
-                  <a:pt x="5159412" y="2499069"/>
-                  <a:pt x="5197556" y="2513788"/>
-                  <a:pt x="5246374" y="2513788"/>
-                </a:cubicBezTo>
-                <a:cubicBezTo>
-                  <a:pt x="5267068" y="2513788"/>
-                  <a:pt x="5286267" y="2511820"/>
-                  <a:pt x="5303973" y="2507886"/>
-                </a:cubicBezTo>
-                <a:cubicBezTo>
-                  <a:pt x="5321679" y="2503951"/>
-                  <a:pt x="5340442" y="2497903"/>
-                  <a:pt x="5360260" y="2489743"/>
-                </a:cubicBezTo>
-                <a:lnTo>
-                  <a:pt x="5360260" y="2335198"/>
-                </a:lnTo>
-                <a:lnTo>
-                  <a:pt x="5237849" y="2335198"/>
-                </a:lnTo>
-                <a:lnTo>
-                  <a:pt x="5237412" y="2381758"/>
-                </a:lnTo>
-                <a:lnTo>
-                  <a:pt x="5304520" y="2381758"/>
-                </a:lnTo>
-                <a:lnTo>
-                  <a:pt x="5304520" y="2456079"/>
-                </a:lnTo>
-                <a:cubicBezTo>
-                  <a:pt x="5287907" y="2462491"/>
-                  <a:pt x="5269399" y="2465697"/>
-                  <a:pt x="5248997" y="2465697"/>
-                </a:cubicBezTo>
-                <a:cubicBezTo>
-                  <a:pt x="5217229" y="2465697"/>
-                  <a:pt x="5193111" y="2455278"/>
-                  <a:pt x="5176644" y="2434439"/>
-                </a:cubicBezTo>
-                <a:cubicBezTo>
-                  <a:pt x="5160177" y="2413600"/>
-                  <a:pt x="5151943" y="2385256"/>
-                  <a:pt x="5151943" y="2349407"/>
-                </a:cubicBezTo>
-                <a:cubicBezTo>
-                  <a:pt x="5151943" y="2313266"/>
-                  <a:pt x="5161197" y="2284704"/>
-                  <a:pt x="5179704" y="2263719"/>
-                </a:cubicBezTo>
-                <a:cubicBezTo>
-                  <a:pt x="5198212" y="2242734"/>
-                  <a:pt x="5223641" y="2232242"/>
-                  <a:pt x="5255992" y="2232242"/>
-                </a:cubicBezTo>
-                <a:cubicBezTo>
-                  <a:pt x="5282660" y="2232242"/>
-                  <a:pt x="5309256" y="2239383"/>
-                  <a:pt x="5335778" y="2253664"/>
-                </a:cubicBezTo>
-                <a:lnTo>
-                  <a:pt x="5355014" y="2209508"/>
-                </a:lnTo>
-                <a:cubicBezTo>
-                  <a:pt x="5327180" y="2192750"/>
-                  <a:pt x="5293809" y="2184370"/>
-                  <a:pt x="5254899" y="2184370"/>
-                </a:cubicBezTo>
-                <a:close/>
-                <a:moveTo>
-                  <a:pt x="2541056" y="2184370"/>
-                </a:moveTo>
-                <a:cubicBezTo>
-                  <a:pt x="2494714" y="2184370"/>
-                  <a:pt x="2457226" y="2199271"/>
-                  <a:pt x="2428591" y="2229072"/>
-                </a:cubicBezTo>
-                <a:cubicBezTo>
-                  <a:pt x="2399955" y="2258874"/>
-                  <a:pt x="2385638" y="2298402"/>
-                  <a:pt x="2385638" y="2347658"/>
-                </a:cubicBezTo>
-                <a:cubicBezTo>
-                  <a:pt x="2385638" y="2399537"/>
-                  <a:pt x="2399336" y="2440195"/>
-                  <a:pt x="2426733" y="2469632"/>
-                </a:cubicBezTo>
-                <a:cubicBezTo>
-                  <a:pt x="2454129" y="2499069"/>
-                  <a:pt x="2491217" y="2513788"/>
-                  <a:pt x="2537996" y="2513788"/>
-                </a:cubicBezTo>
-                <a:cubicBezTo>
-                  <a:pt x="2574865" y="2513788"/>
-                  <a:pt x="2605540" y="2506501"/>
-                  <a:pt x="2630023" y="2491928"/>
-                </a:cubicBezTo>
-                <a:lnTo>
-                  <a:pt x="2622153" y="2445587"/>
-                </a:lnTo>
-                <a:cubicBezTo>
-                  <a:pt x="2595776" y="2458994"/>
-                  <a:pt x="2569181" y="2465697"/>
-                  <a:pt x="2542367" y="2465697"/>
-                </a:cubicBezTo>
-                <a:cubicBezTo>
-                  <a:pt x="2511765" y="2465697"/>
-                  <a:pt x="2488193" y="2455569"/>
-                  <a:pt x="2471653" y="2435313"/>
-                </a:cubicBezTo>
-                <a:cubicBezTo>
-                  <a:pt x="2455113" y="2415057"/>
-                  <a:pt x="2446843" y="2386422"/>
-                  <a:pt x="2446843" y="2349407"/>
-                </a:cubicBezTo>
-                <a:cubicBezTo>
-                  <a:pt x="2446843" y="2313704"/>
-                  <a:pt x="2455404" y="2285250"/>
-                  <a:pt x="2472527" y="2264047"/>
-                </a:cubicBezTo>
-                <a:cubicBezTo>
-                  <a:pt x="2489650" y="2242844"/>
-                  <a:pt x="2512930" y="2232242"/>
-                  <a:pt x="2542367" y="2232242"/>
-                </a:cubicBezTo>
-                <a:cubicBezTo>
-                  <a:pt x="2567578" y="2232242"/>
-                  <a:pt x="2592643" y="2239893"/>
-                  <a:pt x="2617563" y="2255194"/>
-                </a:cubicBezTo>
-                <a:lnTo>
-                  <a:pt x="2636143" y="2210383"/>
-                </a:lnTo>
-                <a:cubicBezTo>
-                  <a:pt x="2610203" y="2193041"/>
-                  <a:pt x="2578508" y="2184370"/>
-                  <a:pt x="2541056" y="2184370"/>
-                </a:cubicBezTo>
-                <a:close/>
-                <a:moveTo>
-                  <a:pt x="1122994" y="2176622"/>
-                </a:moveTo>
-                <a:cubicBezTo>
-                  <a:pt x="1123908" y="2180098"/>
-                  <a:pt x="1140830" y="2234612"/>
-                  <a:pt x="1173758" y="2340166"/>
-                </a:cubicBezTo>
-                <a:lnTo>
-                  <a:pt x="1070583" y="2340166"/>
-                </a:lnTo>
-                <a:close/>
-                <a:moveTo>
-                  <a:pt x="6939620" y="2107198"/>
-                </a:moveTo>
-                <a:lnTo>
-                  <a:pt x="6939620" y="2166744"/>
-                </a:lnTo>
-                <a:lnTo>
-                  <a:pt x="7056790" y="2166744"/>
-                </a:lnTo>
-                <a:lnTo>
-                  <a:pt x="7056790" y="2509197"/>
-                </a:lnTo>
-                <a:lnTo>
-                  <a:pt x="7131427" y="2509197"/>
-                </a:lnTo>
-                <a:lnTo>
-                  <a:pt x="7131427" y="2166744"/>
-                </a:lnTo>
-                <a:lnTo>
-                  <a:pt x="7248048" y="2166744"/>
-                </a:lnTo>
-                <a:lnTo>
-                  <a:pt x="7248048" y="2107198"/>
-                </a:lnTo>
-                <a:close/>
-                <a:moveTo>
-                  <a:pt x="6819130" y="2107198"/>
-                </a:moveTo>
-                <a:lnTo>
-                  <a:pt x="6819130" y="2509197"/>
-                </a:lnTo>
-                <a:lnTo>
-                  <a:pt x="6893493" y="2509197"/>
-                </a:lnTo>
-                <a:lnTo>
-                  <a:pt x="6893493" y="2107198"/>
-                </a:lnTo>
-                <a:close/>
-                <a:moveTo>
-                  <a:pt x="3504429" y="2107198"/>
-                </a:moveTo>
-                <a:lnTo>
-                  <a:pt x="3504429" y="2509197"/>
-                </a:lnTo>
-                <a:lnTo>
-                  <a:pt x="3578792" y="2509197"/>
-                </a:lnTo>
-                <a:lnTo>
-                  <a:pt x="3578792" y="2107198"/>
-                </a:lnTo>
-                <a:close/>
-                <a:moveTo>
-                  <a:pt x="1082108" y="2106924"/>
-                </a:moveTo>
-                <a:lnTo>
-                  <a:pt x="934205" y="2509197"/>
-                </a:lnTo>
-                <a:lnTo>
-                  <a:pt x="1011861" y="2509197"/>
-                </a:lnTo>
-                <a:lnTo>
-                  <a:pt x="1051924" y="2395595"/>
-                </a:lnTo>
-                <a:lnTo>
-                  <a:pt x="1192692" y="2395595"/>
-                </a:lnTo>
-                <a:lnTo>
-                  <a:pt x="1232480" y="2509197"/>
-                </a:lnTo>
-                <a:lnTo>
-                  <a:pt x="1308764" y="2509197"/>
-                </a:lnTo>
-                <a:lnTo>
-                  <a:pt x="1163056" y="2106924"/>
-                </a:lnTo>
-                <a:close/>
-                <a:moveTo>
-                  <a:pt x="6701625" y="2100613"/>
-                </a:moveTo>
-                <a:lnTo>
-                  <a:pt x="6530947" y="2561059"/>
-                </a:lnTo>
-                <a:lnTo>
-                  <a:pt x="6589395" y="2561059"/>
-                </a:lnTo>
-                <a:lnTo>
-                  <a:pt x="6761445" y="2100613"/>
-                </a:lnTo>
-                <a:close/>
-                <a:moveTo>
-                  <a:pt x="5670257" y="1512216"/>
-                </a:moveTo>
-                <a:lnTo>
-                  <a:pt x="5670257" y="1632154"/>
-                </a:lnTo>
-                <a:cubicBezTo>
-                  <a:pt x="5657751" y="1655538"/>
-                  <a:pt x="5636942" y="1675434"/>
-                  <a:pt x="5607832" y="1691840"/>
-                </a:cubicBezTo>
-                <a:cubicBezTo>
-                  <a:pt x="5578722" y="1708247"/>
-                  <a:pt x="5544544" y="1716450"/>
-                  <a:pt x="5505299" y="1716450"/>
-                </a:cubicBezTo>
-                <a:cubicBezTo>
-                  <a:pt x="5472523" y="1716450"/>
-                  <a:pt x="5447294" y="1709378"/>
-                  <a:pt x="5429613" y="1695234"/>
-                </a:cubicBezTo>
-                <a:cubicBezTo>
-                  <a:pt x="5411931" y="1681091"/>
-                  <a:pt x="5403090" y="1660818"/>
-                  <a:pt x="5403090" y="1634417"/>
-                </a:cubicBezTo>
-                <a:cubicBezTo>
-                  <a:pt x="5403090" y="1595946"/>
-                  <a:pt x="5419046" y="1568036"/>
-                  <a:pt x="5450960" y="1550687"/>
-                </a:cubicBezTo>
-                <a:cubicBezTo>
-                  <a:pt x="5482873" y="1533337"/>
-                  <a:pt x="5533115" y="1522022"/>
-                  <a:pt x="5601686" y="1516741"/>
-                </a:cubicBezTo>
-                <a:cubicBezTo>
-                  <a:pt x="5603412" y="1516741"/>
-                  <a:pt x="5614947" y="1515988"/>
-                  <a:pt x="5636295" y="1514479"/>
-                </a:cubicBezTo>
-                <a:cubicBezTo>
-                  <a:pt x="5657643" y="1512970"/>
-                  <a:pt x="5668964" y="1512216"/>
-                  <a:pt x="5670257" y="1512216"/>
-                </a:cubicBezTo>
-                <a:close/>
-                <a:moveTo>
-                  <a:pt x="4414199" y="1285917"/>
-                </a:moveTo>
-                <a:cubicBezTo>
-                  <a:pt x="4472419" y="1285917"/>
-                  <a:pt x="4516193" y="1303455"/>
-                  <a:pt x="4545518" y="1338531"/>
-                </a:cubicBezTo>
-                <a:cubicBezTo>
-                  <a:pt x="4574845" y="1373608"/>
-                  <a:pt x="4589507" y="1429428"/>
-                  <a:pt x="4589507" y="1505992"/>
-                </a:cubicBezTo>
-                <a:cubicBezTo>
-                  <a:pt x="4587782" y="1641394"/>
-                  <a:pt x="4529993" y="1709095"/>
-                  <a:pt x="4416139" y="1709095"/>
-                </a:cubicBezTo>
-                <a:cubicBezTo>
-                  <a:pt x="4363956" y="1709095"/>
-                  <a:pt x="4322663" y="1690991"/>
-                  <a:pt x="4292259" y="1654784"/>
-                </a:cubicBezTo>
-                <a:cubicBezTo>
-                  <a:pt x="4261855" y="1618576"/>
-                  <a:pt x="4246653" y="1565961"/>
-                  <a:pt x="4246653" y="1496941"/>
-                </a:cubicBezTo>
-                <a:cubicBezTo>
-                  <a:pt x="4246653" y="1427542"/>
-                  <a:pt x="4261855" y="1375023"/>
-                  <a:pt x="4292259" y="1339380"/>
-                </a:cubicBezTo>
-                <a:cubicBezTo>
-                  <a:pt x="4322663" y="1303738"/>
-                  <a:pt x="4363309" y="1285917"/>
-                  <a:pt x="4414199" y="1285917"/>
-                </a:cubicBezTo>
-                <a:close/>
-                <a:moveTo>
-                  <a:pt x="3632044" y="1284786"/>
-                </a:moveTo>
-                <a:cubicBezTo>
-                  <a:pt x="3690264" y="1284786"/>
-                  <a:pt x="3733822" y="1302889"/>
-                  <a:pt x="3762716" y="1339097"/>
-                </a:cubicBezTo>
-                <a:cubicBezTo>
-                  <a:pt x="3791611" y="1375305"/>
-                  <a:pt x="3806058" y="1427920"/>
-                  <a:pt x="3806058" y="1496941"/>
-                </a:cubicBezTo>
-                <a:cubicBezTo>
-                  <a:pt x="3806058" y="1565208"/>
-                  <a:pt x="3791611" y="1617633"/>
-                  <a:pt x="3762716" y="1654218"/>
-                </a:cubicBezTo>
-                <a:cubicBezTo>
-                  <a:pt x="3733822" y="1690803"/>
-                  <a:pt x="3690695" y="1709095"/>
-                  <a:pt x="3633337" y="1709095"/>
-                </a:cubicBezTo>
-                <a:cubicBezTo>
-                  <a:pt x="3575548" y="1709095"/>
-                  <a:pt x="3531991" y="1690803"/>
-                  <a:pt x="3502664" y="1654218"/>
-                </a:cubicBezTo>
-                <a:cubicBezTo>
-                  <a:pt x="3473338" y="1617633"/>
-                  <a:pt x="3458675" y="1565396"/>
-                  <a:pt x="3458675" y="1497507"/>
-                </a:cubicBezTo>
-                <a:cubicBezTo>
-                  <a:pt x="3458675" y="1428485"/>
-                  <a:pt x="3473231" y="1375776"/>
-                  <a:pt x="3502341" y="1339380"/>
-                </a:cubicBezTo>
-                <a:cubicBezTo>
-                  <a:pt x="3531451" y="1302984"/>
-                  <a:pt x="3574685" y="1284786"/>
-                  <a:pt x="3632044" y="1284786"/>
-                </a:cubicBezTo>
-                <a:close/>
-                <a:moveTo>
-                  <a:pt x="4929287" y="1188043"/>
-                </a:moveTo>
-                <a:lnTo>
-                  <a:pt x="4929287" y="1809798"/>
-                </a:lnTo>
-                <a:lnTo>
-                  <a:pt x="5098775" y="1809798"/>
-                </a:lnTo>
-                <a:lnTo>
-                  <a:pt x="5098775" y="1188043"/>
-                </a:lnTo>
-                <a:close/>
-                <a:moveTo>
-                  <a:pt x="6399164" y="1172768"/>
-                </a:moveTo>
-                <a:cubicBezTo>
-                  <a:pt x="6372857" y="1172768"/>
-                  <a:pt x="6348167" y="1174842"/>
-                  <a:pt x="6325094" y="1178991"/>
-                </a:cubicBezTo>
-                <a:cubicBezTo>
-                  <a:pt x="6302022" y="1183140"/>
-                  <a:pt x="6282615" y="1188231"/>
-                  <a:pt x="6266874" y="1194266"/>
-                </a:cubicBezTo>
-                <a:cubicBezTo>
-                  <a:pt x="6251133" y="1200301"/>
-                  <a:pt x="6236254" y="1207938"/>
-                  <a:pt x="6222238" y="1217178"/>
-                </a:cubicBezTo>
-                <a:cubicBezTo>
-                  <a:pt x="6208223" y="1226419"/>
-                  <a:pt x="6197225" y="1234717"/>
-                  <a:pt x="6189246" y="1242072"/>
-                </a:cubicBezTo>
-                <a:cubicBezTo>
-                  <a:pt x="6181268" y="1249427"/>
-                  <a:pt x="6172966" y="1257818"/>
-                  <a:pt x="6164341" y="1267248"/>
-                </a:cubicBezTo>
-                <a:lnTo>
-                  <a:pt x="6144934" y="1188043"/>
-                </a:lnTo>
-                <a:lnTo>
-                  <a:pt x="6007793" y="1188043"/>
-                </a:lnTo>
-                <a:lnTo>
-                  <a:pt x="6007793" y="1809798"/>
-                </a:lnTo>
-                <a:lnTo>
-                  <a:pt x="6177279" y="1809798"/>
-                </a:lnTo>
-                <a:lnTo>
-                  <a:pt x="6177279" y="1508256"/>
-                </a:lnTo>
-                <a:cubicBezTo>
-                  <a:pt x="6177279" y="1455075"/>
-                  <a:pt x="6182239" y="1409439"/>
-                  <a:pt x="6192158" y="1371345"/>
-                </a:cubicBezTo>
-                <a:cubicBezTo>
-                  <a:pt x="6205527" y="1345698"/>
-                  <a:pt x="6225149" y="1324953"/>
-                  <a:pt x="6251025" y="1309113"/>
-                </a:cubicBezTo>
-                <a:cubicBezTo>
-                  <a:pt x="6276901" y="1293272"/>
-                  <a:pt x="6307736" y="1285351"/>
-                  <a:pt x="6343531" y="1285351"/>
-                </a:cubicBezTo>
-                <a:cubicBezTo>
-                  <a:pt x="6387520" y="1285351"/>
-                  <a:pt x="6417924" y="1298929"/>
-                  <a:pt x="6434744" y="1326085"/>
-                </a:cubicBezTo>
-                <a:cubicBezTo>
-                  <a:pt x="6451563" y="1353241"/>
-                  <a:pt x="6459973" y="1394540"/>
-                  <a:pt x="6459973" y="1449983"/>
-                </a:cubicBezTo>
-                <a:lnTo>
-                  <a:pt x="6459973" y="1809798"/>
-                </a:lnTo>
-                <a:lnTo>
-                  <a:pt x="6629459" y="1809798"/>
-                </a:lnTo>
-                <a:lnTo>
-                  <a:pt x="6629459" y="1446023"/>
-                </a:lnTo>
-                <a:cubicBezTo>
-                  <a:pt x="6633772" y="1413587"/>
-                  <a:pt x="6641965" y="1385865"/>
-                  <a:pt x="6654041" y="1362858"/>
-                </a:cubicBezTo>
-                <a:cubicBezTo>
-                  <a:pt x="6682935" y="1310810"/>
-                  <a:pt x="6730374" y="1284786"/>
-                  <a:pt x="6796357" y="1284786"/>
-                </a:cubicBezTo>
-                <a:cubicBezTo>
-                  <a:pt x="6839484" y="1284786"/>
-                  <a:pt x="6868702" y="1298269"/>
-                  <a:pt x="6884012" y="1325236"/>
-                </a:cubicBezTo>
-                <a:cubicBezTo>
-                  <a:pt x="6899322" y="1352204"/>
-                  <a:pt x="6906976" y="1396049"/>
-                  <a:pt x="6906976" y="1456772"/>
-                </a:cubicBezTo>
-                <a:lnTo>
-                  <a:pt x="6906976" y="1809798"/>
-                </a:lnTo>
-                <a:lnTo>
-                  <a:pt x="7077110" y="1809798"/>
-                </a:lnTo>
-                <a:lnTo>
-                  <a:pt x="7077110" y="1412644"/>
-                </a:lnTo>
-                <a:cubicBezTo>
-                  <a:pt x="7077110" y="1333440"/>
-                  <a:pt x="7058026" y="1273659"/>
-                  <a:pt x="7019860" y="1233303"/>
-                </a:cubicBezTo>
-                <a:cubicBezTo>
-                  <a:pt x="6981693" y="1192946"/>
-                  <a:pt x="6921855" y="1172768"/>
-                  <a:pt x="6840346" y="1172768"/>
-                </a:cubicBezTo>
-                <a:cubicBezTo>
-                  <a:pt x="6790751" y="1172768"/>
-                  <a:pt x="6745684" y="1181442"/>
-                  <a:pt x="6705145" y="1198792"/>
-                </a:cubicBezTo>
-                <a:cubicBezTo>
-                  <a:pt x="6664606" y="1216142"/>
-                  <a:pt x="6631615" y="1240846"/>
-                  <a:pt x="6606171" y="1272905"/>
-                </a:cubicBezTo>
-                <a:cubicBezTo>
-                  <a:pt x="6592370" y="1246126"/>
-                  <a:pt x="6568543" y="1222742"/>
-                  <a:pt x="6534689" y="1202752"/>
-                </a:cubicBezTo>
-                <a:cubicBezTo>
-                  <a:pt x="6500834" y="1182762"/>
-                  <a:pt x="6455660" y="1172768"/>
-                  <a:pt x="6399164" y="1172768"/>
-                </a:cubicBezTo>
-                <a:close/>
-                <a:moveTo>
-                  <a:pt x="5565460" y="1172768"/>
-                </a:moveTo>
-                <a:cubicBezTo>
-                  <a:pt x="5467994" y="1172768"/>
-                  <a:pt x="5377430" y="1188420"/>
-                  <a:pt x="5293764" y="1219725"/>
-                </a:cubicBezTo>
-                <a:cubicBezTo>
-                  <a:pt x="5294195" y="1220479"/>
-                  <a:pt x="5301312" y="1237451"/>
-                  <a:pt x="5315112" y="1270642"/>
-                </a:cubicBezTo>
-                <a:cubicBezTo>
-                  <a:pt x="5328912" y="1303832"/>
-                  <a:pt x="5336028" y="1320993"/>
-                  <a:pt x="5336459" y="1322125"/>
-                </a:cubicBezTo>
-                <a:cubicBezTo>
-                  <a:pt x="5421418" y="1293837"/>
-                  <a:pt x="5492793" y="1279694"/>
-                  <a:pt x="5550582" y="1279694"/>
-                </a:cubicBezTo>
-                <a:cubicBezTo>
-                  <a:pt x="5591120" y="1279694"/>
-                  <a:pt x="5621309" y="1288274"/>
-                  <a:pt x="5641147" y="1305436"/>
-                </a:cubicBezTo>
-                <a:cubicBezTo>
-                  <a:pt x="5660985" y="1322596"/>
-                  <a:pt x="5670904" y="1350035"/>
-                  <a:pt x="5670904" y="1387751"/>
-                </a:cubicBezTo>
-                <a:lnTo>
-                  <a:pt x="5670904" y="1420565"/>
-                </a:lnTo>
-                <a:cubicBezTo>
-                  <a:pt x="5659691" y="1421696"/>
-                  <a:pt x="5644382" y="1423017"/>
-                  <a:pt x="5624974" y="1424525"/>
-                </a:cubicBezTo>
-                <a:cubicBezTo>
-                  <a:pt x="5605568" y="1426034"/>
-                  <a:pt x="5588102" y="1427542"/>
-                  <a:pt x="5572576" y="1429051"/>
-                </a:cubicBezTo>
-                <a:cubicBezTo>
-                  <a:pt x="5557051" y="1430559"/>
-                  <a:pt x="5542604" y="1432068"/>
-                  <a:pt x="5529234" y="1433577"/>
-                </a:cubicBezTo>
-                <a:cubicBezTo>
-                  <a:pt x="5431768" y="1441874"/>
-                  <a:pt x="5358885" y="1461581"/>
-                  <a:pt x="5310584" y="1492697"/>
-                </a:cubicBezTo>
-                <a:cubicBezTo>
-                  <a:pt x="5262282" y="1523813"/>
-                  <a:pt x="5238132" y="1571619"/>
-                  <a:pt x="5238132" y="1636114"/>
-                </a:cubicBezTo>
-                <a:cubicBezTo>
-                  <a:pt x="5238132" y="1696084"/>
-                  <a:pt x="5258508" y="1742003"/>
-                  <a:pt x="5299263" y="1773874"/>
-                </a:cubicBezTo>
-                <a:cubicBezTo>
-                  <a:pt x="5340017" y="1805744"/>
-                  <a:pt x="5393386" y="1821679"/>
-                  <a:pt x="5459369" y="1821679"/>
-                </a:cubicBezTo>
-                <a:cubicBezTo>
-                  <a:pt x="5507671" y="1821679"/>
-                  <a:pt x="5548749" y="1814608"/>
-                  <a:pt x="5582603" y="1800464"/>
-                </a:cubicBezTo>
-                <a:cubicBezTo>
-                  <a:pt x="5616457" y="1786320"/>
-                  <a:pt x="5651066" y="1764161"/>
-                  <a:pt x="5686430" y="1733988"/>
-                </a:cubicBezTo>
-                <a:cubicBezTo>
-                  <a:pt x="5686430" y="1735497"/>
-                  <a:pt x="5690958" y="1748132"/>
-                  <a:pt x="5700014" y="1771893"/>
-                </a:cubicBezTo>
-                <a:cubicBezTo>
-                  <a:pt x="5709071" y="1795655"/>
-                  <a:pt x="5713815" y="1808290"/>
-                  <a:pt x="5714246" y="1809798"/>
-                </a:cubicBezTo>
-                <a:lnTo>
-                  <a:pt x="5839744" y="1809798"/>
-                </a:lnTo>
-                <a:lnTo>
-                  <a:pt x="5839744" y="1404158"/>
-                </a:lnTo>
-                <a:cubicBezTo>
-                  <a:pt x="5839744" y="1322691"/>
-                  <a:pt x="5817965" y="1263759"/>
-                  <a:pt x="5774407" y="1227362"/>
-                </a:cubicBezTo>
-                <a:cubicBezTo>
-                  <a:pt x="5730850" y="1190966"/>
-                  <a:pt x="5661201" y="1172768"/>
-                  <a:pt x="5565460" y="1172768"/>
-                </a:cubicBezTo>
-                <a:close/>
-                <a:moveTo>
-                  <a:pt x="3635924" y="1172768"/>
-                </a:moveTo>
-                <a:cubicBezTo>
-                  <a:pt x="3525953" y="1172768"/>
-                  <a:pt x="3440778" y="1201715"/>
-                  <a:pt x="3380402" y="1259610"/>
-                </a:cubicBezTo>
-                <a:cubicBezTo>
-                  <a:pt x="3320024" y="1317504"/>
-                  <a:pt x="3289836" y="1396615"/>
-                  <a:pt x="3289836" y="1496941"/>
-                </a:cubicBezTo>
-                <a:cubicBezTo>
-                  <a:pt x="3289836" y="1594249"/>
-                  <a:pt x="3320024" y="1672699"/>
-                  <a:pt x="3380402" y="1732291"/>
-                </a:cubicBezTo>
-                <a:cubicBezTo>
-                  <a:pt x="3440778" y="1791883"/>
-                  <a:pt x="3523581" y="1821679"/>
-                  <a:pt x="3628809" y="1821679"/>
-                </a:cubicBezTo>
-                <a:cubicBezTo>
-                  <a:pt x="3738350" y="1821679"/>
-                  <a:pt x="3823524" y="1792355"/>
-                  <a:pt x="3884333" y="1733705"/>
-                </a:cubicBezTo>
-                <a:cubicBezTo>
-                  <a:pt x="3945141" y="1675057"/>
-                  <a:pt x="3975544" y="1596134"/>
-                  <a:pt x="3975544" y="1496941"/>
-                </a:cubicBezTo>
-                <a:cubicBezTo>
-                  <a:pt x="3975544" y="1398878"/>
-                  <a:pt x="3945464" y="1320333"/>
-                  <a:pt x="3885303" y="1261307"/>
-                </a:cubicBezTo>
-                <a:cubicBezTo>
-                  <a:pt x="3825142" y="1202281"/>
-                  <a:pt x="3742015" y="1172768"/>
-                  <a:pt x="3635924" y="1172768"/>
-                </a:cubicBezTo>
-                <a:close/>
-                <a:moveTo>
-                  <a:pt x="2906067" y="1172768"/>
-                </a:moveTo>
-                <a:cubicBezTo>
-                  <a:pt x="2817658" y="1172768"/>
-                  <a:pt x="2737227" y="1204072"/>
-                  <a:pt x="2664775" y="1266682"/>
-                </a:cubicBezTo>
-                <a:lnTo>
-                  <a:pt x="2646015" y="1188043"/>
-                </a:lnTo>
-                <a:lnTo>
-                  <a:pt x="2509521" y="1188043"/>
-                </a:lnTo>
-                <a:lnTo>
-                  <a:pt x="2509521" y="1809798"/>
-                </a:lnTo>
-                <a:lnTo>
-                  <a:pt x="2679007" y="1809798"/>
-                </a:lnTo>
-                <a:lnTo>
-                  <a:pt x="2679007" y="1507124"/>
-                </a:lnTo>
-                <a:cubicBezTo>
-                  <a:pt x="2679007" y="1446023"/>
-                  <a:pt x="2683104" y="1400764"/>
-                  <a:pt x="2691298" y="1371345"/>
-                </a:cubicBezTo>
-                <a:cubicBezTo>
-                  <a:pt x="2705098" y="1346452"/>
-                  <a:pt x="2727201" y="1325802"/>
-                  <a:pt x="2757605" y="1309396"/>
-                </a:cubicBezTo>
-                <a:cubicBezTo>
-                  <a:pt x="2788009" y="1292989"/>
-                  <a:pt x="2821539" y="1284786"/>
-                  <a:pt x="2858197" y="1284786"/>
-                </a:cubicBezTo>
-                <a:cubicBezTo>
-                  <a:pt x="2905205" y="1284786"/>
-                  <a:pt x="2937765" y="1297232"/>
-                  <a:pt x="2955878" y="1322125"/>
-                </a:cubicBezTo>
-                <a:cubicBezTo>
-                  <a:pt x="2973991" y="1347018"/>
-                  <a:pt x="2983263" y="1384546"/>
-                  <a:pt x="2983695" y="1434709"/>
-                </a:cubicBezTo>
-                <a:lnTo>
-                  <a:pt x="2983695" y="1809798"/>
-                </a:lnTo>
-                <a:lnTo>
-                  <a:pt x="3153828" y="1809798"/>
-                </a:lnTo>
-                <a:lnTo>
-                  <a:pt x="3153828" y="1416605"/>
-                </a:lnTo>
-                <a:cubicBezTo>
-                  <a:pt x="3153828" y="1337400"/>
-                  <a:pt x="3133235" y="1276959"/>
-                  <a:pt x="3092049" y="1235283"/>
-                </a:cubicBezTo>
-                <a:cubicBezTo>
-                  <a:pt x="3050864" y="1193606"/>
-                  <a:pt x="2988870" y="1172768"/>
-                  <a:pt x="2906067" y="1172768"/>
-                </a:cubicBezTo>
-                <a:close/>
-                <a:moveTo>
-                  <a:pt x="4929287" y="970796"/>
-                </a:moveTo>
-                <a:lnTo>
-                  <a:pt x="4929287" y="1097523"/>
-                </a:lnTo>
-                <a:lnTo>
-                  <a:pt x="5099421" y="1097523"/>
-                </a:lnTo>
-                <a:lnTo>
-                  <a:pt x="5099421" y="970796"/>
-                </a:lnTo>
-                <a:close/>
-                <a:moveTo>
-                  <a:pt x="4752525" y="949298"/>
-                </a:moveTo>
-                <a:lnTo>
-                  <a:pt x="4583038" y="958915"/>
-                </a:lnTo>
-                <a:lnTo>
-                  <a:pt x="4583038" y="1159756"/>
-                </a:lnTo>
-                <a:cubicBezTo>
-                  <a:pt x="4583038" y="1194077"/>
-                  <a:pt x="4585195" y="1229720"/>
-                  <a:pt x="4589507" y="1266682"/>
-                </a:cubicBezTo>
-                <a:cubicBezTo>
-                  <a:pt x="4547675" y="1204072"/>
-                  <a:pt x="4476301" y="1172768"/>
-                  <a:pt x="4375385" y="1172768"/>
-                </a:cubicBezTo>
-                <a:cubicBezTo>
-                  <a:pt x="4282664" y="1172768"/>
-                  <a:pt x="4209888" y="1202092"/>
-                  <a:pt x="4157058" y="1260741"/>
-                </a:cubicBezTo>
-                <a:cubicBezTo>
-                  <a:pt x="4104228" y="1319390"/>
-                  <a:pt x="4077814" y="1396992"/>
-                  <a:pt x="4077814" y="1493546"/>
-                </a:cubicBezTo>
-                <a:cubicBezTo>
-                  <a:pt x="4077814" y="1593117"/>
-                  <a:pt x="4104336" y="1672699"/>
-                  <a:pt x="4157382" y="1732291"/>
-                </a:cubicBezTo>
-                <a:cubicBezTo>
-                  <a:pt x="4210427" y="1791883"/>
-                  <a:pt x="4283310" y="1821679"/>
-                  <a:pt x="4376032" y="1821679"/>
-                </a:cubicBezTo>
-                <a:cubicBezTo>
-                  <a:pt x="4401907" y="1821679"/>
-                  <a:pt x="4425519" y="1819511"/>
-                  <a:pt x="4446867" y="1815173"/>
-                </a:cubicBezTo>
-                <a:cubicBezTo>
-                  <a:pt x="4468215" y="1810836"/>
-                  <a:pt x="4485896" y="1805744"/>
-                  <a:pt x="4499913" y="1799897"/>
-                </a:cubicBezTo>
-                <a:cubicBezTo>
-                  <a:pt x="4513928" y="1794051"/>
-                  <a:pt x="4526974" y="1786320"/>
-                  <a:pt x="4539049" y="1776703"/>
-                </a:cubicBezTo>
-                <a:cubicBezTo>
-                  <a:pt x="4551125" y="1767085"/>
-                  <a:pt x="4560289" y="1758598"/>
-                  <a:pt x="4566543" y="1751243"/>
-                </a:cubicBezTo>
-                <a:cubicBezTo>
-                  <a:pt x="4572795" y="1743889"/>
-                  <a:pt x="4579588" y="1735120"/>
-                  <a:pt x="4586920" y="1724937"/>
-                </a:cubicBezTo>
-                <a:lnTo>
-                  <a:pt x="4605679" y="1809798"/>
-                </a:lnTo>
-                <a:lnTo>
-                  <a:pt x="4752525" y="1809798"/>
-                </a:lnTo>
-                <a:close/>
-                <a:moveTo>
-                  <a:pt x="1534659" y="480935"/>
-                </a:moveTo>
-                <a:cubicBezTo>
-                  <a:pt x="1089686" y="480935"/>
-                  <a:pt x="728963" y="812340"/>
-                  <a:pt x="728963" y="1221148"/>
-                </a:cubicBezTo>
-                <a:cubicBezTo>
-                  <a:pt x="728963" y="1629957"/>
-                  <a:pt x="1089686" y="1961361"/>
-                  <a:pt x="1534659" y="1961361"/>
-                </a:cubicBezTo>
-                <a:cubicBezTo>
-                  <a:pt x="1562471" y="1961361"/>
-                  <a:pt x="1589952" y="1960066"/>
-                  <a:pt x="1617037" y="1957539"/>
-                </a:cubicBezTo>
-                <a:lnTo>
-                  <a:pt x="1674559" y="1949474"/>
-                </a:lnTo>
-                <a:lnTo>
-                  <a:pt x="1703443" y="1946318"/>
-                </a:lnTo>
-                <a:lnTo>
-                  <a:pt x="1715166" y="1942039"/>
-                </a:lnTo>
-                <a:lnTo>
-                  <a:pt x="1755636" y="1932479"/>
-                </a:lnTo>
-                <a:lnTo>
-                  <a:pt x="1754334" y="1927746"/>
-                </a:lnTo>
-                <a:lnTo>
-                  <a:pt x="1772095" y="1921265"/>
-                </a:lnTo>
-                <a:lnTo>
-                  <a:pt x="1783044" y="1914082"/>
-                </a:lnTo>
-                <a:lnTo>
-                  <a:pt x="1825279" y="1890540"/>
-                </a:lnTo>
-                <a:cubicBezTo>
-                  <a:pt x="1870045" y="1856598"/>
-                  <a:pt x="1898578" y="1805232"/>
-                  <a:pt x="1898578" y="1747744"/>
-                </a:cubicBezTo>
-                <a:cubicBezTo>
-                  <a:pt x="1898578" y="1645541"/>
-                  <a:pt x="1808398" y="1562691"/>
-                  <a:pt x="1697155" y="1562691"/>
-                </a:cubicBezTo>
-                <a:lnTo>
-                  <a:pt x="1681947" y="1564099"/>
-                </a:lnTo>
-                <a:lnTo>
-                  <a:pt x="1678772" y="1565124"/>
-                </a:lnTo>
-                <a:cubicBezTo>
-                  <a:pt x="1666032" y="1568493"/>
-                  <a:pt x="1652418" y="1571394"/>
-                  <a:pt x="1638094" y="1573765"/>
-                </a:cubicBezTo>
-                <a:lnTo>
-                  <a:pt x="1628160" y="1574550"/>
-                </a:lnTo>
-                <a:lnTo>
-                  <a:pt x="1618751" y="1577233"/>
-                </a:lnTo>
-                <a:lnTo>
-                  <a:pt x="1603400" y="1584888"/>
-                </a:lnTo>
-                <a:lnTo>
-                  <a:pt x="1534659" y="1591254"/>
-                </a:lnTo>
-                <a:cubicBezTo>
-                  <a:pt x="1312172" y="1591254"/>
-                  <a:pt x="1131811" y="1425552"/>
-                  <a:pt x="1131811" y="1221148"/>
-                </a:cubicBezTo>
-                <a:cubicBezTo>
-                  <a:pt x="1131811" y="1016744"/>
-                  <a:pt x="1312172" y="851041"/>
-                  <a:pt x="1534659" y="851041"/>
-                </a:cubicBezTo>
-                <a:cubicBezTo>
-                  <a:pt x="1757146" y="851041"/>
-                  <a:pt x="1937507" y="1016744"/>
-                  <a:pt x="1937507" y="1221148"/>
-                </a:cubicBezTo>
-                <a:lnTo>
-                  <a:pt x="1936686" y="1228644"/>
-                </a:lnTo>
-                <a:lnTo>
-                  <a:pt x="1937729" y="1228653"/>
-                </a:lnTo>
-                <a:lnTo>
-                  <a:pt x="1937729" y="1657489"/>
-                </a:lnTo>
-                <a:lnTo>
-                  <a:pt x="1941987" y="1657489"/>
-                </a:lnTo>
-                <a:lnTo>
-                  <a:pt x="1940373" y="1672502"/>
-                </a:lnTo>
-                <a:cubicBezTo>
-                  <a:pt x="1940373" y="1776138"/>
-                  <a:pt x="2029913" y="1860152"/>
-                  <a:pt x="2140364" y="1860152"/>
-                </a:cubicBezTo>
-                <a:cubicBezTo>
-                  <a:pt x="2250816" y="1860152"/>
-                  <a:pt x="2340356" y="1776138"/>
-                  <a:pt x="2340356" y="1672502"/>
-                </a:cubicBezTo>
-                <a:lnTo>
-                  <a:pt x="2338742" y="1657489"/>
-                </a:lnTo>
-                <a:lnTo>
-                  <a:pt x="2340354" y="1657489"/>
-                </a:lnTo>
-                <a:lnTo>
-                  <a:pt x="2340354" y="1221162"/>
-                </a:lnTo>
-                <a:lnTo>
-                  <a:pt x="2340356" y="1221148"/>
-                </a:lnTo>
-                <a:lnTo>
-                  <a:pt x="2340354" y="1221134"/>
-                </a:lnTo>
-                <a:lnTo>
-                  <a:pt x="2340354" y="1180798"/>
-                </a:lnTo>
-                <a:lnTo>
-                  <a:pt x="2338138" y="1180798"/>
-                </a:lnTo>
-                <a:lnTo>
-                  <a:pt x="2336196" y="1145466"/>
-                </a:lnTo>
-                <a:cubicBezTo>
-                  <a:pt x="2294935" y="772208"/>
-                  <a:pt x="1951822" y="480935"/>
-                  <a:pt x="1534659" y="480935"/>
-                </a:cubicBezTo>
-                <a:close/>
-                <a:moveTo>
-                  <a:pt x="1617785" y="0"/>
-                </a:moveTo>
-                <a:lnTo>
-                  <a:pt x="6503111" y="0"/>
-                </a:lnTo>
-                <a:cubicBezTo>
-                  <a:pt x="7396589" y="0"/>
-                  <a:pt x="8120895" y="633447"/>
-                  <a:pt x="8120895" y="1414845"/>
-                </a:cubicBezTo>
-                <a:cubicBezTo>
-                  <a:pt x="8120895" y="2196243"/>
-                  <a:pt x="7396589" y="2829690"/>
-                  <a:pt x="6503111" y="2829690"/>
-                </a:cubicBezTo>
-                <a:lnTo>
-                  <a:pt x="1617785" y="2829690"/>
-                </a:lnTo>
-                <a:cubicBezTo>
-                  <a:pt x="724306" y="2829690"/>
-                  <a:pt x="0" y="2196243"/>
-                  <a:pt x="0" y="1414845"/>
-                </a:cubicBezTo>
-                <a:cubicBezTo>
-                  <a:pt x="0" y="633447"/>
-                  <a:pt x="724306" y="0"/>
-                  <a:pt x="1617785" y="0"/>
-                </a:cubicBezTo>
-                <a:close/>
-              </a:path>
-            </a:pathLst>
-          </a:custGeom>
-          <a:solidFill>
-            <a:schemeClr val="tx1"/>
-          </a:solidFill>
-          <a:ln>
-            <a:noFill/>
-          </a:ln>
-        </p:spPr>
-        <p:style>
-          <a:lnRef idx="2">
-            <a:schemeClr val="accent1">
-              <a:shade val="15000"/>
-            </a:schemeClr>
-          </a:lnRef>
-          <a:fillRef idx="1">
-            <a:schemeClr val="accent1"/>
-          </a:fillRef>
-          <a:effectRef idx="0">
-            <a:schemeClr val="accent1"/>
-          </a:effectRef>
-          <a:fontRef idx="minor">
-            <a:schemeClr val="lt1"/>
-          </a:fontRef>
-        </p:style>
-        <p:txBody>
-          <a:bodyPr wrap="square" rtlCol="0" anchor="ctr">
-            <a:noAutofit/>
-          </a:bodyPr>
-          <a:lstStyle/>
-          <a:p>
-            <a:pPr algn="ctr"/>
-            <a:endParaRPr lang="en-US" sz="1905">
-              <a:solidFill>
-                <a:schemeClr val="tx1"/>
-              </a:solidFill>
-            </a:endParaRPr>
-          </a:p>
-        </p:txBody>
-      </p:sp>
-      <p:sp>
-        <p:nvSpPr>
-          <p:cNvPr id="2" name="TextBox 1">
-            <a:extLst>
-              <a:ext uri="{FF2B5EF4-FFF2-40B4-BE49-F238E27FC236}">
-                <a16:creationId xmlns:a16="http://schemas.microsoft.com/office/drawing/2014/main" id="{D9E6BD13-2FAD-79A3-50B2-3EAAB3702918}"/>
-              </a:ext>
-            </a:extLst>
-          </p:cNvPr>
-          <p:cNvSpPr txBox="1"/>
-          <p:nvPr/>
-        </p:nvSpPr>
-        <p:spPr>
-          <a:xfrm>
-            <a:off x="2724884" y="13142777"/>
-            <a:ext cx="3781119" cy="476925"/>
-          </a:xfrm>
-          <a:prstGeom prst="rect">
-            <a:avLst/>
-          </a:prstGeom>
-          <a:noFill/>
-        </p:spPr>
-        <p:txBody>
-          <a:bodyPr wrap="square">
-            <a:spAutoFit/>
-          </a:bodyPr>
-          <a:lstStyle/>
-          <a:p>
-            <a:pPr algn="ctr">
-              <a:lnSpc>
-                <a:spcPct val="150000"/>
-              </a:lnSpc>
-            </a:pPr>
-            <a:r>
-              <a:rPr lang="en-US" sz="1905" b="1" cap="small" dirty="0">
-                <a:latin typeface="Oxygen" panose="02000503000000000000" pitchFamily="2" charset="0"/>
-              </a:rPr>
-              <a:t>* Conditions Apply</a:t>
-            </a:r>
-          </a:p>
-        </p:txBody>
-      </p:sp>
-      <p:sp>
-        <p:nvSpPr>
-          <p:cNvPr id="7" name="32-Point Star 20">
-            <a:extLst>
-              <a:ext uri="{FF2B5EF4-FFF2-40B4-BE49-F238E27FC236}">
-                <a16:creationId xmlns:a16="http://schemas.microsoft.com/office/drawing/2014/main" id="{87732F66-1CDC-9F00-A71F-2077157AFB0E}"/>
-              </a:ext>
-            </a:extLst>
-          </p:cNvPr>
-          <p:cNvSpPr/>
-          <p:nvPr/>
-        </p:nvSpPr>
-        <p:spPr>
-          <a:xfrm>
-            <a:off x="5880295" y="12035917"/>
-            <a:ext cx="3232443" cy="1632356"/>
-          </a:xfrm>
-          <a:prstGeom prst="star32">
-            <a:avLst/>
-          </a:prstGeom>
-          <a:solidFill>
-            <a:schemeClr val="tx1"/>
-          </a:solidFill>
-          <a:ln w="123825">
-            <a:solidFill>
-              <a:schemeClr val="tx1"/>
-            </a:solidFill>
-          </a:ln>
-        </p:spPr>
-        <p:style>
-          <a:lnRef idx="2">
-            <a:schemeClr val="accent1">
-              <a:shade val="50000"/>
-            </a:schemeClr>
-          </a:lnRef>
-          <a:fillRef idx="1">
-            <a:schemeClr val="accent1"/>
-          </a:fillRef>
-          <a:effectRef idx="0">
-            <a:schemeClr val="accent1"/>
-          </a:effectRef>
-          <a:fontRef idx="minor">
-            <a:schemeClr val="lt1"/>
-          </a:fontRef>
-        </p:style>
-        <p:txBody>
-          <a:bodyPr rtlCol="0" anchor="ctr"/>
-          <a:lstStyle/>
-          <a:p>
-            <a:pPr algn="ctr"/>
-            <a:r>
-              <a:rPr lang="en-US" sz="5400" b="1" cap="small" dirty="0">
-                <a:solidFill>
-                  <a:schemeClr val="bg1"/>
-                </a:solidFill>
-                <a:latin typeface="Oxygen" panose="02000503000000000000" pitchFamily="2" charset="0"/>
-              </a:rPr>
-              <a:t>50%</a:t>
-            </a:r>
-          </a:p>
-          <a:p>
-            <a:pPr algn="ctr"/>
-            <a:r>
-              <a:rPr lang="en-US" sz="2800" b="1" cap="small" dirty="0">
-                <a:solidFill>
-                  <a:schemeClr val="bg1"/>
-                </a:solidFill>
-                <a:latin typeface="Oxygen" panose="02000503000000000000" pitchFamily="2" charset="0"/>
-              </a:rPr>
-              <a:t>Off</a:t>
-            </a:r>
-            <a:endParaRPr lang="en-US" sz="2400" b="1" cap="small" dirty="0">
-              <a:solidFill>
-                <a:schemeClr val="bg1"/>
-              </a:solidFill>
-              <a:latin typeface="Oxygen" panose="02000503000000000000" pitchFamily="2" charset="0"/>
-            </a:endParaRPr>
-          </a:p>
-        </p:txBody>
-      </p:sp>
-      <p:sp>
-        <p:nvSpPr>
           <p:cNvPr id="14" name="TextBox 13">
             <a:extLst>
               <a:ext uri="{FF2B5EF4-FFF2-40B4-BE49-F238E27FC236}">
@@ -9348,7 +9348,7 @@
         </p:nvSpPr>
         <p:spPr>
           <a:xfrm>
-            <a:off x="2521873" y="11206135"/>
+            <a:off x="2521873" y="10952911"/>
             <a:ext cx="4100253" cy="646331"/>
           </a:xfrm>
           <a:prstGeom prst="rect">
@@ -9394,7 +9394,7 @@
         </p:blipFill>
         <p:spPr>
           <a:xfrm>
-            <a:off x="6489058" y="11206135"/>
+            <a:off x="6489058" y="10952911"/>
             <a:ext cx="738532" cy="752146"/>
           </a:xfrm>
           <a:prstGeom prst="rect">
@@ -9431,7 +9431,7 @@
         </p:blipFill>
         <p:spPr bwMode="auto">
           <a:xfrm>
-            <a:off x="1944521" y="11053122"/>
+            <a:off x="1944521" y="10799898"/>
             <a:ext cx="909396" cy="952356"/>
           </a:xfrm>
           <a:prstGeom prst="rect">
@@ -9463,7 +9463,7 @@
         </p:nvSpPr>
         <p:spPr>
           <a:xfrm>
-            <a:off x="41117" y="11987346"/>
+            <a:off x="294341" y="11846666"/>
             <a:ext cx="3232443" cy="1632356"/>
           </a:xfrm>
           <a:prstGeom prst="star32">
